--- a/slides/2_flowml-on-gcp/gcp_mlops_vertexai_supaero.pptx
+++ b/slides/2_flowml-on-gcp/gcp_mlops_vertexai_supaero.pptx
@@ -5,24 +5,26 @@
     <p:sldMasterId id="2147483660" r:id="rId4"/>
   </p:sldMasterIdLst>
   <p:notesMasterIdLst>
-    <p:notesMasterId r:id="rId20"/>
+    <p:notesMasterId r:id="rId22"/>
   </p:notesMasterIdLst>
   <p:sldIdLst>
     <p:sldId id="256" r:id="rId5"/>
     <p:sldId id="324" r:id="rId6"/>
     <p:sldId id="312" r:id="rId7"/>
-    <p:sldId id="381" r:id="rId8"/>
-    <p:sldId id="382" r:id="rId9"/>
-    <p:sldId id="385" r:id="rId10"/>
-    <p:sldId id="386" r:id="rId11"/>
-    <p:sldId id="387" r:id="rId12"/>
-    <p:sldId id="388" r:id="rId13"/>
-    <p:sldId id="389" r:id="rId14"/>
-    <p:sldId id="390" r:id="rId15"/>
-    <p:sldId id="391" r:id="rId16"/>
-    <p:sldId id="392" r:id="rId17"/>
-    <p:sldId id="393" r:id="rId18"/>
-    <p:sldId id="394" r:id="rId19"/>
+    <p:sldId id="397" r:id="rId8"/>
+    <p:sldId id="398" r:id="rId9"/>
+    <p:sldId id="381" r:id="rId10"/>
+    <p:sldId id="382" r:id="rId11"/>
+    <p:sldId id="385" r:id="rId12"/>
+    <p:sldId id="386" r:id="rId13"/>
+    <p:sldId id="387" r:id="rId14"/>
+    <p:sldId id="388" r:id="rId15"/>
+    <p:sldId id="389" r:id="rId16"/>
+    <p:sldId id="390" r:id="rId17"/>
+    <p:sldId id="392" r:id="rId18"/>
+    <p:sldId id="391" r:id="rId19"/>
+    <p:sldId id="393" r:id="rId20"/>
+    <p:sldId id="394" r:id="rId21"/>
   </p:sldIdLst>
   <p:sldSz cx="12192000" cy="6858000"/>
   <p:notesSz cx="6858000" cy="9144000"/>
@@ -223,7 +225,7 @@
           <a:p>
             <a:fld id="{68F33786-69FA-47D8-964E-2BB12BEAF6E1}" type="datetimeFigureOut">
               <a:rPr lang="fr-FR" smtClean="0"/>
-              <a:t>19/02/2025</a:t>
+              <a:t>28/02/2025</a:t>
             </a:fld>
             <a:endParaRPr lang="fr-FR"/>
           </a:p>
@@ -12106,7 +12108,7 @@
       </p:grpSpPr>
       <p:sp>
         <p:nvSpPr>
-          <p:cNvPr id="6" name="Titre 5"/>
+          <p:cNvPr id="2" name="Titre 1"/>
           <p:cNvSpPr>
             <a:spLocks noGrp="1"/>
           </p:cNvSpPr>
@@ -12121,7 +12123,7 @@
           <a:p>
             <a:r>
               <a:rPr lang="fr-FR" dirty="0" smtClean="0"/>
-              <a:t>TP</a:t>
+              <a:t>Vertex AI – Model Evaluation</a:t>
             </a:r>
             <a:endParaRPr lang="fr-FR" dirty="0"/>
           </a:p>
@@ -12158,12 +12160,12 @@
       </p:sp>
       <p:sp>
         <p:nvSpPr>
-          <p:cNvPr id="7" name="Espace réservé du texte 6"/>
-          <p:cNvSpPr>
-            <a:spLocks noGrp="1"/>
-          </p:cNvSpPr>
-          <p:nvPr>
-            <p:ph type="body" sz="quarter" idx="10"/>
+          <p:cNvPr id="5" name="Espace réservé du pied de page 4"/>
+          <p:cNvSpPr>
+            <a:spLocks noGrp="1"/>
+          </p:cNvSpPr>
+          <p:nvPr>
+            <p:ph type="ftr" sz="quarter" idx="3"/>
           </p:nvPr>
         </p:nvSpPr>
         <p:spPr/>
@@ -12171,43 +12173,147 @@
           <a:bodyPr/>
           <a:lstStyle/>
           <a:p>
-            <a:endParaRPr lang="fr-FR"/>
-          </a:p>
-        </p:txBody>
-      </p:sp>
-      <p:sp>
-        <p:nvSpPr>
-          <p:cNvPr id="5" name="Espace réservé du pied de page 4"/>
-          <p:cNvSpPr>
-            <a:spLocks noGrp="1"/>
-          </p:cNvSpPr>
-          <p:nvPr>
-            <p:ph type="ftr" sz="quarter" idx="3"/>
-          </p:nvPr>
-        </p:nvSpPr>
-        <p:spPr/>
-        <p:txBody>
-          <a:bodyPr/>
+            <a:r>
+              <a:rPr lang="en-US"/>
+              <a:t>2025 | ©HeadMind Partners AI &amp; Blockchain | Confidentiel</a:t>
+            </a:r>
+            <a:endParaRPr lang="fr-FR" dirty="0"/>
+          </a:p>
+        </p:txBody>
+      </p:sp>
+      <p:pic>
+        <p:nvPicPr>
+          <p:cNvPr id="7" name="Picture 2" descr="TensorBoard view appears"/>
+          <p:cNvPicPr>
+            <a:picLocks noChangeAspect="1" noChangeArrowheads="1"/>
+          </p:cNvPicPr>
+          <p:nvPr/>
+        </p:nvPicPr>
+        <p:blipFill>
+          <a:blip r:embed="rId2">
+            <a:extLst>
+              <a:ext uri="{28A0092B-C50C-407E-A947-70E740481C1C}">
+                <a14:useLocalDpi xmlns:a14="http://schemas.microsoft.com/office/drawing/2010/main" val="0"/>
+              </a:ext>
+            </a:extLst>
+          </a:blip>
+          <a:srcRect/>
+          <a:stretch>
+            <a:fillRect/>
+          </a:stretch>
+        </p:blipFill>
+        <p:spPr bwMode="auto">
+          <a:xfrm>
+            <a:off x="873734" y="1316619"/>
+            <a:ext cx="5310190" cy="4826223"/>
+          </a:xfrm>
+          <a:prstGeom prst="rect">
+            <a:avLst/>
+          </a:prstGeom>
+          <a:noFill/>
+          <a:extLst>
+            <a:ext uri="{909E8E84-426E-40DD-AFC4-6F175D3DCCD1}">
+              <a14:hiddenFill xmlns:a14="http://schemas.microsoft.com/office/drawing/2010/main">
+                <a:solidFill>
+                  <a:srgbClr val="FFFFFF"/>
+                </a:solidFill>
+              </a14:hiddenFill>
+            </a:ext>
+          </a:extLst>
+        </p:spPr>
+      </p:pic>
+      <p:sp>
+        <p:nvSpPr>
+          <p:cNvPr id="6" name="ZoneTexte 5"/>
+          <p:cNvSpPr txBox="1"/>
+          <p:nvPr/>
+        </p:nvSpPr>
+        <p:spPr>
+          <a:xfrm>
+            <a:off x="6442713" y="2375513"/>
+            <a:ext cx="5458237" cy="1600438"/>
+          </a:xfrm>
+          <a:prstGeom prst="rect">
+            <a:avLst/>
+          </a:prstGeom>
+          <a:noFill/>
+        </p:spPr>
+        <p:txBody>
+          <a:bodyPr wrap="square" rtlCol="0">
+            <a:spAutoFit/>
+          </a:bodyPr>
           <a:lstStyle/>
           <a:p>
             <a:r>
-              <a:rPr lang="en-US" smtClean="0"/>
-              <a:t>2025 | ©HeadMind Partners AI &amp; Blockchain | Confidentiel</a:t>
-            </a:r>
-            <a:endParaRPr lang="fr-FR" dirty="0"/>
+              <a:rPr lang="fr-FR" b="1" i="1" dirty="0" err="1" smtClean="0"/>
+              <a:t>Tensorboard</a:t>
+            </a:r>
+            <a:r>
+              <a:rPr lang="fr-FR" b="1" i="1" dirty="0" smtClean="0"/>
+              <a:t>:</a:t>
+            </a:r>
+          </a:p>
+          <a:p>
+            <a:pPr marL="285750" indent="-285750">
+              <a:buFontTx/>
+              <a:buChar char="-"/>
+            </a:pPr>
+            <a:r>
+              <a:rPr lang="fr-FR" sz="1600" dirty="0" smtClean="0"/>
+              <a:t>Suivre des métriques de l’entrainement en temps réel</a:t>
+            </a:r>
+          </a:p>
+          <a:p>
+            <a:pPr marL="285750" indent="-285750">
+              <a:buFontTx/>
+              <a:buChar char="-"/>
+            </a:pPr>
+            <a:r>
+              <a:rPr lang="fr-FR" sz="1600" dirty="0"/>
+              <a:t>Fine-tuner les hyper paramètres</a:t>
+            </a:r>
+            <a:endParaRPr lang="fr-FR" sz="1600" dirty="0" smtClean="0"/>
+          </a:p>
+          <a:p>
+            <a:pPr marL="285750" indent="-285750">
+              <a:buFontTx/>
+              <a:buChar char="-"/>
+            </a:pPr>
+            <a:r>
+              <a:rPr lang="fr-FR" sz="1600" dirty="0" smtClean="0"/>
+              <a:t>Visualiser le graph d’apprentissage en fonction des hyper paramètres</a:t>
+            </a:r>
+          </a:p>
+          <a:p>
+            <a:pPr marL="285750" indent="-285750">
+              <a:buFontTx/>
+              <a:buChar char="-"/>
+            </a:pPr>
+            <a:r>
+              <a:rPr lang="fr-FR" sz="1600" dirty="0" smtClean="0"/>
+              <a:t>Debugger le résultat</a:t>
+            </a:r>
+            <a:endParaRPr lang="fr-FR" sz="1600" dirty="0"/>
           </a:p>
         </p:txBody>
       </p:sp>
     </p:spTree>
     <p:extLst>
       <p:ext uri="{BB962C8B-B14F-4D97-AF65-F5344CB8AC3E}">
-        <p14:creationId xmlns:p14="http://schemas.microsoft.com/office/powerpoint/2010/main" val="3879313344"/>
+        <p14:creationId xmlns:p14="http://schemas.microsoft.com/office/powerpoint/2010/main" val="3993066215"/>
       </p:ext>
     </p:extLst>
   </p:cSld>
   <p:clrMapOvr>
     <a:masterClrMapping/>
   </p:clrMapOvr>
+  <p:timing>
+    <p:tnLst>
+      <p:par>
+        <p:cTn id="1" dur="indefinite" restart="never" nodeType="tmRoot"/>
+      </p:par>
+    </p:tnLst>
+  </p:timing>
 </p:sld>
 </file>
 
@@ -12230,12 +12336,12 @@
       </p:grpSpPr>
       <p:sp>
         <p:nvSpPr>
-          <p:cNvPr id="40" name="Espace réservé du contenu 39"/>
-          <p:cNvSpPr>
-            <a:spLocks noGrp="1"/>
-          </p:cNvSpPr>
-          <p:nvPr>
-            <p:ph sz="quarter" idx="27"/>
+          <p:cNvPr id="2" name="Titre 1"/>
+          <p:cNvSpPr>
+            <a:spLocks noGrp="1"/>
+          </p:cNvSpPr>
+          <p:nvPr>
+            <p:ph type="title"/>
           </p:nvPr>
         </p:nvSpPr>
         <p:spPr/>
@@ -12245,7 +12351,7 @@
           <a:p>
             <a:r>
               <a:rPr lang="fr-FR" dirty="0" smtClean="0"/>
-              <a:t>03</a:t>
+              <a:t>Vertex AI – Expérimentes</a:t>
             </a:r>
             <a:endParaRPr lang="fr-FR" dirty="0"/>
           </a:p>
@@ -12253,126 +12359,7 @@
       </p:sp>
       <p:sp>
         <p:nvSpPr>
-          <p:cNvPr id="31" name="Titre 30"/>
-          <p:cNvSpPr>
-            <a:spLocks noGrp="1"/>
-          </p:cNvSpPr>
-          <p:nvPr>
-            <p:ph type="title"/>
-          </p:nvPr>
-        </p:nvSpPr>
-        <p:spPr/>
-        <p:txBody>
-          <a:bodyPr/>
-          <a:lstStyle/>
-          <a:p>
-            <a:endParaRPr lang="fr-FR"/>
-          </a:p>
-        </p:txBody>
-      </p:sp>
-      <p:sp>
-        <p:nvSpPr>
-          <p:cNvPr id="32" name="Espace réservé du texte 31"/>
-          <p:cNvSpPr>
-            <a:spLocks noGrp="1"/>
-          </p:cNvSpPr>
-          <p:nvPr>
-            <p:ph type="body" sz="quarter" idx="13"/>
-          </p:nvPr>
-        </p:nvSpPr>
-        <p:spPr/>
-        <p:txBody>
-          <a:bodyPr/>
-          <a:lstStyle/>
-          <a:p>
-            <a:r>
-              <a:rPr lang="fr-FR" dirty="0" smtClean="0"/>
-              <a:t>S’acclimater à la </a:t>
-            </a:r>
-            <a:r>
-              <a:rPr lang="fr-FR" dirty="0" err="1" smtClean="0"/>
-              <a:t>platreforme</a:t>
-            </a:r>
-            <a:endParaRPr lang="fr-FR" dirty="0"/>
-          </a:p>
-        </p:txBody>
-      </p:sp>
-      <p:sp>
-        <p:nvSpPr>
-          <p:cNvPr id="33" name="Espace réservé du texte 32"/>
-          <p:cNvSpPr>
-            <a:spLocks noGrp="1"/>
-          </p:cNvSpPr>
-          <p:nvPr>
-            <p:ph type="body" sz="quarter" idx="14"/>
-          </p:nvPr>
-        </p:nvSpPr>
-        <p:spPr/>
-        <p:txBody>
-          <a:bodyPr/>
-          <a:lstStyle/>
-          <a:p>
-            <a:r>
-              <a:rPr lang="fr-FR" dirty="0" smtClean="0"/>
-              <a:t>Utiliser Vertex AI via Python</a:t>
-            </a:r>
-            <a:endParaRPr lang="fr-FR" dirty="0"/>
-          </a:p>
-        </p:txBody>
-      </p:sp>
-      <p:sp>
-        <p:nvSpPr>
-          <p:cNvPr id="34" name="Espace réservé du texte 33"/>
-          <p:cNvSpPr>
-            <a:spLocks noGrp="1"/>
-          </p:cNvSpPr>
-          <p:nvPr>
-            <p:ph type="body" sz="quarter" idx="15"/>
-          </p:nvPr>
-        </p:nvSpPr>
-        <p:spPr/>
-        <p:txBody>
-          <a:bodyPr/>
-          <a:lstStyle/>
-          <a:p>
-            <a:r>
-              <a:rPr lang="fr-FR" dirty="0" smtClean="0"/>
-              <a:t>Naviguer dans un </a:t>
-            </a:r>
-            <a:r>
-              <a:rPr lang="fr-FR" dirty="0" err="1" smtClean="0"/>
-              <a:t>expériment</a:t>
-            </a:r>
-            <a:r>
-              <a:rPr lang="fr-FR" dirty="0" smtClean="0"/>
-              <a:t> via Python</a:t>
-            </a:r>
-            <a:endParaRPr lang="fr-FR" dirty="0"/>
-          </a:p>
-        </p:txBody>
-      </p:sp>
-      <p:sp>
-        <p:nvSpPr>
-          <p:cNvPr id="35" name="Espace réservé du texte 34"/>
-          <p:cNvSpPr>
-            <a:spLocks noGrp="1"/>
-          </p:cNvSpPr>
-          <p:nvPr>
-            <p:ph type="body" sz="quarter" idx="19"/>
-          </p:nvPr>
-        </p:nvSpPr>
-        <p:spPr/>
-        <p:txBody>
-          <a:bodyPr/>
-          <a:lstStyle/>
-          <a:p>
-            <a:endParaRPr lang="fr-FR"/>
-          </a:p>
-        </p:txBody>
-      </p:sp>
-      <p:sp>
-        <p:nvSpPr>
-          <p:cNvPr id="3" name="Espace réservé du numéro de diapositive 2"/>
+          <p:cNvPr id="4" name="Espace réservé du numéro de diapositive 3"/>
           <p:cNvSpPr>
             <a:spLocks noGrp="1"/>
           </p:cNvSpPr>
@@ -12401,12 +12388,12 @@
       </p:sp>
       <p:sp>
         <p:nvSpPr>
-          <p:cNvPr id="36" name="Espace réservé du texte 35"/>
-          <p:cNvSpPr>
-            <a:spLocks noGrp="1"/>
-          </p:cNvSpPr>
-          <p:nvPr>
-            <p:ph type="body" sz="quarter" idx="22"/>
+          <p:cNvPr id="5" name="Espace réservé du pied de page 4"/>
+          <p:cNvSpPr>
+            <a:spLocks noGrp="1"/>
+          </p:cNvSpPr>
+          <p:nvPr>
+            <p:ph type="ftr" sz="quarter" idx="3"/>
           </p:nvPr>
         </p:nvSpPr>
         <p:spPr/>
@@ -12414,257 +12401,151 @@
           <a:bodyPr/>
           <a:lstStyle/>
           <a:p>
-            <a:endParaRPr lang="fr-FR"/>
-          </a:p>
-        </p:txBody>
-      </p:sp>
-      <p:sp>
-        <p:nvSpPr>
-          <p:cNvPr id="37" name="Espace réservé du texte 36"/>
-          <p:cNvSpPr>
-            <a:spLocks noGrp="1"/>
-          </p:cNvSpPr>
-          <p:nvPr>
-            <p:ph type="body" sz="quarter" idx="23"/>
-          </p:nvPr>
-        </p:nvSpPr>
-        <p:spPr/>
-        <p:txBody>
-          <a:bodyPr/>
+            <a:r>
+              <a:rPr lang="en-US"/>
+              <a:t>2025 | ©HeadMind Partners AI &amp; Blockchain | Confidentiel</a:t>
+            </a:r>
+            <a:endParaRPr lang="fr-FR" dirty="0"/>
+          </a:p>
+        </p:txBody>
+      </p:sp>
+      <p:pic>
+        <p:nvPicPr>
+          <p:cNvPr id="8" name="Espace réservé du contenu 3"/>
+          <p:cNvPicPr>
+            <a:picLocks noChangeAspect="1"/>
+          </p:cNvPicPr>
+          <p:nvPr/>
+        </p:nvPicPr>
+        <p:blipFill>
+          <a:blip r:embed="rId2"/>
+          <a:stretch>
+            <a:fillRect/>
+          </a:stretch>
+        </p:blipFill>
+        <p:spPr>
+          <a:xfrm>
+            <a:off x="3764974" y="1396013"/>
+            <a:ext cx="7843551" cy="4667437"/>
+          </a:xfrm>
+          <a:prstGeom prst="rect">
+            <a:avLst/>
+          </a:prstGeom>
+        </p:spPr>
+      </p:pic>
+      <p:sp>
+        <p:nvSpPr>
+          <p:cNvPr id="6" name="ZoneTexte 5"/>
+          <p:cNvSpPr txBox="1"/>
+          <p:nvPr/>
+        </p:nvSpPr>
+        <p:spPr>
+          <a:xfrm>
+            <a:off x="511909" y="1862667"/>
+            <a:ext cx="3111824" cy="2862322"/>
+          </a:xfrm>
+          <a:prstGeom prst="rect">
+            <a:avLst/>
+          </a:prstGeom>
+          <a:noFill/>
+        </p:spPr>
+        <p:txBody>
+          <a:bodyPr wrap="square" rtlCol="0">
+            <a:spAutoFit/>
+          </a:bodyPr>
           <a:lstStyle/>
           <a:p>
-            <a:endParaRPr lang="fr-FR"/>
-          </a:p>
-        </p:txBody>
-      </p:sp>
-      <p:sp>
-        <p:nvSpPr>
-          <p:cNvPr id="42" name="Espace réservé du contenu 41"/>
-          <p:cNvSpPr>
-            <a:spLocks noGrp="1"/>
-          </p:cNvSpPr>
-          <p:nvPr>
-            <p:ph sz="quarter" idx="29"/>
-          </p:nvPr>
-        </p:nvSpPr>
-        <p:spPr/>
-        <p:txBody>
-          <a:bodyPr/>
-          <a:lstStyle/>
-          <a:p>
-            <a:r>
-              <a:rPr lang="fr-FR" dirty="0" smtClean="0"/>
-              <a:t>05</a:t>
-            </a:r>
-            <a:endParaRPr lang="fr-FR" dirty="0"/>
-          </a:p>
-        </p:txBody>
-      </p:sp>
-      <p:sp>
-        <p:nvSpPr>
-          <p:cNvPr id="43" name="Espace réservé du texte 42"/>
-          <p:cNvSpPr>
-            <a:spLocks noGrp="1"/>
-          </p:cNvSpPr>
-          <p:nvPr>
-            <p:ph type="body" sz="quarter" idx="30"/>
-          </p:nvPr>
-        </p:nvSpPr>
-        <p:spPr/>
-        <p:txBody>
-          <a:bodyPr/>
-          <a:lstStyle/>
-          <a:p>
-            <a:r>
-              <a:rPr lang="fr-FR" dirty="0" smtClean="0"/>
-              <a:t>Model </a:t>
-            </a:r>
-            <a:r>
-              <a:rPr lang="fr-FR" dirty="0" err="1" smtClean="0"/>
-              <a:t>Registry</a:t>
-            </a:r>
-            <a:endParaRPr lang="fr-FR" dirty="0"/>
-          </a:p>
-        </p:txBody>
-      </p:sp>
-      <p:sp>
-        <p:nvSpPr>
-          <p:cNvPr id="44" name="Espace réservé du texte 43"/>
-          <p:cNvSpPr>
-            <a:spLocks noGrp="1"/>
-          </p:cNvSpPr>
-          <p:nvPr>
-            <p:ph type="body" sz="quarter" idx="31"/>
-          </p:nvPr>
-        </p:nvSpPr>
-        <p:spPr/>
-        <p:txBody>
-          <a:bodyPr/>
-          <a:lstStyle/>
-          <a:p>
-            <a:r>
-              <a:rPr lang="fr-FR" dirty="0" err="1" smtClean="0"/>
-              <a:t>Tensorboard</a:t>
-            </a:r>
-            <a:endParaRPr lang="fr-FR" dirty="0"/>
-          </a:p>
-        </p:txBody>
-      </p:sp>
-      <p:sp>
-        <p:nvSpPr>
-          <p:cNvPr id="46" name="Espace réservé du texte 45"/>
-          <p:cNvSpPr>
-            <a:spLocks noGrp="1"/>
-          </p:cNvSpPr>
-          <p:nvPr>
-            <p:ph type="body" sz="quarter" idx="33"/>
-          </p:nvPr>
-        </p:nvSpPr>
-        <p:spPr/>
-        <p:txBody>
-          <a:bodyPr/>
-          <a:lstStyle/>
-          <a:p>
-            <a:endParaRPr lang="fr-FR"/>
-          </a:p>
-        </p:txBody>
-      </p:sp>
-      <p:sp>
-        <p:nvSpPr>
-          <p:cNvPr id="47" name="Espace réservé du texte 46"/>
-          <p:cNvSpPr>
-            <a:spLocks noGrp="1"/>
-          </p:cNvSpPr>
-          <p:nvPr>
-            <p:ph type="body" sz="quarter" idx="34"/>
-          </p:nvPr>
-        </p:nvSpPr>
-        <p:spPr/>
-        <p:txBody>
-          <a:bodyPr/>
-          <a:lstStyle/>
-          <a:p>
-            <a:endParaRPr lang="fr-FR"/>
-          </a:p>
-        </p:txBody>
-      </p:sp>
-      <p:sp>
-        <p:nvSpPr>
-          <p:cNvPr id="49" name="Espace réservé du contenu 48"/>
-          <p:cNvSpPr>
-            <a:spLocks noGrp="1"/>
-          </p:cNvSpPr>
-          <p:nvPr>
-            <p:ph sz="quarter" idx="36"/>
-          </p:nvPr>
-        </p:nvSpPr>
-        <p:spPr/>
-        <p:txBody>
-          <a:bodyPr/>
-          <a:lstStyle/>
-          <a:p>
-            <a:r>
-              <a:rPr lang="fr-FR" dirty="0" smtClean="0"/>
-              <a:t>04</a:t>
-            </a:r>
-            <a:endParaRPr lang="fr-FR" dirty="0"/>
-          </a:p>
-        </p:txBody>
-      </p:sp>
-      <p:sp>
-        <p:nvSpPr>
-          <p:cNvPr id="5" name="Espace réservé du pied de page 4"/>
-          <p:cNvSpPr>
-            <a:spLocks noGrp="1"/>
-          </p:cNvSpPr>
-          <p:nvPr>
-            <p:ph type="ftr" sz="quarter" idx="3"/>
-          </p:nvPr>
-        </p:nvSpPr>
-        <p:spPr/>
-        <p:txBody>
-          <a:bodyPr/>
-          <a:lstStyle/>
-          <a:p>
-            <a:r>
-              <a:rPr lang="en-US" smtClean="0"/>
-              <a:t>2025 | ©HeadMind Partners AI &amp; Blockchain | Confidentiel</a:t>
-            </a:r>
-            <a:endParaRPr lang="fr-FR" dirty="0"/>
-          </a:p>
-        </p:txBody>
-      </p:sp>
-      <p:sp>
-        <p:nvSpPr>
-          <p:cNvPr id="22" name="Espace réservé du contenu 39"/>
-          <p:cNvSpPr>
-            <a:spLocks noGrp="1"/>
-          </p:cNvSpPr>
-          <p:nvPr>
-            <p:ph sz="quarter" idx="27"/>
-          </p:nvPr>
-        </p:nvSpPr>
-        <p:spPr>
-          <a:xfrm>
-            <a:off x="511908" y="1599466"/>
-            <a:ext cx="787400" cy="569913"/>
-          </a:xfrm>
-        </p:spPr>
-        <p:txBody>
-          <a:bodyPr/>
-          <a:lstStyle/>
-          <a:p>
-            <a:r>
-              <a:rPr lang="fr-FR" dirty="0" smtClean="0"/>
-              <a:t>01</a:t>
-            </a:r>
-            <a:endParaRPr lang="fr-FR" dirty="0"/>
-          </a:p>
-        </p:txBody>
-      </p:sp>
-      <p:sp>
-        <p:nvSpPr>
-          <p:cNvPr id="23" name="Espace réservé du contenu 39"/>
-          <p:cNvSpPr>
-            <a:spLocks noGrp="1"/>
-          </p:cNvSpPr>
-          <p:nvPr>
-            <p:ph sz="quarter" idx="27"/>
-          </p:nvPr>
-        </p:nvSpPr>
-        <p:spPr>
-          <a:xfrm>
-            <a:off x="503302" y="3125491"/>
-            <a:ext cx="787400" cy="569913"/>
-          </a:xfrm>
-        </p:spPr>
-        <p:txBody>
-          <a:bodyPr/>
-          <a:lstStyle/>
-          <a:p>
-            <a:r>
-              <a:rPr lang="fr-FR" dirty="0" smtClean="0"/>
-              <a:t>02</a:t>
-            </a:r>
-            <a:endParaRPr lang="fr-FR" dirty="0"/>
+            <a:r>
+              <a:rPr lang="fr-FR" b="1" i="1" dirty="0" smtClean="0"/>
+              <a:t>Expérimentes:</a:t>
+            </a:r>
+          </a:p>
+          <a:p>
+            <a:pPr marL="285750" indent="-285750">
+              <a:buFontTx/>
+              <a:buChar char="-"/>
+            </a:pPr>
+            <a:r>
+              <a:rPr lang="fr-FR" sz="1600" dirty="0" smtClean="0"/>
+              <a:t>Loguer les paramètres, les hyper paramètres, les métriques et les </a:t>
+            </a:r>
+            <a:r>
+              <a:rPr lang="fr-FR" sz="1600" dirty="0" err="1" smtClean="0"/>
+              <a:t>artifacts</a:t>
+            </a:r>
+            <a:r>
+              <a:rPr lang="fr-FR" sz="1600" dirty="0" smtClean="0"/>
+              <a:t> du modèle</a:t>
+            </a:r>
+          </a:p>
+          <a:p>
+            <a:pPr marL="285750" indent="-285750">
+              <a:buFontTx/>
+              <a:buChar char="-"/>
+            </a:pPr>
+            <a:r>
+              <a:rPr lang="fr-FR" sz="1600" dirty="0" smtClean="0"/>
+              <a:t>Visualiser et comparer plusieurs </a:t>
+            </a:r>
+            <a:r>
+              <a:rPr lang="fr-FR" sz="1600" dirty="0" err="1" smtClean="0"/>
+              <a:t>runs</a:t>
+            </a:r>
+            <a:endParaRPr lang="fr-FR" sz="1600" dirty="0" smtClean="0"/>
+          </a:p>
+          <a:p>
+            <a:pPr marL="285750" indent="-285750">
+              <a:buFontTx/>
+              <a:buChar char="-"/>
+            </a:pPr>
+            <a:r>
+              <a:rPr lang="fr-FR" sz="1600" dirty="0" smtClean="0"/>
+              <a:t>Sauvegarder l’histoire du </a:t>
+            </a:r>
+            <a:r>
+              <a:rPr lang="fr-FR" sz="1600" dirty="0" err="1" smtClean="0"/>
+              <a:t>run</a:t>
+            </a:r>
+            <a:r>
+              <a:rPr lang="fr-FR" sz="1600" dirty="0" smtClean="0"/>
+              <a:t>, input et la performance du modèle</a:t>
+            </a:r>
+          </a:p>
+          <a:p>
+            <a:pPr marL="285750" indent="-285750">
+              <a:buFontTx/>
+              <a:buChar char="-"/>
+            </a:pPr>
+            <a:r>
+              <a:rPr lang="fr-FR" sz="1600" dirty="0" smtClean="0"/>
+              <a:t>Un outil collaboratif</a:t>
+            </a:r>
+            <a:endParaRPr lang="fr-FR" sz="1600" dirty="0"/>
           </a:p>
         </p:txBody>
       </p:sp>
     </p:spTree>
     <p:extLst>
       <p:ext uri="{BB962C8B-B14F-4D97-AF65-F5344CB8AC3E}">
-        <p14:creationId xmlns:p14="http://schemas.microsoft.com/office/powerpoint/2010/main" val="2964725234"/>
+        <p14:creationId xmlns:p14="http://schemas.microsoft.com/office/powerpoint/2010/main" val="2830721752"/>
       </p:ext>
     </p:extLst>
   </p:cSld>
   <p:clrMapOvr>
     <a:masterClrMapping/>
   </p:clrMapOvr>
+  <p:timing>
+    <p:tnLst>
+      <p:par>
+        <p:cTn id="1" dur="indefinite" restart="never" nodeType="tmRoot"/>
+      </p:par>
+    </p:tnLst>
+  </p:timing>
 </p:sld>
 </file>
 
 <file path=ppt/slides/slide12.xml><?xml version="1.0" encoding="utf-8"?>
-<p:sld xmlns:a="http://schemas.openxmlformats.org/drawingml/2006/main" xmlns:r="http://schemas.openxmlformats.org/officeDocument/2006/relationships" xmlns:p="http://schemas.openxmlformats.org/presentationml/2006/main">
+<p:sld xmlns:a="http://schemas.openxmlformats.org/drawingml/2006/main" xmlns:r="http://schemas.openxmlformats.org/officeDocument/2006/relationships" xmlns:p="http://schemas.openxmlformats.org/presentationml/2006/main" show="0">
   <p:cSld>
     <p:spTree>
       <p:nvGrpSpPr>
@@ -12682,7 +12563,7 @@
       </p:grpSpPr>
       <p:sp>
         <p:nvSpPr>
-          <p:cNvPr id="23" name="Titre 22"/>
+          <p:cNvPr id="6" name="Titre 5"/>
           <p:cNvSpPr>
             <a:spLocks noGrp="1"/>
           </p:cNvSpPr>
@@ -12697,15 +12578,7 @@
           <a:p>
             <a:r>
               <a:rPr lang="fr-FR" dirty="0" smtClean="0"/>
-              <a:t>TP 2 : Modèle </a:t>
-            </a:r>
-            <a:r>
-              <a:rPr lang="fr-FR" dirty="0" err="1" smtClean="0"/>
-              <a:t>Registry</a:t>
-            </a:r>
-            <a:r>
-              <a:rPr lang="fr-FR" dirty="0" smtClean="0"/>
-              <a:t> </a:t>
+              <a:t>TP</a:t>
             </a:r>
             <a:endParaRPr lang="fr-FR" dirty="0"/>
           </a:p>
@@ -12713,197 +12586,7 @@
       </p:sp>
       <p:sp>
         <p:nvSpPr>
-          <p:cNvPr id="24" name="Espace réservé du texte 23"/>
-          <p:cNvSpPr>
-            <a:spLocks noGrp="1"/>
-          </p:cNvSpPr>
-          <p:nvPr>
-            <p:ph type="body" sz="quarter" idx="14"/>
-          </p:nvPr>
-        </p:nvSpPr>
-        <p:spPr/>
-        <p:txBody>
-          <a:bodyPr/>
-          <a:lstStyle/>
-          <a:p>
-            <a:pPr marL="0" indent="0">
-              <a:buNone/>
-            </a:pPr>
-            <a:r>
-              <a:rPr lang="en-US" sz="1400" dirty="0"/>
-              <a:t>In this tutorial, you learn how to use Vertex AI Model Registry to create and register multiple versions of a model.</a:t>
-            </a:r>
-          </a:p>
-          <a:p>
-            <a:pPr marL="0" indent="0">
-              <a:buNone/>
-            </a:pPr>
-            <a:r>
-              <a:rPr lang="en-US" sz="1400" dirty="0"/>
-              <a:t>This tutorial uses the following Vertex AI services and resources:</a:t>
-            </a:r>
-          </a:p>
-          <a:p>
-            <a:pPr lvl="1"/>
-            <a:r>
-              <a:rPr lang="en-US" sz="1200" dirty="0"/>
-              <a:t>Vertex AI Model Registry</a:t>
-            </a:r>
-          </a:p>
-          <a:p>
-            <a:pPr lvl="1"/>
-            <a:r>
-              <a:rPr lang="en-US" sz="1200" dirty="0"/>
-              <a:t>Vertex AI model resources</a:t>
-            </a:r>
-          </a:p>
-          <a:p>
-            <a:pPr lvl="1"/>
-            <a:r>
-              <a:rPr lang="en-US" sz="1200" dirty="0"/>
-              <a:t>Vertex AI endpoint resources</a:t>
-            </a:r>
-          </a:p>
-          <a:p>
-            <a:pPr marL="0" indent="0">
-              <a:buNone/>
-            </a:pPr>
-            <a:r>
-              <a:rPr lang="en-US" sz="1400" dirty="0"/>
-              <a:t>The steps performed include:</a:t>
-            </a:r>
-          </a:p>
-          <a:p>
-            <a:pPr lvl="1"/>
-            <a:r>
-              <a:rPr lang="en-US" sz="1200" dirty="0"/>
-              <a:t>Create and register a first version of a model to Vertex AI Model Registry.</a:t>
-            </a:r>
-          </a:p>
-          <a:p>
-            <a:pPr lvl="1"/>
-            <a:r>
-              <a:rPr lang="en-US" sz="1200" dirty="0"/>
-              <a:t>Create and register a second version of a model to Vertex AI Model Registry.</a:t>
-            </a:r>
-          </a:p>
-          <a:p>
-            <a:pPr lvl="1"/>
-            <a:r>
-              <a:rPr lang="en-US" sz="1200" dirty="0"/>
-              <a:t>Updating the model version which is the default.</a:t>
-            </a:r>
-          </a:p>
-          <a:p>
-            <a:pPr lvl="1"/>
-            <a:r>
-              <a:rPr lang="en-US" sz="1200" dirty="0"/>
-              <a:t>Deleting a model version.</a:t>
-            </a:r>
-          </a:p>
-          <a:p>
-            <a:pPr lvl="1"/>
-            <a:r>
-              <a:rPr lang="en-US" sz="1200" dirty="0"/>
-              <a:t>Retraining the next model version.</a:t>
-            </a:r>
-          </a:p>
-          <a:p>
-            <a:pPr marL="0" indent="0">
-              <a:buNone/>
-            </a:pPr>
-            <a:endParaRPr lang="fr-FR" sz="1400" dirty="0">
-              <a:hlinkClick r:id="rId2"/>
-            </a:endParaRPr>
-          </a:p>
-          <a:p>
-            <a:pPr marL="0" indent="0">
-              <a:buNone/>
-            </a:pPr>
-            <a:endParaRPr lang="fr-FR" sz="1400" dirty="0">
-              <a:hlinkClick r:id="rId2"/>
-            </a:endParaRPr>
-          </a:p>
-          <a:p>
-            <a:pPr marL="0" indent="0">
-              <a:buNone/>
-            </a:pPr>
-            <a:r>
-              <a:rPr lang="fr-FR" sz="1400" dirty="0">
-                <a:hlinkClick r:id="rId2"/>
-              </a:rPr>
-              <a:t>vertex-ai-</a:t>
-            </a:r>
-            <a:r>
-              <a:rPr lang="fr-FR" sz="1400" dirty="0" err="1">
-                <a:hlinkClick r:id="rId2"/>
-              </a:rPr>
-              <a:t>samples</a:t>
-            </a:r>
-            <a:r>
-              <a:rPr lang="fr-FR" sz="1400" dirty="0">
-                <a:hlinkClick r:id="rId2"/>
-              </a:rPr>
-              <a:t>/notebooks/official/</a:t>
-            </a:r>
-            <a:r>
-              <a:rPr lang="fr-FR" sz="1400" dirty="0" err="1">
-                <a:hlinkClick r:id="rId2"/>
-              </a:rPr>
-              <a:t>model_registry</a:t>
-            </a:r>
-            <a:r>
-              <a:rPr lang="fr-FR" sz="1400" dirty="0">
-                <a:hlinkClick r:id="rId2"/>
-              </a:rPr>
-              <a:t>/</a:t>
-            </a:r>
-            <a:r>
-              <a:rPr lang="fr-FR" sz="1400" dirty="0" err="1">
-                <a:hlinkClick r:id="rId2"/>
-              </a:rPr>
-              <a:t>get_started_with_model_registry.ipynb</a:t>
-            </a:r>
-            <a:r>
-              <a:rPr lang="fr-FR" sz="1400" dirty="0">
-                <a:hlinkClick r:id="rId2"/>
-              </a:rPr>
-              <a:t> at main · </a:t>
-            </a:r>
-            <a:r>
-              <a:rPr lang="fr-FR" sz="1400" dirty="0" err="1">
-                <a:hlinkClick r:id="rId2"/>
-              </a:rPr>
-              <a:t>GoogleCloudPlatform</a:t>
-            </a:r>
-            <a:r>
-              <a:rPr lang="fr-FR" sz="1400" dirty="0">
-                <a:hlinkClick r:id="rId2"/>
-              </a:rPr>
-              <a:t>/vertex-ai-</a:t>
-            </a:r>
-            <a:r>
-              <a:rPr lang="fr-FR" sz="1400" dirty="0" err="1">
-                <a:hlinkClick r:id="rId2"/>
-              </a:rPr>
-              <a:t>samples</a:t>
-            </a:r>
-            <a:r>
-              <a:rPr lang="fr-FR" sz="1400" dirty="0">
-                <a:hlinkClick r:id="rId2"/>
-              </a:rPr>
-              <a:t> · GitHub</a:t>
-            </a:r>
-            <a:endParaRPr lang="fr-FR" sz="1400" dirty="0"/>
-          </a:p>
-          <a:p>
-            <a:endParaRPr lang="fr-FR" sz="1400" dirty="0"/>
-          </a:p>
-        </p:txBody>
-      </p:sp>
-      <p:sp>
-        <p:nvSpPr>
-          <p:cNvPr id="9" name="Espace réservé du numéro de diapositive 8"/>
+          <p:cNvPr id="4" name="Espace réservé du numéro de diapositive 3"/>
           <p:cNvSpPr>
             <a:spLocks noGrp="1"/>
           </p:cNvSpPr>
@@ -12932,7 +12615,26 @@
       </p:sp>
       <p:sp>
         <p:nvSpPr>
-          <p:cNvPr id="22" name="Espace réservé du pied de page 21"/>
+          <p:cNvPr id="7" name="Espace réservé du texte 6"/>
+          <p:cNvSpPr>
+            <a:spLocks noGrp="1"/>
+          </p:cNvSpPr>
+          <p:nvPr>
+            <p:ph type="body" sz="quarter" idx="10"/>
+          </p:nvPr>
+        </p:nvSpPr>
+        <p:spPr/>
+        <p:txBody>
+          <a:bodyPr/>
+          <a:lstStyle/>
+          <a:p>
+            <a:endParaRPr lang="fr-FR"/>
+          </a:p>
+        </p:txBody>
+      </p:sp>
+      <p:sp>
+        <p:nvSpPr>
+          <p:cNvPr id="5" name="Espace réservé du pied de page 4"/>
           <p:cNvSpPr>
             <a:spLocks noGrp="1"/>
           </p:cNvSpPr>
@@ -12956,18 +12658,33 @@
     </p:spTree>
     <p:extLst>
       <p:ext uri="{BB962C8B-B14F-4D97-AF65-F5344CB8AC3E}">
-        <p14:creationId xmlns:p14="http://schemas.microsoft.com/office/powerpoint/2010/main" val="2119710033"/>
+        <p14:creationId xmlns:p14="http://schemas.microsoft.com/office/powerpoint/2010/main" val="3879313344"/>
       </p:ext>
     </p:extLst>
   </p:cSld>
   <p:clrMapOvr>
     <a:masterClrMapping/>
   </p:clrMapOvr>
+  <mc:AlternateContent xmlns:mc="http://schemas.openxmlformats.org/markup-compatibility/2006" xmlns:p14="http://schemas.microsoft.com/office/powerpoint/2010/main">
+    <mc:Choice Requires="p14">
+      <p:transition spd="slow" p14:dur="2000"/>
+    </mc:Choice>
+    <mc:Fallback xmlns="">
+      <p:transition spd="slow"/>
+    </mc:Fallback>
+  </mc:AlternateContent>
+  <p:timing>
+    <p:tnLst>
+      <p:par>
+        <p:cTn id="1" dur="indefinite" restart="never" nodeType="tmRoot"/>
+      </p:par>
+    </p:tnLst>
+  </p:timing>
 </p:sld>
 </file>
 
 <file path=ppt/slides/slide13.xml><?xml version="1.0" encoding="utf-8"?>
-<p:sld xmlns:a="http://schemas.openxmlformats.org/drawingml/2006/main" xmlns:r="http://schemas.openxmlformats.org/officeDocument/2006/relationships" xmlns:p="http://schemas.openxmlformats.org/presentationml/2006/main">
+<p:sld xmlns:a="http://schemas.openxmlformats.org/drawingml/2006/main" xmlns:r="http://schemas.openxmlformats.org/officeDocument/2006/relationships" xmlns:p="http://schemas.openxmlformats.org/presentationml/2006/main" show="0">
   <p:cSld>
     <p:spTree>
       <p:nvGrpSpPr>
@@ -12985,12 +12702,12 @@
       </p:grpSpPr>
       <p:sp>
         <p:nvSpPr>
-          <p:cNvPr id="23" name="Titre 22"/>
-          <p:cNvSpPr>
-            <a:spLocks noGrp="1"/>
-          </p:cNvSpPr>
-          <p:nvPr>
-            <p:ph type="title"/>
+          <p:cNvPr id="40" name="Espace réservé du contenu 39"/>
+          <p:cNvSpPr>
+            <a:spLocks noGrp="1"/>
+          </p:cNvSpPr>
+          <p:nvPr>
+            <p:ph sz="quarter" idx="27"/>
           </p:nvPr>
         </p:nvSpPr>
         <p:spPr/>
@@ -12999,20 +12716,21 @@
           <a:lstStyle/>
           <a:p>
             <a:r>
-              <a:rPr lang="fr-FR" dirty="0"/>
-              <a:t>TP 1 : Vertex Training</a:t>
-            </a:r>
-          </a:p>
-        </p:txBody>
-      </p:sp>
-      <p:sp>
-        <p:nvSpPr>
-          <p:cNvPr id="24" name="Espace réservé du texte 23"/>
-          <p:cNvSpPr>
-            <a:spLocks noGrp="1"/>
-          </p:cNvSpPr>
-          <p:nvPr>
-            <p:ph type="body" sz="quarter" idx="14"/>
+              <a:rPr lang="fr-FR" dirty="0" smtClean="0"/>
+              <a:t>03</a:t>
+            </a:r>
+            <a:endParaRPr lang="fr-FR" dirty="0"/>
+          </a:p>
+        </p:txBody>
+      </p:sp>
+      <p:sp>
+        <p:nvSpPr>
+          <p:cNvPr id="31" name="Titre 30"/>
+          <p:cNvSpPr>
+            <a:spLocks noGrp="1"/>
+          </p:cNvSpPr>
+          <p:nvPr>
+            <p:ph type="title"/>
           </p:nvPr>
         </p:nvSpPr>
         <p:spPr/>
@@ -13020,281 +12738,86 @@
           <a:bodyPr/>
           <a:lstStyle/>
           <a:p>
-            <a:pPr marL="0" indent="0">
-              <a:buNone/>
-            </a:pPr>
-            <a:r>
-              <a:rPr lang="fr-FR" dirty="0"/>
-              <a:t>In </a:t>
-            </a:r>
-            <a:r>
-              <a:rPr lang="fr-FR" dirty="0" err="1"/>
-              <a:t>this</a:t>
-            </a:r>
-            <a:r>
-              <a:rPr lang="fr-FR" dirty="0"/>
-              <a:t> tutorial, </a:t>
-            </a:r>
-            <a:r>
-              <a:rPr lang="fr-FR" dirty="0" err="1"/>
-              <a:t>you</a:t>
-            </a:r>
-            <a:r>
-              <a:rPr lang="fr-FR" dirty="0"/>
-              <a:t> </a:t>
-            </a:r>
-            <a:r>
-              <a:rPr lang="fr-FR" dirty="0" err="1"/>
-              <a:t>learn</a:t>
-            </a:r>
-            <a:r>
-              <a:rPr lang="fr-FR" dirty="0"/>
-              <a:t> how to use Vertex AI Training for training a </a:t>
-            </a:r>
-            <a:r>
-              <a:rPr lang="fr-FR" dirty="0" err="1"/>
-              <a:t>XGBoost</a:t>
-            </a:r>
-            <a:r>
-              <a:rPr lang="fr-FR" dirty="0"/>
-              <a:t> custom model.</a:t>
-            </a:r>
-          </a:p>
-          <a:p>
-            <a:pPr marL="0" indent="0">
-              <a:buNone/>
-            </a:pPr>
-            <a:r>
-              <a:rPr lang="fr-FR" dirty="0"/>
-              <a:t>This tutorial uses the </a:t>
-            </a:r>
-            <a:r>
-              <a:rPr lang="fr-FR" dirty="0" err="1"/>
-              <a:t>following</a:t>
-            </a:r>
-            <a:r>
-              <a:rPr lang="fr-FR" dirty="0"/>
-              <a:t> Google Cloud ML services:</a:t>
-            </a:r>
-          </a:p>
-          <a:p>
-            <a:pPr lvl="1"/>
-            <a:r>
-              <a:rPr lang="fr-FR" dirty="0"/>
-              <a:t>Vertex AI Training</a:t>
-            </a:r>
-          </a:p>
-          <a:p>
-            <a:pPr lvl="1"/>
-            <a:r>
-              <a:rPr lang="fr-FR" dirty="0"/>
-              <a:t>Vertex AI model </a:t>
-            </a:r>
-            <a:r>
-              <a:rPr lang="fr-FR" dirty="0" err="1"/>
-              <a:t>resource</a:t>
+            <a:endParaRPr lang="fr-FR"/>
+          </a:p>
+        </p:txBody>
+      </p:sp>
+      <p:sp>
+        <p:nvSpPr>
+          <p:cNvPr id="32" name="Espace réservé du texte 31"/>
+          <p:cNvSpPr>
+            <a:spLocks noGrp="1"/>
+          </p:cNvSpPr>
+          <p:nvPr>
+            <p:ph type="body" sz="quarter" idx="13"/>
+          </p:nvPr>
+        </p:nvSpPr>
+        <p:spPr/>
+        <p:txBody>
+          <a:bodyPr/>
+          <a:lstStyle/>
+          <a:p>
+            <a:r>
+              <a:rPr lang="fr-FR" dirty="0" smtClean="0"/>
+              <a:t>S’acclimater à la </a:t>
+            </a:r>
+            <a:r>
+              <a:rPr lang="fr-FR" dirty="0" err="1" smtClean="0"/>
+              <a:t>platreforme</a:t>
             </a:r>
             <a:endParaRPr lang="fr-FR" dirty="0"/>
           </a:p>
-          <a:p>
-            <a:pPr marL="0" indent="0">
-              <a:buNone/>
-            </a:pPr>
-            <a:r>
-              <a:rPr lang="fr-FR" dirty="0"/>
-              <a:t>The </a:t>
-            </a:r>
-            <a:r>
-              <a:rPr lang="fr-FR" dirty="0" err="1"/>
-              <a:t>steps</a:t>
-            </a:r>
-            <a:r>
-              <a:rPr lang="fr-FR" dirty="0"/>
-              <a:t> </a:t>
-            </a:r>
-            <a:r>
-              <a:rPr lang="fr-FR" dirty="0" err="1"/>
-              <a:t>performed</a:t>
-            </a:r>
-            <a:r>
-              <a:rPr lang="fr-FR" dirty="0"/>
-              <a:t> </a:t>
-            </a:r>
-            <a:r>
-              <a:rPr lang="fr-FR" dirty="0" err="1"/>
-              <a:t>include</a:t>
-            </a:r>
-            <a:r>
-              <a:rPr lang="fr-FR" dirty="0"/>
-              <a:t>:</a:t>
-            </a:r>
-          </a:p>
-          <a:p>
-            <a:pPr lvl="1"/>
-            <a:r>
-              <a:rPr lang="fr-FR" dirty="0"/>
-              <a:t>Training </a:t>
-            </a:r>
-            <a:r>
-              <a:rPr lang="fr-FR" dirty="0" err="1"/>
-              <a:t>using</a:t>
-            </a:r>
-            <a:r>
-              <a:rPr lang="fr-FR" dirty="0"/>
-              <a:t> a Python package.</a:t>
-            </a:r>
-          </a:p>
-          <a:p>
-            <a:pPr lvl="1"/>
-            <a:r>
-              <a:rPr lang="fr-FR" dirty="0"/>
-              <a:t>Report </a:t>
-            </a:r>
-            <a:r>
-              <a:rPr lang="fr-FR" dirty="0" err="1"/>
-              <a:t>accuracy</a:t>
-            </a:r>
-            <a:r>
-              <a:rPr lang="fr-FR" dirty="0"/>
-              <a:t> </a:t>
-            </a:r>
-            <a:r>
-              <a:rPr lang="fr-FR" dirty="0" err="1"/>
-              <a:t>when</a:t>
-            </a:r>
-            <a:r>
-              <a:rPr lang="fr-FR" dirty="0"/>
-              <a:t> </a:t>
-            </a:r>
-            <a:r>
-              <a:rPr lang="fr-FR" dirty="0" err="1"/>
-              <a:t>hyperparameter</a:t>
-            </a:r>
-            <a:r>
-              <a:rPr lang="fr-FR" dirty="0"/>
-              <a:t> </a:t>
-            </a:r>
-            <a:r>
-              <a:rPr lang="fr-FR" dirty="0" err="1"/>
-              <a:t>tuning</a:t>
-            </a:r>
-            <a:r>
-              <a:rPr lang="fr-FR" dirty="0"/>
-              <a:t>.</a:t>
-            </a:r>
-          </a:p>
-          <a:p>
-            <a:pPr lvl="1"/>
-            <a:r>
-              <a:rPr lang="fr-FR" dirty="0"/>
-              <a:t>Save the model </a:t>
-            </a:r>
-            <a:r>
-              <a:rPr lang="fr-FR" dirty="0" err="1"/>
-              <a:t>artifacts</a:t>
-            </a:r>
-            <a:r>
-              <a:rPr lang="fr-FR" dirty="0"/>
-              <a:t> to Cloud Storage </a:t>
-            </a:r>
-            <a:r>
-              <a:rPr lang="fr-FR" dirty="0" err="1"/>
-              <a:t>using</a:t>
-            </a:r>
-            <a:r>
-              <a:rPr lang="fr-FR" dirty="0"/>
-              <a:t> </a:t>
-            </a:r>
-            <a:r>
-              <a:rPr lang="fr-FR" dirty="0" err="1"/>
-              <a:t>GCSFuse</a:t>
-            </a:r>
-            <a:r>
-              <a:rPr lang="fr-FR" dirty="0"/>
-              <a:t>.</a:t>
-            </a:r>
-          </a:p>
-          <a:p>
-            <a:pPr lvl="1"/>
-            <a:r>
-              <a:rPr lang="fr-FR" dirty="0" err="1"/>
-              <a:t>Create</a:t>
-            </a:r>
-            <a:r>
-              <a:rPr lang="fr-FR" dirty="0"/>
-              <a:t> a Vertex AI model </a:t>
-            </a:r>
-            <a:r>
-              <a:rPr lang="fr-FR" dirty="0" err="1"/>
-              <a:t>resource</a:t>
+        </p:txBody>
+      </p:sp>
+      <p:sp>
+        <p:nvSpPr>
+          <p:cNvPr id="33" name="Espace réservé du texte 32"/>
+          <p:cNvSpPr>
+            <a:spLocks noGrp="1"/>
+          </p:cNvSpPr>
+          <p:nvPr>
+            <p:ph type="body" sz="quarter" idx="14"/>
+          </p:nvPr>
+        </p:nvSpPr>
+        <p:spPr/>
+        <p:txBody>
+          <a:bodyPr/>
+          <a:lstStyle/>
+          <a:p>
+            <a:r>
+              <a:rPr lang="fr-FR" dirty="0" smtClean="0"/>
+              <a:t>Utiliser Vertex AI via Python</a:t>
             </a:r>
             <a:endParaRPr lang="fr-FR" dirty="0"/>
           </a:p>
-          <a:p>
-            <a:pPr marL="0" indent="0">
-              <a:buNone/>
-            </a:pPr>
-            <a:endParaRPr lang="fr-FR" dirty="0">
-              <a:hlinkClick r:id="rId2"/>
-            </a:endParaRPr>
-          </a:p>
-          <a:p>
-            <a:pPr marL="0" indent="0">
-              <a:buNone/>
-            </a:pPr>
-            <a:r>
-              <a:rPr lang="fr-FR" dirty="0">
-                <a:hlinkClick r:id="rId2"/>
-              </a:rPr>
-              <a:t>vertex-ai-</a:t>
-            </a:r>
-            <a:r>
-              <a:rPr lang="fr-FR" dirty="0" err="1">
-                <a:hlinkClick r:id="rId2"/>
-              </a:rPr>
-              <a:t>samples</a:t>
-            </a:r>
-            <a:r>
-              <a:rPr lang="fr-FR" dirty="0">
-                <a:hlinkClick r:id="rId2"/>
-              </a:rPr>
-              <a:t>/notebooks/official/custom/</a:t>
-            </a:r>
-            <a:r>
-              <a:rPr lang="fr-FR" dirty="0" err="1">
-                <a:hlinkClick r:id="rId2"/>
-              </a:rPr>
-              <a:t>get_started_vertex_training_xgboost.ipynb</a:t>
-            </a:r>
-            <a:r>
-              <a:rPr lang="fr-FR" dirty="0">
-                <a:hlinkClick r:id="rId2"/>
-              </a:rPr>
-              <a:t> at main · </a:t>
-            </a:r>
-            <a:r>
-              <a:rPr lang="fr-FR" dirty="0" err="1">
-                <a:hlinkClick r:id="rId2"/>
-              </a:rPr>
-              <a:t>GoogleCloudPlatform</a:t>
-            </a:r>
-            <a:r>
-              <a:rPr lang="fr-FR" dirty="0">
-                <a:hlinkClick r:id="rId2"/>
-              </a:rPr>
-              <a:t>/vertex-ai-</a:t>
-            </a:r>
-            <a:r>
-              <a:rPr lang="fr-FR" dirty="0" err="1">
-                <a:hlinkClick r:id="rId2"/>
-              </a:rPr>
-              <a:t>samples</a:t>
-            </a:r>
-            <a:r>
-              <a:rPr lang="fr-FR" dirty="0">
-                <a:hlinkClick r:id="rId2"/>
-              </a:rPr>
-              <a:t> · GitHub</a:t>
+        </p:txBody>
+      </p:sp>
+      <p:sp>
+        <p:nvSpPr>
+          <p:cNvPr id="34" name="Espace réservé du texte 33"/>
+          <p:cNvSpPr>
+            <a:spLocks noGrp="1"/>
+          </p:cNvSpPr>
+          <p:nvPr>
+            <p:ph type="body" sz="quarter" idx="15"/>
+          </p:nvPr>
+        </p:nvSpPr>
+        <p:spPr/>
+        <p:txBody>
+          <a:bodyPr/>
+          <a:lstStyle/>
+          <a:p>
+            <a:r>
+              <a:rPr lang="fr-FR" dirty="0" smtClean="0"/>
+              <a:t>Naviguer dans un </a:t>
+            </a:r>
+            <a:r>
+              <a:rPr lang="fr-FR" dirty="0" err="1" smtClean="0"/>
+              <a:t>expériment</a:t>
+            </a:r>
+            <a:r>
+              <a:rPr lang="fr-FR" dirty="0" smtClean="0"/>
+              <a:t> via Python</a:t>
             </a:r>
             <a:endParaRPr lang="fr-FR" dirty="0"/>
           </a:p>
@@ -13302,7 +12825,26 @@
       </p:sp>
       <p:sp>
         <p:nvSpPr>
-          <p:cNvPr id="9" name="Espace réservé du numéro de diapositive 8"/>
+          <p:cNvPr id="35" name="Espace réservé du texte 34"/>
+          <p:cNvSpPr>
+            <a:spLocks noGrp="1"/>
+          </p:cNvSpPr>
+          <p:nvPr>
+            <p:ph type="body" sz="quarter" idx="19"/>
+          </p:nvPr>
+        </p:nvSpPr>
+        <p:spPr/>
+        <p:txBody>
+          <a:bodyPr/>
+          <a:lstStyle/>
+          <a:p>
+            <a:endParaRPr lang="fr-FR"/>
+          </a:p>
+        </p:txBody>
+      </p:sp>
+      <p:sp>
+        <p:nvSpPr>
+          <p:cNvPr id="3" name="Espace réservé du numéro de diapositive 2"/>
           <p:cNvSpPr>
             <a:spLocks noGrp="1"/>
           </p:cNvSpPr>
@@ -13331,12 +12873,12 @@
       </p:sp>
       <p:sp>
         <p:nvSpPr>
-          <p:cNvPr id="22" name="Espace réservé du pied de page 21"/>
-          <p:cNvSpPr>
-            <a:spLocks noGrp="1"/>
-          </p:cNvSpPr>
-          <p:nvPr>
-            <p:ph type="ftr" sz="quarter" idx="3"/>
+          <p:cNvPr id="36" name="Espace réservé du texte 35"/>
+          <p:cNvSpPr>
+            <a:spLocks noGrp="1"/>
+          </p:cNvSpPr>
+          <p:nvPr>
+            <p:ph type="body" sz="quarter" idx="22"/>
           </p:nvPr>
         </p:nvSpPr>
         <p:spPr/>
@@ -13344,9 +12886,237 @@
           <a:bodyPr/>
           <a:lstStyle/>
           <a:p>
+            <a:endParaRPr lang="fr-FR"/>
+          </a:p>
+        </p:txBody>
+      </p:sp>
+      <p:sp>
+        <p:nvSpPr>
+          <p:cNvPr id="37" name="Espace réservé du texte 36"/>
+          <p:cNvSpPr>
+            <a:spLocks noGrp="1"/>
+          </p:cNvSpPr>
+          <p:nvPr>
+            <p:ph type="body" sz="quarter" idx="23"/>
+          </p:nvPr>
+        </p:nvSpPr>
+        <p:spPr/>
+        <p:txBody>
+          <a:bodyPr/>
+          <a:lstStyle/>
+          <a:p>
+            <a:endParaRPr lang="fr-FR"/>
+          </a:p>
+        </p:txBody>
+      </p:sp>
+      <p:sp>
+        <p:nvSpPr>
+          <p:cNvPr id="42" name="Espace réservé du contenu 41"/>
+          <p:cNvSpPr>
+            <a:spLocks noGrp="1"/>
+          </p:cNvSpPr>
+          <p:nvPr>
+            <p:ph sz="quarter" idx="29"/>
+          </p:nvPr>
+        </p:nvSpPr>
+        <p:spPr/>
+        <p:txBody>
+          <a:bodyPr/>
+          <a:lstStyle/>
+          <a:p>
+            <a:r>
+              <a:rPr lang="fr-FR" dirty="0" smtClean="0"/>
+              <a:t>05</a:t>
+            </a:r>
+            <a:endParaRPr lang="fr-FR" dirty="0"/>
+          </a:p>
+        </p:txBody>
+      </p:sp>
+      <p:sp>
+        <p:nvSpPr>
+          <p:cNvPr id="43" name="Espace réservé du texte 42"/>
+          <p:cNvSpPr>
+            <a:spLocks noGrp="1"/>
+          </p:cNvSpPr>
+          <p:nvPr>
+            <p:ph type="body" sz="quarter" idx="30"/>
+          </p:nvPr>
+        </p:nvSpPr>
+        <p:spPr/>
+        <p:txBody>
+          <a:bodyPr/>
+          <a:lstStyle/>
+          <a:p>
+            <a:r>
+              <a:rPr lang="fr-FR" dirty="0" smtClean="0"/>
+              <a:t>Model </a:t>
+            </a:r>
+            <a:r>
+              <a:rPr lang="fr-FR" dirty="0" err="1" smtClean="0"/>
+              <a:t>Registry</a:t>
+            </a:r>
+            <a:endParaRPr lang="fr-FR" dirty="0"/>
+          </a:p>
+        </p:txBody>
+      </p:sp>
+      <p:sp>
+        <p:nvSpPr>
+          <p:cNvPr id="44" name="Espace réservé du texte 43"/>
+          <p:cNvSpPr>
+            <a:spLocks noGrp="1"/>
+          </p:cNvSpPr>
+          <p:nvPr>
+            <p:ph type="body" sz="quarter" idx="31"/>
+          </p:nvPr>
+        </p:nvSpPr>
+        <p:spPr/>
+        <p:txBody>
+          <a:bodyPr/>
+          <a:lstStyle/>
+          <a:p>
+            <a:r>
+              <a:rPr lang="fr-FR" dirty="0" err="1" smtClean="0"/>
+              <a:t>Tensorboard</a:t>
+            </a:r>
+            <a:endParaRPr lang="fr-FR" dirty="0"/>
+          </a:p>
+        </p:txBody>
+      </p:sp>
+      <p:sp>
+        <p:nvSpPr>
+          <p:cNvPr id="46" name="Espace réservé du texte 45"/>
+          <p:cNvSpPr>
+            <a:spLocks noGrp="1"/>
+          </p:cNvSpPr>
+          <p:nvPr>
+            <p:ph type="body" sz="quarter" idx="33"/>
+          </p:nvPr>
+        </p:nvSpPr>
+        <p:spPr/>
+        <p:txBody>
+          <a:bodyPr/>
+          <a:lstStyle/>
+          <a:p>
+            <a:endParaRPr lang="fr-FR"/>
+          </a:p>
+        </p:txBody>
+      </p:sp>
+      <p:sp>
+        <p:nvSpPr>
+          <p:cNvPr id="47" name="Espace réservé du texte 46"/>
+          <p:cNvSpPr>
+            <a:spLocks noGrp="1"/>
+          </p:cNvSpPr>
+          <p:nvPr>
+            <p:ph type="body" sz="quarter" idx="34"/>
+          </p:nvPr>
+        </p:nvSpPr>
+        <p:spPr/>
+        <p:txBody>
+          <a:bodyPr/>
+          <a:lstStyle/>
+          <a:p>
+            <a:endParaRPr lang="fr-FR"/>
+          </a:p>
+        </p:txBody>
+      </p:sp>
+      <p:sp>
+        <p:nvSpPr>
+          <p:cNvPr id="49" name="Espace réservé du contenu 48"/>
+          <p:cNvSpPr>
+            <a:spLocks noGrp="1"/>
+          </p:cNvSpPr>
+          <p:nvPr>
+            <p:ph sz="quarter" idx="36"/>
+          </p:nvPr>
+        </p:nvSpPr>
+        <p:spPr/>
+        <p:txBody>
+          <a:bodyPr/>
+          <a:lstStyle/>
+          <a:p>
+            <a:r>
+              <a:rPr lang="fr-FR" dirty="0" smtClean="0"/>
+              <a:t>04</a:t>
+            </a:r>
+            <a:endParaRPr lang="fr-FR" dirty="0"/>
+          </a:p>
+        </p:txBody>
+      </p:sp>
+      <p:sp>
+        <p:nvSpPr>
+          <p:cNvPr id="5" name="Espace réservé du pied de page 4"/>
+          <p:cNvSpPr>
+            <a:spLocks noGrp="1"/>
+          </p:cNvSpPr>
+          <p:nvPr>
+            <p:ph type="ftr" sz="quarter" idx="3"/>
+          </p:nvPr>
+        </p:nvSpPr>
+        <p:spPr/>
+        <p:txBody>
+          <a:bodyPr/>
+          <a:lstStyle/>
+          <a:p>
             <a:r>
               <a:rPr lang="en-US" smtClean="0"/>
               <a:t>2025 | ©HeadMind Partners AI &amp; Blockchain | Confidentiel</a:t>
+            </a:r>
+            <a:endParaRPr lang="fr-FR" dirty="0"/>
+          </a:p>
+        </p:txBody>
+      </p:sp>
+      <p:sp>
+        <p:nvSpPr>
+          <p:cNvPr id="22" name="Espace réservé du contenu 39"/>
+          <p:cNvSpPr>
+            <a:spLocks noGrp="1"/>
+          </p:cNvSpPr>
+          <p:nvPr>
+            <p:ph sz="quarter" idx="27"/>
+          </p:nvPr>
+        </p:nvSpPr>
+        <p:spPr>
+          <a:xfrm>
+            <a:off x="511908" y="1599466"/>
+            <a:ext cx="787400" cy="569913"/>
+          </a:xfrm>
+        </p:spPr>
+        <p:txBody>
+          <a:bodyPr/>
+          <a:lstStyle/>
+          <a:p>
+            <a:r>
+              <a:rPr lang="fr-FR" dirty="0" smtClean="0"/>
+              <a:t>01</a:t>
+            </a:r>
+            <a:endParaRPr lang="fr-FR" dirty="0"/>
+          </a:p>
+        </p:txBody>
+      </p:sp>
+      <p:sp>
+        <p:nvSpPr>
+          <p:cNvPr id="23" name="Espace réservé du contenu 39"/>
+          <p:cNvSpPr>
+            <a:spLocks noGrp="1"/>
+          </p:cNvSpPr>
+          <p:nvPr>
+            <p:ph sz="quarter" idx="27"/>
+          </p:nvPr>
+        </p:nvSpPr>
+        <p:spPr>
+          <a:xfrm>
+            <a:off x="503302" y="3125491"/>
+            <a:ext cx="787400" cy="569913"/>
+          </a:xfrm>
+        </p:spPr>
+        <p:txBody>
+          <a:bodyPr/>
+          <a:lstStyle/>
+          <a:p>
+            <a:r>
+              <a:rPr lang="fr-FR" dirty="0" smtClean="0"/>
+              <a:t>02</a:t>
             </a:r>
             <a:endParaRPr lang="fr-FR" dirty="0"/>
           </a:p>
@@ -13355,18 +13125,33 @@
     </p:spTree>
     <p:extLst>
       <p:ext uri="{BB962C8B-B14F-4D97-AF65-F5344CB8AC3E}">
-        <p14:creationId xmlns:p14="http://schemas.microsoft.com/office/powerpoint/2010/main" val="1297744528"/>
+        <p14:creationId xmlns:p14="http://schemas.microsoft.com/office/powerpoint/2010/main" val="2964725234"/>
       </p:ext>
     </p:extLst>
   </p:cSld>
   <p:clrMapOvr>
     <a:masterClrMapping/>
   </p:clrMapOvr>
+  <mc:AlternateContent xmlns:mc="http://schemas.openxmlformats.org/markup-compatibility/2006" xmlns:p14="http://schemas.microsoft.com/office/powerpoint/2010/main">
+    <mc:Choice Requires="p14">
+      <p:transition spd="slow" p14:dur="2000"/>
+    </mc:Choice>
+    <mc:Fallback xmlns="">
+      <p:transition spd="slow"/>
+    </mc:Fallback>
+  </mc:AlternateContent>
+  <p:timing>
+    <p:tnLst>
+      <p:par>
+        <p:cTn id="1" dur="indefinite" restart="never" nodeType="tmRoot"/>
+      </p:par>
+    </p:tnLst>
+  </p:timing>
 </p:sld>
 </file>
 
 <file path=ppt/slides/slide14.xml><?xml version="1.0" encoding="utf-8"?>
-<p:sld xmlns:a="http://schemas.openxmlformats.org/drawingml/2006/main" xmlns:r="http://schemas.openxmlformats.org/officeDocument/2006/relationships" xmlns:p="http://schemas.openxmlformats.org/presentationml/2006/main">
+<p:sld xmlns:a="http://schemas.openxmlformats.org/drawingml/2006/main" xmlns:r="http://schemas.openxmlformats.org/officeDocument/2006/relationships" xmlns:p="http://schemas.openxmlformats.org/presentationml/2006/main" show="0">
   <p:cSld>
     <p:spTree>
       <p:nvGrpSpPr>
@@ -13399,7 +13184,7 @@
           <a:p>
             <a:r>
               <a:rPr lang="fr-FR" dirty="0"/>
-              <a:t>TP 1</a:t>
+              <a:t>TP 1 : Vertex Training</a:t>
             </a:r>
           </a:p>
         </p:txBody>
@@ -13418,117 +13203,216 @@
         <p:txBody>
           <a:bodyPr/>
           <a:lstStyle/>
-          <a:p>
-            <a:r>
-              <a:rPr lang="fr-FR" dirty="0"/>
-              <a:t>Entrainement déjà fait et modèle </a:t>
-            </a:r>
-            <a:r>
-              <a:rPr lang="fr-FR" dirty="0" err="1"/>
-              <a:t>registred</a:t>
-            </a:r>
-            <a:endParaRPr lang="fr-FR" dirty="0"/>
-          </a:p>
-          <a:p>
-            <a:pPr>
-              <a:buFont typeface="Wingdings" panose="05000000000000000000" pitchFamily="2" charset="2"/>
-              <a:buChar char="à"/>
-            </a:pPr>
-            <a:r>
-              <a:rPr lang="fr-FR" dirty="0">
-                <a:sym typeface="Wingdings" panose="05000000000000000000" pitchFamily="2" charset="2"/>
-              </a:rPr>
-              <a:t>Trouver quelle version est la meilleure</a:t>
-            </a:r>
-          </a:p>
-          <a:p>
-            <a:pPr>
-              <a:buFont typeface="Wingdings" panose="05000000000000000000" pitchFamily="2" charset="2"/>
-              <a:buChar char="à"/>
-            </a:pPr>
-            <a:endParaRPr lang="fr-FR" dirty="0">
-              <a:sym typeface="Wingdings" panose="05000000000000000000" pitchFamily="2" charset="2"/>
-            </a:endParaRPr>
-          </a:p>
           <a:p>
             <a:pPr marL="0" indent="0">
               <a:buNone/>
             </a:pPr>
             <a:r>
-              <a:rPr lang="fr-FR" dirty="0">
-                <a:sym typeface="Wingdings" panose="05000000000000000000" pitchFamily="2" charset="2"/>
-              </a:rPr>
-              <a:t>Objectif : appropriation des outils :</a:t>
-            </a:r>
-          </a:p>
-          <a:p>
-            <a:pPr>
-              <a:buFontTx/>
-              <a:buChar char="-"/>
+              <a:rPr lang="fr-FR" dirty="0"/>
+              <a:t>In </a:t>
+            </a:r>
+            <a:r>
+              <a:rPr lang="fr-FR" dirty="0" err="1"/>
+              <a:t>this</a:t>
+            </a:r>
+            <a:r>
+              <a:rPr lang="fr-FR" dirty="0"/>
+              <a:t> tutorial, </a:t>
+            </a:r>
+            <a:r>
+              <a:rPr lang="fr-FR" dirty="0" err="1"/>
+              <a:t>you</a:t>
+            </a:r>
+            <a:r>
+              <a:rPr lang="fr-FR" dirty="0"/>
+              <a:t> </a:t>
+            </a:r>
+            <a:r>
+              <a:rPr lang="fr-FR" dirty="0" err="1"/>
+              <a:t>learn</a:t>
+            </a:r>
+            <a:r>
+              <a:rPr lang="fr-FR" dirty="0"/>
+              <a:t> how to use Vertex AI Training for training a </a:t>
+            </a:r>
+            <a:r>
+              <a:rPr lang="fr-FR" dirty="0" err="1"/>
+              <a:t>XGBoost</a:t>
+            </a:r>
+            <a:r>
+              <a:rPr lang="fr-FR" dirty="0"/>
+              <a:t> custom model.</a:t>
+            </a:r>
+          </a:p>
+          <a:p>
+            <a:pPr marL="0" indent="0">
+              <a:buNone/>
             </a:pPr>
             <a:r>
-              <a:rPr lang="fr-FR" dirty="0" err="1">
-                <a:sym typeface="Wingdings" panose="05000000000000000000" pitchFamily="2" charset="2"/>
-              </a:rPr>
-              <a:t>Tracking</a:t>
-            </a:r>
-            <a:r>
-              <a:rPr lang="fr-FR" dirty="0">
-                <a:sym typeface="Wingdings" panose="05000000000000000000" pitchFamily="2" charset="2"/>
-              </a:rPr>
+              <a:rPr lang="fr-FR" dirty="0"/>
+              <a:t>This tutorial uses the </a:t>
+            </a:r>
+            <a:r>
+              <a:rPr lang="fr-FR" dirty="0" err="1"/>
+              <a:t>following</a:t>
+            </a:r>
+            <a:r>
+              <a:rPr lang="fr-FR" dirty="0"/>
+              <a:t> Google Cloud ML services:</a:t>
+            </a:r>
+          </a:p>
+          <a:p>
+            <a:pPr lvl="1"/>
+            <a:r>
+              <a:rPr lang="fr-FR" dirty="0"/>
+              <a:t>Vertex AI Training</a:t>
+            </a:r>
+          </a:p>
+          <a:p>
+            <a:pPr lvl="1"/>
+            <a:r>
+              <a:rPr lang="fr-FR" dirty="0"/>
+              <a:t>Vertex AI model </a:t>
+            </a:r>
+            <a:r>
+              <a:rPr lang="fr-FR" dirty="0" err="1"/>
+              <a:t>resource</a:t>
+            </a:r>
+            <a:endParaRPr lang="fr-FR" dirty="0"/>
+          </a:p>
+          <a:p>
+            <a:pPr marL="0" indent="0">
+              <a:buNone/>
+            </a:pPr>
+            <a:r>
+              <a:rPr lang="fr-FR" dirty="0"/>
+              <a:t>The </a:t>
+            </a:r>
+            <a:r>
+              <a:rPr lang="fr-FR" dirty="0" err="1"/>
+              <a:t>steps</a:t>
+            </a:r>
+            <a:r>
+              <a:rPr lang="fr-FR" dirty="0"/>
               <a:t> </a:t>
             </a:r>
             <a:r>
-              <a:rPr lang="fr-FR" dirty="0" err="1">
-                <a:sym typeface="Wingdings" panose="05000000000000000000" pitchFamily="2" charset="2"/>
-              </a:rPr>
-              <a:t>Experiments</a:t>
-            </a:r>
-            <a:endParaRPr lang="fr-FR" dirty="0">
-              <a:sym typeface="Wingdings" panose="05000000000000000000" pitchFamily="2" charset="2"/>
-            </a:endParaRPr>
-          </a:p>
-          <a:p>
-            <a:pPr>
-              <a:buFontTx/>
-              <a:buChar char="-"/>
-            </a:pPr>
-            <a:r>
-              <a:rPr lang="fr-FR" dirty="0">
-                <a:sym typeface="Wingdings" panose="05000000000000000000" pitchFamily="2" charset="2"/>
-              </a:rPr>
-              <a:t>Model Evaluation / </a:t>
-            </a:r>
-            <a:r>
-              <a:rPr lang="fr-FR" dirty="0" err="1">
-                <a:sym typeface="Wingdings" panose="05000000000000000000" pitchFamily="2" charset="2"/>
-              </a:rPr>
-              <a:t>Versionning</a:t>
-            </a:r>
-            <a:r>
-              <a:rPr lang="fr-FR" dirty="0">
-                <a:sym typeface="Wingdings" panose="05000000000000000000" pitchFamily="2" charset="2"/>
-              </a:rPr>
-              <a:t> / </a:t>
-            </a:r>
-            <a:r>
-              <a:rPr lang="fr-FR" dirty="0" err="1">
-                <a:sym typeface="Wingdings" panose="05000000000000000000" pitchFamily="2" charset="2"/>
-              </a:rPr>
-              <a:t>Registry</a:t>
-            </a:r>
-            <a:endParaRPr lang="fr-FR" dirty="0">
-              <a:sym typeface="Wingdings" panose="05000000000000000000" pitchFamily="2" charset="2"/>
-            </a:endParaRPr>
-          </a:p>
-          <a:p>
-            <a:pPr>
-              <a:buFontTx/>
-              <a:buChar char="-"/>
-            </a:pPr>
-            <a:endParaRPr lang="fr-FR" dirty="0">
-              <a:sym typeface="Wingdings" panose="05000000000000000000" pitchFamily="2" charset="2"/>
-            </a:endParaRPr>
+              <a:rPr lang="fr-FR" dirty="0" err="1"/>
+              <a:t>performed</a:t>
+            </a:r>
+            <a:r>
+              <a:rPr lang="fr-FR" dirty="0"/>
+              <a:t> </a:t>
+            </a:r>
+            <a:r>
+              <a:rPr lang="fr-FR" dirty="0" err="1"/>
+              <a:t>include</a:t>
+            </a:r>
+            <a:r>
+              <a:rPr lang="fr-FR" dirty="0"/>
+              <a:t>:</a:t>
+            </a:r>
+          </a:p>
+          <a:p>
+            <a:pPr lvl="1"/>
+            <a:r>
+              <a:rPr lang="fr-FR" dirty="0"/>
+              <a:t>Training </a:t>
+            </a:r>
+            <a:r>
+              <a:rPr lang="fr-FR" dirty="0" err="1"/>
+              <a:t>using</a:t>
+            </a:r>
+            <a:r>
+              <a:rPr lang="fr-FR" dirty="0"/>
+              <a:t> a Python package.</a:t>
+            </a:r>
+          </a:p>
+          <a:p>
+            <a:pPr lvl="1"/>
+            <a:r>
+              <a:rPr lang="fr-FR" dirty="0"/>
+              <a:t>Report </a:t>
+            </a:r>
+            <a:r>
+              <a:rPr lang="fr-FR" dirty="0" err="1"/>
+              <a:t>accuracy</a:t>
+            </a:r>
+            <a:r>
+              <a:rPr lang="fr-FR" dirty="0"/>
+              <a:t> </a:t>
+            </a:r>
+            <a:r>
+              <a:rPr lang="fr-FR" dirty="0" err="1"/>
+              <a:t>when</a:t>
+            </a:r>
+            <a:r>
+              <a:rPr lang="fr-FR" dirty="0"/>
+              <a:t> </a:t>
+            </a:r>
+            <a:r>
+              <a:rPr lang="fr-FR" dirty="0" err="1"/>
+              <a:t>hyperparameter</a:t>
+            </a:r>
+            <a:r>
+              <a:rPr lang="fr-FR" dirty="0"/>
+              <a:t> </a:t>
+            </a:r>
+            <a:r>
+              <a:rPr lang="fr-FR" dirty="0" err="1"/>
+              <a:t>tuning</a:t>
+            </a:r>
+            <a:r>
+              <a:rPr lang="fr-FR" dirty="0"/>
+              <a:t>.</a:t>
+            </a:r>
+          </a:p>
+          <a:p>
+            <a:pPr lvl="1"/>
+            <a:r>
+              <a:rPr lang="fr-FR" dirty="0"/>
+              <a:t>Save the model </a:t>
+            </a:r>
+            <a:r>
+              <a:rPr lang="fr-FR" dirty="0" err="1"/>
+              <a:t>artifacts</a:t>
+            </a:r>
+            <a:r>
+              <a:rPr lang="fr-FR" dirty="0"/>
+              <a:t> to Cloud Storage </a:t>
+            </a:r>
+            <a:r>
+              <a:rPr lang="fr-FR" dirty="0" err="1"/>
+              <a:t>using</a:t>
+            </a:r>
+            <a:r>
+              <a:rPr lang="fr-FR" dirty="0"/>
+              <a:t> </a:t>
+            </a:r>
+            <a:r>
+              <a:rPr lang="fr-FR" dirty="0" err="1"/>
+              <a:t>GCSFuse</a:t>
+            </a:r>
+            <a:r>
+              <a:rPr lang="fr-FR" dirty="0"/>
+              <a:t>.</a:t>
+            </a:r>
+          </a:p>
+          <a:p>
+            <a:pPr lvl="1"/>
+            <a:r>
+              <a:rPr lang="fr-FR" dirty="0" err="1"/>
+              <a:t>Create</a:t>
+            </a:r>
+            <a:r>
+              <a:rPr lang="fr-FR" dirty="0"/>
+              <a:t> a Vertex AI model </a:t>
+            </a:r>
+            <a:r>
+              <a:rPr lang="fr-FR" dirty="0" err="1"/>
+              <a:t>resource</a:t>
+            </a:r>
+            <a:endParaRPr lang="fr-FR" dirty="0"/>
           </a:p>
           <a:p>
             <a:pPr marL="0" indent="0">
@@ -13558,25 +13442,13 @@
               <a:rPr lang="fr-FR" dirty="0">
                 <a:hlinkClick r:id="rId2"/>
               </a:rPr>
-              <a:t>/notebooks/official/</a:t>
+              <a:t>/notebooks/official/custom/</a:t>
             </a:r>
             <a:r>
               <a:rPr lang="fr-FR" dirty="0" err="1">
                 <a:hlinkClick r:id="rId2"/>
               </a:rPr>
-              <a:t>model_registry</a:t>
-            </a:r>
-            <a:r>
-              <a:rPr lang="fr-FR" dirty="0">
-                <a:hlinkClick r:id="rId2"/>
-              </a:rPr>
-              <a:t>/</a:t>
-            </a:r>
-            <a:r>
-              <a:rPr lang="fr-FR" dirty="0" err="1">
-                <a:hlinkClick r:id="rId2"/>
-              </a:rPr>
-              <a:t>get_started_with_model_registry.ipynb</a:t>
+              <a:t>get_started_vertex_training_xgboost.ipynb</a:t>
             </a:r>
             <a:r>
               <a:rPr lang="fr-FR" dirty="0">
@@ -13608,12 +13480,6 @@
               </a:rPr>
               <a:t> · GitHub</a:t>
             </a:r>
-            <a:endParaRPr lang="fr-FR" dirty="0"/>
-          </a:p>
-          <a:p>
-            <a:pPr marL="0" indent="0">
-              <a:buNone/>
-            </a:pPr>
             <a:endParaRPr lang="fr-FR" dirty="0"/>
           </a:p>
         </p:txBody>
@@ -13673,18 +13539,33 @@
     </p:spTree>
     <p:extLst>
       <p:ext uri="{BB962C8B-B14F-4D97-AF65-F5344CB8AC3E}">
-        <p14:creationId xmlns:p14="http://schemas.microsoft.com/office/powerpoint/2010/main" val="1747901692"/>
+        <p14:creationId xmlns:p14="http://schemas.microsoft.com/office/powerpoint/2010/main" val="1297744528"/>
       </p:ext>
     </p:extLst>
   </p:cSld>
   <p:clrMapOvr>
     <a:masterClrMapping/>
   </p:clrMapOvr>
+  <mc:AlternateContent xmlns:mc="http://schemas.openxmlformats.org/markup-compatibility/2006" xmlns:p14="http://schemas.microsoft.com/office/powerpoint/2010/main">
+    <mc:Choice Requires="p14">
+      <p:transition spd="slow" p14:dur="2000"/>
+    </mc:Choice>
+    <mc:Fallback xmlns="">
+      <p:transition spd="slow"/>
+    </mc:Fallback>
+  </mc:AlternateContent>
+  <p:timing>
+    <p:tnLst>
+      <p:par>
+        <p:cTn id="1" dur="indefinite" restart="never" nodeType="tmRoot"/>
+      </p:par>
+    </p:tnLst>
+  </p:timing>
 </p:sld>
 </file>
 
 <file path=ppt/slides/slide15.xml><?xml version="1.0" encoding="utf-8"?>
-<p:sld xmlns:a="http://schemas.openxmlformats.org/drawingml/2006/main" xmlns:r="http://schemas.openxmlformats.org/officeDocument/2006/relationships" xmlns:p="http://schemas.openxmlformats.org/presentationml/2006/main">
+<p:sld xmlns:a="http://schemas.openxmlformats.org/drawingml/2006/main" xmlns:r="http://schemas.openxmlformats.org/officeDocument/2006/relationships" xmlns:p="http://schemas.openxmlformats.org/presentationml/2006/main" show="0">
   <p:cSld>
     <p:spTree>
       <p:nvGrpSpPr>
@@ -13716,9 +13597,18 @@
           <a:lstStyle/>
           <a:p>
             <a:r>
-              <a:rPr lang="fr-FR" dirty="0"/>
-              <a:t>TP 2</a:t>
-            </a:r>
+              <a:rPr lang="fr-FR" dirty="0" smtClean="0"/>
+              <a:t>TP 2 : Modèle </a:t>
+            </a:r>
+            <a:r>
+              <a:rPr lang="fr-FR" dirty="0" err="1" smtClean="0"/>
+              <a:t>Registry</a:t>
+            </a:r>
+            <a:r>
+              <a:rPr lang="fr-FR" dirty="0" smtClean="0"/>
+              <a:t> </a:t>
+            </a:r>
+            <a:endParaRPr lang="fr-FR" dirty="0"/>
           </a:p>
         </p:txBody>
       </p:sp>
@@ -13736,25 +13626,43 @@
         <p:txBody>
           <a:bodyPr/>
           <a:lstStyle/>
-          <a:p>
-            <a:r>
-              <a:rPr lang="fr-FR" dirty="0"/>
-              <a:t>Entrainer plusieurs fois modèles avec améliorations successives</a:t>
-            </a:r>
-          </a:p>
           <a:p>
             <a:pPr marL="0" indent="0">
               <a:buNone/>
             </a:pPr>
-            <a:endParaRPr lang="fr-FR" dirty="0"/>
+            <a:r>
+              <a:rPr lang="en-US" sz="1400" dirty="0"/>
+              <a:t>In this tutorial, you learn how to use Vertex AI Model Registry to create and register multiple versions of a model.</a:t>
+            </a:r>
           </a:p>
           <a:p>
             <a:pPr marL="0" indent="0">
               <a:buNone/>
             </a:pPr>
             <a:r>
-              <a:rPr lang="fr-FR" dirty="0"/>
-              <a:t>Objectif :</a:t>
+              <a:rPr lang="en-US" sz="1400" dirty="0"/>
+              <a:t>This tutorial uses the following Vertex AI services and resources:</a:t>
+            </a:r>
+          </a:p>
+          <a:p>
+            <a:pPr lvl="1"/>
+            <a:r>
+              <a:rPr lang="en-US" sz="1200" dirty="0"/>
+              <a:t>Vertex AI Model Registry</a:t>
+            </a:r>
+          </a:p>
+          <a:p>
+            <a:pPr lvl="1"/>
+            <a:r>
+              <a:rPr lang="en-US" sz="1200" dirty="0"/>
+              <a:t>Vertex AI model resources</a:t>
+            </a:r>
+          </a:p>
+          <a:p>
+            <a:pPr lvl="1"/>
+            <a:r>
+              <a:rPr lang="en-US" sz="1200" dirty="0"/>
+              <a:t>Vertex AI endpoint resources</a:t>
             </a:r>
           </a:p>
           <a:p>
@@ -13762,33 +13670,58 @@
               <a:buNone/>
             </a:pPr>
             <a:r>
-              <a:rPr lang="fr-FR" dirty="0" err="1"/>
-              <a:t>Tracker</a:t>
-            </a:r>
-            <a:r>
-              <a:rPr lang="fr-FR" dirty="0"/>
-              <a:t> soit même ses entrainements et </a:t>
-            </a:r>
-            <a:r>
-              <a:rPr lang="fr-FR" dirty="0" err="1"/>
-              <a:t>registred</a:t>
-            </a:r>
-            <a:r>
-              <a:rPr lang="fr-FR" dirty="0"/>
-              <a:t> son modèle</a:t>
+              <a:rPr lang="en-US" sz="1400" dirty="0"/>
+              <a:t>The steps performed include:</a:t>
+            </a:r>
+          </a:p>
+          <a:p>
+            <a:pPr lvl="1"/>
+            <a:r>
+              <a:rPr lang="en-US" sz="1200" dirty="0"/>
+              <a:t>Create and register a first version of a model to Vertex AI Model Registry.</a:t>
+            </a:r>
+          </a:p>
+          <a:p>
+            <a:pPr lvl="1"/>
+            <a:r>
+              <a:rPr lang="en-US" sz="1200" dirty="0"/>
+              <a:t>Create and register a second version of a model to Vertex AI Model Registry.</a:t>
+            </a:r>
+          </a:p>
+          <a:p>
+            <a:pPr lvl="1"/>
+            <a:r>
+              <a:rPr lang="en-US" sz="1200" dirty="0"/>
+              <a:t>Updating the model version which is the default.</a:t>
+            </a:r>
+          </a:p>
+          <a:p>
+            <a:pPr lvl="1"/>
+            <a:r>
+              <a:rPr lang="en-US" sz="1200" dirty="0"/>
+              <a:t>Deleting a model version.</a:t>
+            </a:r>
+          </a:p>
+          <a:p>
+            <a:pPr lvl="1"/>
+            <a:r>
+              <a:rPr lang="en-US" sz="1200" dirty="0"/>
+              <a:t>Retraining the next model version.</a:t>
             </a:r>
           </a:p>
           <a:p>
             <a:pPr marL="0" indent="0">
               <a:buNone/>
             </a:pPr>
-            <a:endParaRPr lang="fr-FR" dirty="0"/>
+            <a:endParaRPr lang="fr-FR" sz="1400" dirty="0">
+              <a:hlinkClick r:id="rId2"/>
+            </a:endParaRPr>
           </a:p>
           <a:p>
             <a:pPr marL="0" indent="0">
               <a:buNone/>
             </a:pPr>
-            <a:endParaRPr lang="fr-FR" dirty="0">
+            <a:endParaRPr lang="fr-FR" sz="1400" dirty="0">
               <a:hlinkClick r:id="rId2"/>
             </a:endParaRPr>
           </a:p>
@@ -13797,66 +13730,75 @@
               <a:buNone/>
             </a:pPr>
             <a:r>
-              <a:rPr lang="fr-FR" dirty="0">
+              <a:rPr lang="fr-FR" sz="1400" dirty="0">
                 <a:hlinkClick r:id="rId2"/>
               </a:rPr>
               <a:t>vertex-ai-</a:t>
             </a:r>
             <a:r>
-              <a:rPr lang="fr-FR" dirty="0" err="1">
+              <a:rPr lang="fr-FR" sz="1400" dirty="0" err="1">
                 <a:hlinkClick r:id="rId2"/>
               </a:rPr>
               <a:t>samples</a:t>
             </a:r>
             <a:r>
-              <a:rPr lang="fr-FR" dirty="0">
+              <a:rPr lang="fr-FR" sz="1400" dirty="0">
                 <a:hlinkClick r:id="rId2"/>
               </a:rPr>
-              <a:t>/notebooks/official/custom/</a:t>
-            </a:r>
-            <a:r>
-              <a:rPr lang="fr-FR" dirty="0" err="1">
+              <a:t>/notebooks/official/</a:t>
+            </a:r>
+            <a:r>
+              <a:rPr lang="fr-FR" sz="1400" dirty="0" err="1">
                 <a:hlinkClick r:id="rId2"/>
               </a:rPr>
-              <a:t>get_started_vertex_training_xgboost.ipynb</a:t>
-            </a:r>
-            <a:r>
-              <a:rPr lang="fr-FR" dirty="0">
+              <a:t>model_registry</a:t>
+            </a:r>
+            <a:r>
+              <a:rPr lang="fr-FR" sz="1400" dirty="0">
+                <a:hlinkClick r:id="rId2"/>
+              </a:rPr>
+              <a:t>/</a:t>
+            </a:r>
+            <a:r>
+              <a:rPr lang="fr-FR" sz="1400" dirty="0" err="1">
+                <a:hlinkClick r:id="rId2"/>
+              </a:rPr>
+              <a:t>get_started_with_model_registry.ipynb</a:t>
+            </a:r>
+            <a:r>
+              <a:rPr lang="fr-FR" sz="1400" dirty="0">
                 <a:hlinkClick r:id="rId2"/>
               </a:rPr>
               <a:t> at main · </a:t>
             </a:r>
             <a:r>
-              <a:rPr lang="fr-FR" dirty="0" err="1">
+              <a:rPr lang="fr-FR" sz="1400" dirty="0" err="1">
                 <a:hlinkClick r:id="rId2"/>
               </a:rPr>
               <a:t>GoogleCloudPlatform</a:t>
             </a:r>
             <a:r>
-              <a:rPr lang="fr-FR" dirty="0">
+              <a:rPr lang="fr-FR" sz="1400" dirty="0">
                 <a:hlinkClick r:id="rId2"/>
               </a:rPr>
               <a:t>/vertex-ai-</a:t>
             </a:r>
             <a:r>
-              <a:rPr lang="fr-FR" dirty="0" err="1">
+              <a:rPr lang="fr-FR" sz="1400" dirty="0" err="1">
                 <a:hlinkClick r:id="rId2"/>
               </a:rPr>
               <a:t>samples</a:t>
             </a:r>
             <a:r>
-              <a:rPr lang="fr-FR" dirty="0">
+              <a:rPr lang="fr-FR" sz="1400" dirty="0">
                 <a:hlinkClick r:id="rId2"/>
               </a:rPr>
               <a:t> · GitHub</a:t>
             </a:r>
-            <a:endParaRPr lang="fr-FR" dirty="0"/>
-          </a:p>
-          <a:p>
-            <a:pPr marL="0" indent="0">
-              <a:buNone/>
-            </a:pPr>
-            <a:endParaRPr lang="fr-FR" dirty="0"/>
+            <a:endParaRPr lang="fr-FR" sz="1400" dirty="0"/>
+          </a:p>
+          <a:p>
+            <a:endParaRPr lang="fr-FR" sz="1400" dirty="0"/>
           </a:p>
         </p:txBody>
       </p:sp>
@@ -13915,6 +13857,596 @@
     </p:spTree>
     <p:extLst>
       <p:ext uri="{BB962C8B-B14F-4D97-AF65-F5344CB8AC3E}">
+        <p14:creationId xmlns:p14="http://schemas.microsoft.com/office/powerpoint/2010/main" val="2119710033"/>
+      </p:ext>
+    </p:extLst>
+  </p:cSld>
+  <p:clrMapOvr>
+    <a:masterClrMapping/>
+  </p:clrMapOvr>
+  <mc:AlternateContent xmlns:mc="http://schemas.openxmlformats.org/markup-compatibility/2006" xmlns:p14="http://schemas.microsoft.com/office/powerpoint/2010/main">
+    <mc:Choice Requires="p14">
+      <p:transition spd="slow" p14:dur="2000"/>
+    </mc:Choice>
+    <mc:Fallback xmlns="">
+      <p:transition spd="slow"/>
+    </mc:Fallback>
+  </mc:AlternateContent>
+  <p:timing>
+    <p:tnLst>
+      <p:par>
+        <p:cTn id="1" dur="indefinite" restart="never" nodeType="tmRoot"/>
+      </p:par>
+    </p:tnLst>
+  </p:timing>
+</p:sld>
+</file>
+
+<file path=ppt/slides/slide16.xml><?xml version="1.0" encoding="utf-8"?>
+<p:sld xmlns:a="http://schemas.openxmlformats.org/drawingml/2006/main" xmlns:r="http://schemas.openxmlformats.org/officeDocument/2006/relationships" xmlns:p="http://schemas.openxmlformats.org/presentationml/2006/main" show="0">
+  <p:cSld>
+    <p:spTree>
+      <p:nvGrpSpPr>
+        <p:cNvPr id="1" name=""/>
+        <p:cNvGrpSpPr/>
+        <p:nvPr/>
+      </p:nvGrpSpPr>
+      <p:grpSpPr>
+        <a:xfrm>
+          <a:off x="0" y="0"/>
+          <a:ext cx="0" cy="0"/>
+          <a:chOff x="0" y="0"/>
+          <a:chExt cx="0" cy="0"/>
+        </a:xfrm>
+      </p:grpSpPr>
+      <p:sp>
+        <p:nvSpPr>
+          <p:cNvPr id="23" name="Titre 22"/>
+          <p:cNvSpPr>
+            <a:spLocks noGrp="1"/>
+          </p:cNvSpPr>
+          <p:nvPr>
+            <p:ph type="title"/>
+          </p:nvPr>
+        </p:nvSpPr>
+        <p:spPr/>
+        <p:txBody>
+          <a:bodyPr/>
+          <a:lstStyle/>
+          <a:p>
+            <a:r>
+              <a:rPr lang="fr-FR" dirty="0"/>
+              <a:t>TP 1</a:t>
+            </a:r>
+          </a:p>
+        </p:txBody>
+      </p:sp>
+      <p:sp>
+        <p:nvSpPr>
+          <p:cNvPr id="24" name="Espace réservé du texte 23"/>
+          <p:cNvSpPr>
+            <a:spLocks noGrp="1"/>
+          </p:cNvSpPr>
+          <p:nvPr>
+            <p:ph type="body" sz="quarter" idx="14"/>
+          </p:nvPr>
+        </p:nvSpPr>
+        <p:spPr/>
+        <p:txBody>
+          <a:bodyPr/>
+          <a:lstStyle/>
+          <a:p>
+            <a:r>
+              <a:rPr lang="fr-FR" dirty="0"/>
+              <a:t>Entrainement déjà fait et modèle </a:t>
+            </a:r>
+            <a:r>
+              <a:rPr lang="fr-FR" dirty="0" err="1"/>
+              <a:t>registred</a:t>
+            </a:r>
+            <a:endParaRPr lang="fr-FR" dirty="0"/>
+          </a:p>
+          <a:p>
+            <a:pPr>
+              <a:buFont typeface="Wingdings" panose="05000000000000000000" pitchFamily="2" charset="2"/>
+              <a:buChar char="à"/>
+            </a:pPr>
+            <a:r>
+              <a:rPr lang="fr-FR" dirty="0">
+                <a:sym typeface="Wingdings" panose="05000000000000000000" pitchFamily="2" charset="2"/>
+              </a:rPr>
+              <a:t>Trouver quelle version est la meilleure</a:t>
+            </a:r>
+          </a:p>
+          <a:p>
+            <a:pPr>
+              <a:buFont typeface="Wingdings" panose="05000000000000000000" pitchFamily="2" charset="2"/>
+              <a:buChar char="à"/>
+            </a:pPr>
+            <a:endParaRPr lang="fr-FR" dirty="0">
+              <a:sym typeface="Wingdings" panose="05000000000000000000" pitchFamily="2" charset="2"/>
+            </a:endParaRPr>
+          </a:p>
+          <a:p>
+            <a:pPr marL="0" indent="0">
+              <a:buNone/>
+            </a:pPr>
+            <a:r>
+              <a:rPr lang="fr-FR" dirty="0">
+                <a:sym typeface="Wingdings" panose="05000000000000000000" pitchFamily="2" charset="2"/>
+              </a:rPr>
+              <a:t>Objectif : appropriation des outils :</a:t>
+            </a:r>
+          </a:p>
+          <a:p>
+            <a:pPr>
+              <a:buFontTx/>
+              <a:buChar char="-"/>
+            </a:pPr>
+            <a:r>
+              <a:rPr lang="fr-FR" dirty="0" err="1">
+                <a:sym typeface="Wingdings" panose="05000000000000000000" pitchFamily="2" charset="2"/>
+              </a:rPr>
+              <a:t>Tracking</a:t>
+            </a:r>
+            <a:r>
+              <a:rPr lang="fr-FR" dirty="0">
+                <a:sym typeface="Wingdings" panose="05000000000000000000" pitchFamily="2" charset="2"/>
+              </a:rPr>
+              <a:t> </a:t>
+            </a:r>
+            <a:r>
+              <a:rPr lang="fr-FR" dirty="0" err="1">
+                <a:sym typeface="Wingdings" panose="05000000000000000000" pitchFamily="2" charset="2"/>
+              </a:rPr>
+              <a:t>Experiments</a:t>
+            </a:r>
+            <a:endParaRPr lang="fr-FR" dirty="0">
+              <a:sym typeface="Wingdings" panose="05000000000000000000" pitchFamily="2" charset="2"/>
+            </a:endParaRPr>
+          </a:p>
+          <a:p>
+            <a:pPr>
+              <a:buFontTx/>
+              <a:buChar char="-"/>
+            </a:pPr>
+            <a:r>
+              <a:rPr lang="fr-FR" dirty="0">
+                <a:sym typeface="Wingdings" panose="05000000000000000000" pitchFamily="2" charset="2"/>
+              </a:rPr>
+              <a:t>Model Evaluation / </a:t>
+            </a:r>
+            <a:r>
+              <a:rPr lang="fr-FR" dirty="0" err="1">
+                <a:sym typeface="Wingdings" panose="05000000000000000000" pitchFamily="2" charset="2"/>
+              </a:rPr>
+              <a:t>Versionning</a:t>
+            </a:r>
+            <a:r>
+              <a:rPr lang="fr-FR" dirty="0">
+                <a:sym typeface="Wingdings" panose="05000000000000000000" pitchFamily="2" charset="2"/>
+              </a:rPr>
+              <a:t> / </a:t>
+            </a:r>
+            <a:r>
+              <a:rPr lang="fr-FR" dirty="0" err="1">
+                <a:sym typeface="Wingdings" panose="05000000000000000000" pitchFamily="2" charset="2"/>
+              </a:rPr>
+              <a:t>Registry</a:t>
+            </a:r>
+            <a:endParaRPr lang="fr-FR" dirty="0">
+              <a:sym typeface="Wingdings" panose="05000000000000000000" pitchFamily="2" charset="2"/>
+            </a:endParaRPr>
+          </a:p>
+          <a:p>
+            <a:pPr>
+              <a:buFontTx/>
+              <a:buChar char="-"/>
+            </a:pPr>
+            <a:endParaRPr lang="fr-FR" dirty="0">
+              <a:sym typeface="Wingdings" panose="05000000000000000000" pitchFamily="2" charset="2"/>
+            </a:endParaRPr>
+          </a:p>
+          <a:p>
+            <a:pPr marL="0" indent="0">
+              <a:buNone/>
+            </a:pPr>
+            <a:endParaRPr lang="fr-FR" dirty="0">
+              <a:hlinkClick r:id="rId2"/>
+            </a:endParaRPr>
+          </a:p>
+          <a:p>
+            <a:pPr marL="0" indent="0">
+              <a:buNone/>
+            </a:pPr>
+            <a:r>
+              <a:rPr lang="fr-FR" dirty="0">
+                <a:hlinkClick r:id="rId2"/>
+              </a:rPr>
+              <a:t>vertex-ai-</a:t>
+            </a:r>
+            <a:r>
+              <a:rPr lang="fr-FR" dirty="0" err="1">
+                <a:hlinkClick r:id="rId2"/>
+              </a:rPr>
+              <a:t>samples</a:t>
+            </a:r>
+            <a:r>
+              <a:rPr lang="fr-FR" dirty="0">
+                <a:hlinkClick r:id="rId2"/>
+              </a:rPr>
+              <a:t>/notebooks/official/</a:t>
+            </a:r>
+            <a:r>
+              <a:rPr lang="fr-FR" dirty="0" err="1">
+                <a:hlinkClick r:id="rId2"/>
+              </a:rPr>
+              <a:t>model_registry</a:t>
+            </a:r>
+            <a:r>
+              <a:rPr lang="fr-FR" dirty="0">
+                <a:hlinkClick r:id="rId2"/>
+              </a:rPr>
+              <a:t>/</a:t>
+            </a:r>
+            <a:r>
+              <a:rPr lang="fr-FR" dirty="0" err="1">
+                <a:hlinkClick r:id="rId2"/>
+              </a:rPr>
+              <a:t>get_started_with_model_registry.ipynb</a:t>
+            </a:r>
+            <a:r>
+              <a:rPr lang="fr-FR" dirty="0">
+                <a:hlinkClick r:id="rId2"/>
+              </a:rPr>
+              <a:t> at main · </a:t>
+            </a:r>
+            <a:r>
+              <a:rPr lang="fr-FR" dirty="0" err="1">
+                <a:hlinkClick r:id="rId2"/>
+              </a:rPr>
+              <a:t>GoogleCloudPlatform</a:t>
+            </a:r>
+            <a:r>
+              <a:rPr lang="fr-FR" dirty="0">
+                <a:hlinkClick r:id="rId2"/>
+              </a:rPr>
+              <a:t>/vertex-ai-</a:t>
+            </a:r>
+            <a:r>
+              <a:rPr lang="fr-FR" dirty="0" err="1">
+                <a:hlinkClick r:id="rId2"/>
+              </a:rPr>
+              <a:t>samples</a:t>
+            </a:r>
+            <a:r>
+              <a:rPr lang="fr-FR" dirty="0">
+                <a:hlinkClick r:id="rId2"/>
+              </a:rPr>
+              <a:t> · GitHub</a:t>
+            </a:r>
+            <a:endParaRPr lang="fr-FR" dirty="0"/>
+          </a:p>
+          <a:p>
+            <a:pPr marL="0" indent="0">
+              <a:buNone/>
+            </a:pPr>
+            <a:endParaRPr lang="fr-FR" dirty="0"/>
+          </a:p>
+        </p:txBody>
+      </p:sp>
+      <p:sp>
+        <p:nvSpPr>
+          <p:cNvPr id="9" name="Espace réservé du numéro de diapositive 8"/>
+          <p:cNvSpPr>
+            <a:spLocks noGrp="1"/>
+          </p:cNvSpPr>
+          <p:nvPr>
+            <p:ph type="sldNum" sz="quarter" idx="4"/>
+          </p:nvPr>
+        </p:nvSpPr>
+        <p:spPr/>
+        <p:txBody>
+          <a:bodyPr/>
+          <a:lstStyle/>
+          <a:p>
+            <a:pPr>
+              <a:defRPr/>
+            </a:pPr>
+            <a:fld id="{F4FEB08F-923E-484A-9FC5-0AA7BDA29BD6}" type="slidenum">
+              <a:rPr lang="fr-FR" smtClean="0"/>
+              <a:pPr>
+                <a:defRPr/>
+              </a:pPr>
+              <a:t>16</a:t>
+            </a:fld>
+            <a:endParaRPr lang="fr-FR" dirty="0"/>
+          </a:p>
+        </p:txBody>
+      </p:sp>
+      <p:sp>
+        <p:nvSpPr>
+          <p:cNvPr id="22" name="Espace réservé du pied de page 21"/>
+          <p:cNvSpPr>
+            <a:spLocks noGrp="1"/>
+          </p:cNvSpPr>
+          <p:nvPr>
+            <p:ph type="ftr" sz="quarter" idx="3"/>
+          </p:nvPr>
+        </p:nvSpPr>
+        <p:spPr/>
+        <p:txBody>
+          <a:bodyPr/>
+          <a:lstStyle/>
+          <a:p>
+            <a:r>
+              <a:rPr lang="en-US" smtClean="0"/>
+              <a:t>2025 | ©HeadMind Partners AI &amp; Blockchain | Confidentiel</a:t>
+            </a:r>
+            <a:endParaRPr lang="fr-FR" dirty="0"/>
+          </a:p>
+        </p:txBody>
+      </p:sp>
+    </p:spTree>
+    <p:extLst>
+      <p:ext uri="{BB962C8B-B14F-4D97-AF65-F5344CB8AC3E}">
+        <p14:creationId xmlns:p14="http://schemas.microsoft.com/office/powerpoint/2010/main" val="1747901692"/>
+      </p:ext>
+    </p:extLst>
+  </p:cSld>
+  <p:clrMapOvr>
+    <a:masterClrMapping/>
+  </p:clrMapOvr>
+  <mc:AlternateContent xmlns:mc="http://schemas.openxmlformats.org/markup-compatibility/2006" xmlns:p14="http://schemas.microsoft.com/office/powerpoint/2010/main">
+    <mc:Choice Requires="p14">
+      <p:transition spd="slow" p14:dur="2000"/>
+    </mc:Choice>
+    <mc:Fallback xmlns="">
+      <p:transition spd="slow"/>
+    </mc:Fallback>
+  </mc:AlternateContent>
+  <p:timing>
+    <p:tnLst>
+      <p:par>
+        <p:cTn id="1" dur="indefinite" restart="never" nodeType="tmRoot"/>
+      </p:par>
+    </p:tnLst>
+  </p:timing>
+</p:sld>
+</file>
+
+<file path=ppt/slides/slide17.xml><?xml version="1.0" encoding="utf-8"?>
+<p:sld xmlns:a="http://schemas.openxmlformats.org/drawingml/2006/main" xmlns:r="http://schemas.openxmlformats.org/officeDocument/2006/relationships" xmlns:p="http://schemas.openxmlformats.org/presentationml/2006/main" show="0">
+  <p:cSld>
+    <p:spTree>
+      <p:nvGrpSpPr>
+        <p:cNvPr id="1" name=""/>
+        <p:cNvGrpSpPr/>
+        <p:nvPr/>
+      </p:nvGrpSpPr>
+      <p:grpSpPr>
+        <a:xfrm>
+          <a:off x="0" y="0"/>
+          <a:ext cx="0" cy="0"/>
+          <a:chOff x="0" y="0"/>
+          <a:chExt cx="0" cy="0"/>
+        </a:xfrm>
+      </p:grpSpPr>
+      <p:sp>
+        <p:nvSpPr>
+          <p:cNvPr id="23" name="Titre 22"/>
+          <p:cNvSpPr>
+            <a:spLocks noGrp="1"/>
+          </p:cNvSpPr>
+          <p:nvPr>
+            <p:ph type="title"/>
+          </p:nvPr>
+        </p:nvSpPr>
+        <p:spPr/>
+        <p:txBody>
+          <a:bodyPr/>
+          <a:lstStyle/>
+          <a:p>
+            <a:r>
+              <a:rPr lang="fr-FR" dirty="0"/>
+              <a:t>TP 2</a:t>
+            </a:r>
+          </a:p>
+        </p:txBody>
+      </p:sp>
+      <p:sp>
+        <p:nvSpPr>
+          <p:cNvPr id="24" name="Espace réservé du texte 23"/>
+          <p:cNvSpPr>
+            <a:spLocks noGrp="1"/>
+          </p:cNvSpPr>
+          <p:nvPr>
+            <p:ph type="body" sz="quarter" idx="14"/>
+          </p:nvPr>
+        </p:nvSpPr>
+        <p:spPr/>
+        <p:txBody>
+          <a:bodyPr/>
+          <a:lstStyle/>
+          <a:p>
+            <a:r>
+              <a:rPr lang="fr-FR" dirty="0"/>
+              <a:t>Entrainer plusieurs fois modèles avec améliorations successives</a:t>
+            </a:r>
+          </a:p>
+          <a:p>
+            <a:pPr marL="0" indent="0">
+              <a:buNone/>
+            </a:pPr>
+            <a:endParaRPr lang="fr-FR" dirty="0"/>
+          </a:p>
+          <a:p>
+            <a:pPr marL="0" indent="0">
+              <a:buNone/>
+            </a:pPr>
+            <a:r>
+              <a:rPr lang="fr-FR" dirty="0"/>
+              <a:t>Objectif :</a:t>
+            </a:r>
+          </a:p>
+          <a:p>
+            <a:pPr marL="0" indent="0">
+              <a:buNone/>
+            </a:pPr>
+            <a:r>
+              <a:rPr lang="fr-FR" dirty="0" err="1"/>
+              <a:t>Tracker</a:t>
+            </a:r>
+            <a:r>
+              <a:rPr lang="fr-FR" dirty="0"/>
+              <a:t> soit même ses entrainements et </a:t>
+            </a:r>
+            <a:r>
+              <a:rPr lang="fr-FR" dirty="0" err="1"/>
+              <a:t>registred</a:t>
+            </a:r>
+            <a:r>
+              <a:rPr lang="fr-FR" dirty="0"/>
+              <a:t> son modèle</a:t>
+            </a:r>
+          </a:p>
+          <a:p>
+            <a:pPr marL="0" indent="0">
+              <a:buNone/>
+            </a:pPr>
+            <a:endParaRPr lang="fr-FR" dirty="0"/>
+          </a:p>
+          <a:p>
+            <a:pPr marL="0" indent="0">
+              <a:buNone/>
+            </a:pPr>
+            <a:endParaRPr lang="fr-FR" dirty="0">
+              <a:hlinkClick r:id="rId2"/>
+            </a:endParaRPr>
+          </a:p>
+          <a:p>
+            <a:pPr marL="0" indent="0">
+              <a:buNone/>
+            </a:pPr>
+            <a:r>
+              <a:rPr lang="fr-FR" dirty="0">
+                <a:hlinkClick r:id="rId2"/>
+              </a:rPr>
+              <a:t>vertex-ai-</a:t>
+            </a:r>
+            <a:r>
+              <a:rPr lang="fr-FR" dirty="0" err="1">
+                <a:hlinkClick r:id="rId2"/>
+              </a:rPr>
+              <a:t>samples</a:t>
+            </a:r>
+            <a:r>
+              <a:rPr lang="fr-FR" dirty="0">
+                <a:hlinkClick r:id="rId2"/>
+              </a:rPr>
+              <a:t>/notebooks/official/custom/</a:t>
+            </a:r>
+            <a:r>
+              <a:rPr lang="fr-FR" dirty="0" err="1">
+                <a:hlinkClick r:id="rId2"/>
+              </a:rPr>
+              <a:t>get_started_vertex_training_xgboost.ipynb</a:t>
+            </a:r>
+            <a:r>
+              <a:rPr lang="fr-FR" dirty="0">
+                <a:hlinkClick r:id="rId2"/>
+              </a:rPr>
+              <a:t> at main · </a:t>
+            </a:r>
+            <a:r>
+              <a:rPr lang="fr-FR" dirty="0" err="1">
+                <a:hlinkClick r:id="rId2"/>
+              </a:rPr>
+              <a:t>GoogleCloudPlatform</a:t>
+            </a:r>
+            <a:r>
+              <a:rPr lang="fr-FR" dirty="0">
+                <a:hlinkClick r:id="rId2"/>
+              </a:rPr>
+              <a:t>/vertex-ai-</a:t>
+            </a:r>
+            <a:r>
+              <a:rPr lang="fr-FR" dirty="0" err="1">
+                <a:hlinkClick r:id="rId2"/>
+              </a:rPr>
+              <a:t>samples</a:t>
+            </a:r>
+            <a:r>
+              <a:rPr lang="fr-FR" dirty="0">
+                <a:hlinkClick r:id="rId2"/>
+              </a:rPr>
+              <a:t> · GitHub</a:t>
+            </a:r>
+            <a:endParaRPr lang="fr-FR" dirty="0"/>
+          </a:p>
+          <a:p>
+            <a:pPr marL="0" indent="0">
+              <a:buNone/>
+            </a:pPr>
+            <a:endParaRPr lang="fr-FR" dirty="0"/>
+          </a:p>
+        </p:txBody>
+      </p:sp>
+      <p:sp>
+        <p:nvSpPr>
+          <p:cNvPr id="9" name="Espace réservé du numéro de diapositive 8"/>
+          <p:cNvSpPr>
+            <a:spLocks noGrp="1"/>
+          </p:cNvSpPr>
+          <p:nvPr>
+            <p:ph type="sldNum" sz="quarter" idx="4"/>
+          </p:nvPr>
+        </p:nvSpPr>
+        <p:spPr/>
+        <p:txBody>
+          <a:bodyPr/>
+          <a:lstStyle/>
+          <a:p>
+            <a:pPr>
+              <a:defRPr/>
+            </a:pPr>
+            <a:fld id="{F4FEB08F-923E-484A-9FC5-0AA7BDA29BD6}" type="slidenum">
+              <a:rPr lang="fr-FR" smtClean="0"/>
+              <a:pPr>
+                <a:defRPr/>
+              </a:pPr>
+              <a:t>17</a:t>
+            </a:fld>
+            <a:endParaRPr lang="fr-FR" dirty="0"/>
+          </a:p>
+        </p:txBody>
+      </p:sp>
+      <p:sp>
+        <p:nvSpPr>
+          <p:cNvPr id="22" name="Espace réservé du pied de page 21"/>
+          <p:cNvSpPr>
+            <a:spLocks noGrp="1"/>
+          </p:cNvSpPr>
+          <p:nvPr>
+            <p:ph type="ftr" sz="quarter" idx="3"/>
+          </p:nvPr>
+        </p:nvSpPr>
+        <p:spPr/>
+        <p:txBody>
+          <a:bodyPr/>
+          <a:lstStyle/>
+          <a:p>
+            <a:r>
+              <a:rPr lang="en-US" smtClean="0"/>
+              <a:t>2025 | ©HeadMind Partners AI &amp; Blockchain | Confidentiel</a:t>
+            </a:r>
+            <a:endParaRPr lang="fr-FR" dirty="0"/>
+          </a:p>
+        </p:txBody>
+      </p:sp>
+    </p:spTree>
+    <p:extLst>
+      <p:ext uri="{BB962C8B-B14F-4D97-AF65-F5344CB8AC3E}">
         <p14:creationId xmlns:p14="http://schemas.microsoft.com/office/powerpoint/2010/main" val="3137549602"/>
       </p:ext>
     </p:extLst>
@@ -13922,6 +14454,21 @@
   <p:clrMapOvr>
     <a:masterClrMapping/>
   </p:clrMapOvr>
+  <mc:AlternateContent xmlns:mc="http://schemas.openxmlformats.org/markup-compatibility/2006" xmlns:p14="http://schemas.microsoft.com/office/powerpoint/2010/main">
+    <mc:Choice Requires="p14">
+      <p:transition spd="slow" p14:dur="2000"/>
+    </mc:Choice>
+    <mc:Fallback xmlns="">
+      <p:transition spd="slow"/>
+    </mc:Fallback>
+  </mc:AlternateContent>
+  <p:timing>
+    <p:tnLst>
+      <p:par>
+        <p:cTn id="1" dur="indefinite" restart="never" nodeType="tmRoot"/>
+      </p:par>
+    </p:tnLst>
+  </p:timing>
 </p:sld>
 </file>
 
@@ -14030,8 +14577,12 @@
           <a:lstStyle/>
           <a:p>
             <a:r>
+              <a:rPr lang="fr-FR" dirty="0"/>
+              <a:t>I</a:t>
+            </a:r>
+            <a:r>
               <a:rPr lang="fr-FR" dirty="0" smtClean="0"/>
-              <a:t>introduction de GCP</a:t>
+              <a:t>ntroduction de GCP</a:t>
             </a:r>
             <a:endParaRPr lang="fr-FR" dirty="0"/>
           </a:p>
@@ -14702,37 +15253,37 @@
           <a:lstStyle/>
           <a:p>
             <a:r>
-              <a:rPr lang="fr-FR" dirty="0" err="1" smtClean="0"/>
-              <a:t>MLOps</a:t>
-            </a:r>
-            <a:r>
               <a:rPr lang="fr-FR" dirty="0" smtClean="0"/>
-              <a:t> avec Vertex AI</a:t>
+              <a:t>01 Introduction de GCP</a:t>
             </a:r>
             <a:endParaRPr lang="fr-FR" dirty="0"/>
           </a:p>
         </p:txBody>
       </p:sp>
-      <p:sp>
-        <p:nvSpPr>
-          <p:cNvPr id="3" name="Espace réservé du texte 2"/>
-          <p:cNvSpPr>
-            <a:spLocks noGrp="1"/>
-          </p:cNvSpPr>
-          <p:nvPr>
-            <p:ph type="body" sz="quarter" idx="14"/>
-          </p:nvPr>
-        </p:nvSpPr>
-        <p:spPr/>
-        <p:txBody>
-          <a:bodyPr/>
-          <a:lstStyle/>
-          <a:p>
-            <a:pPr fontAlgn="ctr"/>
-            <a:endParaRPr lang="fr-FR" dirty="0"/>
-          </a:p>
-        </p:txBody>
-      </p:sp>
+      <p:pic>
+        <p:nvPicPr>
+          <p:cNvPr id="8" name="Image 7"/>
+          <p:cNvPicPr>
+            <a:picLocks noChangeAspect="1"/>
+          </p:cNvPicPr>
+          <p:nvPr/>
+        </p:nvPicPr>
+        <p:blipFill>
+          <a:blip r:embed="rId2"/>
+          <a:stretch>
+            <a:fillRect/>
+          </a:stretch>
+        </p:blipFill>
+        <p:spPr>
+          <a:xfrm>
+            <a:off x="10105365" y="2327121"/>
+            <a:ext cx="1143160" cy="819264"/>
+          </a:xfrm>
+          <a:prstGeom prst="rect">
+            <a:avLst/>
+          </a:prstGeom>
+        </p:spPr>
+      </p:pic>
       <p:sp>
         <p:nvSpPr>
           <p:cNvPr id="4" name="Espace réservé du numéro de diapositive 3"/>
@@ -14787,49 +15338,565 @@
       </p:sp>
       <p:pic>
         <p:nvPicPr>
-          <p:cNvPr id="6" name="Picture 4" descr="What is Google Vertex AI? The Ultimate Guide in 2024 - ChatFAI Blog"/>
+          <p:cNvPr id="7" name="Image 6"/>
           <p:cNvPicPr>
-            <a:picLocks noChangeAspect="1" noChangeArrowheads="1"/>
+            <a:picLocks noChangeAspect="1"/>
           </p:cNvPicPr>
           <p:nvPr/>
         </p:nvPicPr>
         <p:blipFill>
-          <a:blip r:embed="rId2" cstate="print">
-            <a:extLst>
-              <a:ext uri="{28A0092B-C50C-407E-A947-70E740481C1C}">
-                <a14:useLocalDpi xmlns:a14="http://schemas.microsoft.com/office/drawing/2010/main" val="0"/>
-              </a:ext>
-            </a:extLst>
-          </a:blip>
-          <a:srcRect/>
+          <a:blip r:embed="rId3"/>
           <a:stretch>
             <a:fillRect/>
           </a:stretch>
         </p:blipFill>
-        <p:spPr bwMode="auto">
-          <a:xfrm>
-            <a:off x="2741047" y="1423789"/>
-            <a:ext cx="6694766" cy="4644763"/>
+        <p:spPr>
+          <a:xfrm>
+            <a:off x="511908" y="1307526"/>
+            <a:ext cx="800212" cy="819264"/>
+          </a:xfrm>
+          <a:prstGeom prst="rect">
+            <a:avLst/>
+          </a:prstGeom>
+        </p:spPr>
+      </p:pic>
+      <p:pic>
+        <p:nvPicPr>
+          <p:cNvPr id="9" name="Image 8"/>
+          <p:cNvPicPr>
+            <a:picLocks noChangeAspect="1"/>
+          </p:cNvPicPr>
+          <p:nvPr/>
+        </p:nvPicPr>
+        <p:blipFill>
+          <a:blip r:embed="rId4"/>
+          <a:stretch>
+            <a:fillRect/>
+          </a:stretch>
+        </p:blipFill>
+        <p:spPr>
+          <a:xfrm>
+            <a:off x="511908" y="3370017"/>
+            <a:ext cx="724001" cy="762106"/>
+          </a:xfrm>
+          <a:prstGeom prst="rect">
+            <a:avLst/>
+          </a:prstGeom>
+        </p:spPr>
+      </p:pic>
+      <p:pic>
+        <p:nvPicPr>
+          <p:cNvPr id="10" name="Image 9"/>
+          <p:cNvPicPr>
+            <a:picLocks noChangeAspect="1"/>
+          </p:cNvPicPr>
+          <p:nvPr/>
+        </p:nvPicPr>
+        <p:blipFill>
+          <a:blip r:embed="rId5"/>
+          <a:stretch>
+            <a:fillRect/>
+          </a:stretch>
+        </p:blipFill>
+        <p:spPr>
+          <a:xfrm>
+            <a:off x="10562629" y="4328639"/>
+            <a:ext cx="685896" cy="771633"/>
+          </a:xfrm>
+          <a:prstGeom prst="rect">
+            <a:avLst/>
+          </a:prstGeom>
+        </p:spPr>
+      </p:pic>
+      <p:pic>
+        <p:nvPicPr>
+          <p:cNvPr id="11" name="Image 10"/>
+          <p:cNvPicPr>
+            <a:picLocks noChangeAspect="1"/>
+          </p:cNvPicPr>
+          <p:nvPr/>
+        </p:nvPicPr>
+        <p:blipFill>
+          <a:blip r:embed="rId6"/>
+          <a:stretch>
+            <a:fillRect/>
+          </a:stretch>
+        </p:blipFill>
+        <p:spPr>
+          <a:xfrm>
+            <a:off x="511908" y="5337482"/>
+            <a:ext cx="981212" cy="733527"/>
+          </a:xfrm>
+          <a:prstGeom prst="rect">
+            <a:avLst/>
+          </a:prstGeom>
+        </p:spPr>
+      </p:pic>
+      <p:sp>
+        <p:nvSpPr>
+          <p:cNvPr id="17" name="ZoneTexte 16"/>
+          <p:cNvSpPr txBox="1"/>
+          <p:nvPr/>
+        </p:nvSpPr>
+        <p:spPr>
+          <a:xfrm>
+            <a:off x="1445488" y="1398306"/>
+            <a:ext cx="10840725" cy="646331"/>
           </a:xfrm>
           <a:prstGeom prst="rect">
             <a:avLst/>
           </a:prstGeom>
           <a:noFill/>
-          <a:extLst>
-            <a:ext uri="{909E8E84-426E-40DD-AFC4-6F175D3DCCD1}">
-              <a14:hiddenFill xmlns:a14="http://schemas.microsoft.com/office/drawing/2010/main">
-                <a:solidFill>
-                  <a:srgbClr val="FFFFFF"/>
-                </a:solidFill>
-              </a14:hiddenFill>
-            </a:ext>
-          </a:extLst>
-        </p:spPr>
-      </p:pic>
+        </p:spPr>
+        <p:txBody>
+          <a:bodyPr wrap="none" rtlCol="0">
+            <a:spAutoFit/>
+          </a:bodyPr>
+          <a:lstStyle/>
+          <a:p>
+            <a:r>
+              <a:rPr lang="fr-FR" dirty="0" err="1" smtClean="0"/>
+              <a:t>Compute</a:t>
+            </a:r>
+            <a:r>
+              <a:rPr lang="fr-FR" dirty="0" smtClean="0"/>
+              <a:t>: exécution d’application et de </a:t>
+            </a:r>
+            <a:r>
+              <a:rPr lang="fr-FR" dirty="0" err="1" smtClean="0"/>
+              <a:t>workload</a:t>
+            </a:r>
+            <a:endParaRPr lang="fr-FR" dirty="0" smtClean="0"/>
+          </a:p>
+          <a:p>
+            <a:r>
+              <a:rPr lang="fr-FR" dirty="0" smtClean="0"/>
+              <a:t>- </a:t>
+            </a:r>
+            <a:r>
+              <a:rPr lang="fr-FR" dirty="0" err="1" smtClean="0"/>
+              <a:t>Compute</a:t>
+            </a:r>
+            <a:r>
+              <a:rPr lang="fr-FR" dirty="0" smtClean="0"/>
+              <a:t> Engine (</a:t>
+            </a:r>
+            <a:r>
+              <a:rPr lang="fr-FR" dirty="0" err="1" smtClean="0"/>
+              <a:t>VMs</a:t>
+            </a:r>
+            <a:r>
+              <a:rPr lang="fr-FR" dirty="0" smtClean="0"/>
+              <a:t>), </a:t>
+            </a:r>
+            <a:r>
+              <a:rPr lang="fr-FR" dirty="0" err="1" smtClean="0"/>
+              <a:t>Kubernetes</a:t>
+            </a:r>
+            <a:r>
+              <a:rPr lang="fr-FR" dirty="0" smtClean="0"/>
+              <a:t>, </a:t>
+            </a:r>
+            <a:r>
+              <a:rPr lang="fr-FR" dirty="0" err="1" smtClean="0"/>
+              <a:t>Clound</a:t>
+            </a:r>
+            <a:r>
+              <a:rPr lang="fr-FR" dirty="0" smtClean="0"/>
+              <a:t> </a:t>
+            </a:r>
+            <a:r>
+              <a:rPr lang="fr-FR" dirty="0" err="1" smtClean="0"/>
+              <a:t>Run</a:t>
+            </a:r>
+            <a:r>
+              <a:rPr lang="fr-FR" dirty="0" smtClean="0"/>
+              <a:t> (Conteneurs </a:t>
+            </a:r>
+            <a:r>
+              <a:rPr lang="fr-FR" dirty="0" err="1" smtClean="0"/>
+              <a:t>serverless</a:t>
+            </a:r>
+            <a:r>
+              <a:rPr lang="fr-FR" dirty="0" smtClean="0"/>
+              <a:t>), App Engine (applications web) </a:t>
+            </a:r>
+            <a:endParaRPr lang="fr-FR" dirty="0"/>
+          </a:p>
+        </p:txBody>
+      </p:sp>
+      <p:sp>
+        <p:nvSpPr>
+          <p:cNvPr id="18" name="ZoneTexte 17"/>
+          <p:cNvSpPr txBox="1"/>
+          <p:nvPr/>
+        </p:nvSpPr>
+        <p:spPr>
+          <a:xfrm>
+            <a:off x="3822927" y="2416699"/>
+            <a:ext cx="6224974" cy="646331"/>
+          </a:xfrm>
+          <a:prstGeom prst="rect">
+            <a:avLst/>
+          </a:prstGeom>
+          <a:noFill/>
+        </p:spPr>
+        <p:txBody>
+          <a:bodyPr wrap="none" rtlCol="0">
+            <a:spAutoFit/>
+          </a:bodyPr>
+          <a:lstStyle/>
+          <a:p>
+            <a:pPr algn="r"/>
+            <a:r>
+              <a:rPr lang="fr-FR" dirty="0" smtClean="0"/>
+              <a:t>Stockage et BDD : service pour stocker et gérer les données</a:t>
+            </a:r>
+          </a:p>
+          <a:p>
+            <a:pPr algn="r"/>
+            <a:r>
+              <a:rPr lang="fr-FR" dirty="0" smtClean="0"/>
+              <a:t>- Cloud Storage, Persistent Disk, </a:t>
+            </a:r>
+            <a:r>
+              <a:rPr lang="fr-FR" dirty="0" err="1" smtClean="0"/>
+              <a:t>Filestore</a:t>
+            </a:r>
+            <a:r>
+              <a:rPr lang="fr-FR" dirty="0" smtClean="0"/>
+              <a:t>, Cloud SQL</a:t>
+            </a:r>
+            <a:endParaRPr lang="fr-FR" dirty="0"/>
+          </a:p>
+        </p:txBody>
+      </p:sp>
+      <p:sp>
+        <p:nvSpPr>
+          <p:cNvPr id="19" name="ZoneTexte 18"/>
+          <p:cNvSpPr txBox="1"/>
+          <p:nvPr/>
+        </p:nvSpPr>
+        <p:spPr>
+          <a:xfrm>
+            <a:off x="1474067" y="3378283"/>
+            <a:ext cx="5667449" cy="646331"/>
+          </a:xfrm>
+          <a:prstGeom prst="rect">
+            <a:avLst/>
+          </a:prstGeom>
+          <a:noFill/>
+        </p:spPr>
+        <p:txBody>
+          <a:bodyPr wrap="none" rtlCol="0">
+            <a:spAutoFit/>
+          </a:bodyPr>
+          <a:lstStyle/>
+          <a:p>
+            <a:r>
+              <a:rPr lang="fr-FR" dirty="0" smtClean="0"/>
+              <a:t>Networking: connectivité, sécurité et gestion du trafic</a:t>
+            </a:r>
+          </a:p>
+          <a:p>
+            <a:r>
+              <a:rPr lang="fr-FR" dirty="0" smtClean="0"/>
+              <a:t>- VPC, </a:t>
+            </a:r>
+            <a:r>
+              <a:rPr lang="fr-FR" dirty="0" err="1" smtClean="0"/>
+              <a:t>Load</a:t>
+            </a:r>
+            <a:r>
+              <a:rPr lang="fr-FR" dirty="0" smtClean="0"/>
+              <a:t> </a:t>
+            </a:r>
+            <a:r>
+              <a:rPr lang="fr-FR" dirty="0" err="1" smtClean="0"/>
+              <a:t>Balancing</a:t>
+            </a:r>
+            <a:r>
+              <a:rPr lang="fr-FR" dirty="0" smtClean="0"/>
+              <a:t>, Cloud CDN, Cloud NAT</a:t>
+            </a:r>
+            <a:endParaRPr lang="fr-FR" dirty="0"/>
+          </a:p>
+        </p:txBody>
+      </p:sp>
+      <p:sp>
+        <p:nvSpPr>
+          <p:cNvPr id="20" name="ZoneTexte 19"/>
+          <p:cNvSpPr txBox="1"/>
+          <p:nvPr/>
+        </p:nvSpPr>
+        <p:spPr>
+          <a:xfrm>
+            <a:off x="1474067" y="4391291"/>
+            <a:ext cx="8932317" cy="646331"/>
+          </a:xfrm>
+          <a:prstGeom prst="rect">
+            <a:avLst/>
+          </a:prstGeom>
+          <a:noFill/>
+        </p:spPr>
+        <p:txBody>
+          <a:bodyPr wrap="none" rtlCol="0">
+            <a:spAutoFit/>
+          </a:bodyPr>
+          <a:lstStyle/>
+          <a:p>
+            <a:pPr algn="r"/>
+            <a:r>
+              <a:rPr lang="fr-FR" dirty="0" smtClean="0"/>
+              <a:t>Analyse de données &amp; </a:t>
+            </a:r>
+            <a:r>
+              <a:rPr lang="fr-FR" dirty="0" err="1" smtClean="0"/>
+              <a:t>Big</a:t>
+            </a:r>
+            <a:r>
+              <a:rPr lang="fr-FR" dirty="0" smtClean="0"/>
+              <a:t> Data : traitement et analyse de grands volumes de données</a:t>
+            </a:r>
+          </a:p>
+          <a:p>
+            <a:pPr algn="r"/>
+            <a:r>
+              <a:rPr lang="fr-FR" dirty="0" smtClean="0"/>
+              <a:t>- </a:t>
+            </a:r>
+            <a:r>
+              <a:rPr lang="fr-FR" dirty="0" err="1" smtClean="0"/>
+              <a:t>BigQuery</a:t>
+            </a:r>
+            <a:r>
+              <a:rPr lang="fr-FR" dirty="0" smtClean="0"/>
+              <a:t>, </a:t>
+            </a:r>
+            <a:r>
+              <a:rPr lang="fr-FR" dirty="0" err="1" smtClean="0"/>
+              <a:t>Dataflow</a:t>
+            </a:r>
+            <a:r>
+              <a:rPr lang="fr-FR" dirty="0" smtClean="0"/>
+              <a:t>, Pub/</a:t>
+            </a:r>
+            <a:r>
+              <a:rPr lang="fr-FR" dirty="0" err="1" smtClean="0"/>
+              <a:t>Sub</a:t>
+            </a:r>
+            <a:r>
+              <a:rPr lang="fr-FR" dirty="0" smtClean="0"/>
+              <a:t>, </a:t>
+            </a:r>
+            <a:r>
+              <a:rPr lang="fr-FR" dirty="0" err="1" smtClean="0"/>
+              <a:t>Dataproc</a:t>
+            </a:r>
+            <a:endParaRPr lang="fr-FR" dirty="0"/>
+          </a:p>
+        </p:txBody>
+      </p:sp>
+      <p:sp>
+        <p:nvSpPr>
+          <p:cNvPr id="21" name="ZoneTexte 20"/>
+          <p:cNvSpPr txBox="1"/>
+          <p:nvPr/>
+        </p:nvSpPr>
+        <p:spPr>
+          <a:xfrm>
+            <a:off x="1770016" y="5429867"/>
+            <a:ext cx="7681718" cy="646331"/>
+          </a:xfrm>
+          <a:prstGeom prst="rect">
+            <a:avLst/>
+          </a:prstGeom>
+          <a:noFill/>
+        </p:spPr>
+        <p:txBody>
+          <a:bodyPr wrap="none" rtlCol="0">
+            <a:spAutoFit/>
+          </a:bodyPr>
+          <a:lstStyle/>
+          <a:p>
+            <a:r>
+              <a:rPr lang="fr-FR" dirty="0" err="1" smtClean="0"/>
+              <a:t>DevOps</a:t>
+            </a:r>
+            <a:r>
+              <a:rPr lang="fr-FR" dirty="0" smtClean="0"/>
+              <a:t> &amp; Outil pour développeurs : CI/CD, surveillance et automatisation</a:t>
+            </a:r>
+          </a:p>
+          <a:p>
+            <a:r>
+              <a:rPr lang="fr-FR" dirty="0" smtClean="0"/>
+              <a:t>- Cloud </a:t>
+            </a:r>
+            <a:r>
+              <a:rPr lang="fr-FR" dirty="0" err="1" smtClean="0"/>
+              <a:t>Build</a:t>
+            </a:r>
+            <a:r>
+              <a:rPr lang="fr-FR" dirty="0" smtClean="0"/>
+              <a:t> (CI/CD), </a:t>
+            </a:r>
+            <a:r>
+              <a:rPr lang="fr-FR" dirty="0" err="1" smtClean="0"/>
+              <a:t>Artifact</a:t>
+            </a:r>
+            <a:r>
+              <a:rPr lang="fr-FR" dirty="0" smtClean="0"/>
+              <a:t> </a:t>
+            </a:r>
+            <a:r>
+              <a:rPr lang="fr-FR" dirty="0" err="1" smtClean="0"/>
+              <a:t>Registry</a:t>
+            </a:r>
+            <a:r>
+              <a:rPr lang="fr-FR" dirty="0" smtClean="0"/>
+              <a:t>, Cloud </a:t>
+            </a:r>
+            <a:r>
+              <a:rPr lang="fr-FR" dirty="0" err="1" smtClean="0"/>
+              <a:t>functions</a:t>
+            </a:r>
+            <a:r>
+              <a:rPr lang="fr-FR" dirty="0" smtClean="0"/>
+              <a:t>, Cloud </a:t>
+            </a:r>
+            <a:r>
+              <a:rPr lang="fr-FR" dirty="0" err="1" smtClean="0"/>
+              <a:t>Scheduler</a:t>
+            </a:r>
+            <a:endParaRPr lang="fr-FR" dirty="0"/>
+          </a:p>
+        </p:txBody>
+      </p:sp>
+      <p:cxnSp>
+        <p:nvCxnSpPr>
+          <p:cNvPr id="24" name="Connecteur droit 23"/>
+          <p:cNvCxnSpPr/>
+          <p:nvPr/>
+        </p:nvCxnSpPr>
+        <p:spPr>
+          <a:xfrm>
+            <a:off x="509452" y="2220754"/>
+            <a:ext cx="11207930" cy="0"/>
+          </a:xfrm>
+          <a:prstGeom prst="line">
+            <a:avLst/>
+          </a:prstGeom>
+        </p:spPr>
+        <p:style>
+          <a:lnRef idx="1">
+            <a:schemeClr val="accent1"/>
+          </a:lnRef>
+          <a:fillRef idx="0">
+            <a:schemeClr val="accent1"/>
+          </a:fillRef>
+          <a:effectRef idx="0">
+            <a:schemeClr val="accent1"/>
+          </a:effectRef>
+          <a:fontRef idx="minor">
+            <a:schemeClr val="tx1"/>
+          </a:fontRef>
+        </p:style>
+      </p:cxnSp>
+      <p:cxnSp>
+        <p:nvCxnSpPr>
+          <p:cNvPr id="29" name="Connecteur droit 28"/>
+          <p:cNvCxnSpPr/>
+          <p:nvPr/>
+        </p:nvCxnSpPr>
+        <p:spPr>
+          <a:xfrm>
+            <a:off x="549479" y="3246604"/>
+            <a:ext cx="11207930" cy="0"/>
+          </a:xfrm>
+          <a:prstGeom prst="line">
+            <a:avLst/>
+          </a:prstGeom>
+        </p:spPr>
+        <p:style>
+          <a:lnRef idx="1">
+            <a:schemeClr val="accent1"/>
+          </a:lnRef>
+          <a:fillRef idx="0">
+            <a:schemeClr val="accent1"/>
+          </a:fillRef>
+          <a:effectRef idx="0">
+            <a:schemeClr val="accent1"/>
+          </a:effectRef>
+          <a:fontRef idx="minor">
+            <a:schemeClr val="tx1"/>
+          </a:fontRef>
+        </p:style>
+      </p:cxnSp>
+      <p:cxnSp>
+        <p:nvCxnSpPr>
+          <p:cNvPr id="30" name="Connecteur droit 29"/>
+          <p:cNvCxnSpPr/>
+          <p:nvPr/>
+        </p:nvCxnSpPr>
+        <p:spPr>
+          <a:xfrm>
+            <a:off x="509452" y="4224135"/>
+            <a:ext cx="11207930" cy="0"/>
+          </a:xfrm>
+          <a:prstGeom prst="line">
+            <a:avLst/>
+          </a:prstGeom>
+        </p:spPr>
+        <p:style>
+          <a:lnRef idx="1">
+            <a:schemeClr val="accent1"/>
+          </a:lnRef>
+          <a:fillRef idx="0">
+            <a:schemeClr val="accent1"/>
+          </a:fillRef>
+          <a:effectRef idx="0">
+            <a:schemeClr val="accent1"/>
+          </a:effectRef>
+          <a:fontRef idx="minor">
+            <a:schemeClr val="tx1"/>
+          </a:fontRef>
+        </p:style>
+      </p:cxnSp>
+      <p:cxnSp>
+        <p:nvCxnSpPr>
+          <p:cNvPr id="31" name="Connecteur droit 30"/>
+          <p:cNvCxnSpPr/>
+          <p:nvPr/>
+        </p:nvCxnSpPr>
+        <p:spPr>
+          <a:xfrm>
+            <a:off x="484465" y="5216912"/>
+            <a:ext cx="11207930" cy="0"/>
+          </a:xfrm>
+          <a:prstGeom prst="line">
+            <a:avLst/>
+          </a:prstGeom>
+        </p:spPr>
+        <p:style>
+          <a:lnRef idx="1">
+            <a:schemeClr val="accent1"/>
+          </a:lnRef>
+          <a:fillRef idx="0">
+            <a:schemeClr val="accent1"/>
+          </a:fillRef>
+          <a:effectRef idx="0">
+            <a:schemeClr val="accent1"/>
+          </a:effectRef>
+          <a:fontRef idx="minor">
+            <a:schemeClr val="tx1"/>
+          </a:fontRef>
+        </p:style>
+      </p:cxnSp>
     </p:spTree>
     <p:extLst>
       <p:ext uri="{BB962C8B-B14F-4D97-AF65-F5344CB8AC3E}">
-        <p14:creationId xmlns:p14="http://schemas.microsoft.com/office/powerpoint/2010/main" val="3617460245"/>
+        <p14:creationId xmlns:p14="http://schemas.microsoft.com/office/powerpoint/2010/main" val="1299141477"/>
       </p:ext>
     </p:extLst>
   </p:cSld>
@@ -14880,32 +15947,36 @@
           <a:p>
             <a:r>
               <a:rPr lang="fr-FR" dirty="0" smtClean="0"/>
-              <a:t>Vertex AI</a:t>
+              <a:t>01 Introduction de GCP</a:t>
             </a:r>
             <a:endParaRPr lang="fr-FR" dirty="0"/>
           </a:p>
         </p:txBody>
       </p:sp>
-      <p:sp>
-        <p:nvSpPr>
-          <p:cNvPr id="3" name="Espace réservé du texte 2"/>
-          <p:cNvSpPr>
-            <a:spLocks noGrp="1"/>
-          </p:cNvSpPr>
-          <p:nvPr>
-            <p:ph type="body" sz="quarter" idx="14"/>
-          </p:nvPr>
-        </p:nvSpPr>
-        <p:spPr/>
-        <p:txBody>
-          <a:bodyPr/>
-          <a:lstStyle/>
-          <a:p>
-            <a:pPr fontAlgn="ctr"/>
-            <a:endParaRPr lang="fr-FR" dirty="0"/>
-          </a:p>
-        </p:txBody>
-      </p:sp>
+      <p:pic>
+        <p:nvPicPr>
+          <p:cNvPr id="12" name="Image 11"/>
+          <p:cNvPicPr>
+            <a:picLocks noChangeAspect="1"/>
+          </p:cNvPicPr>
+          <p:nvPr/>
+        </p:nvPicPr>
+        <p:blipFill>
+          <a:blip r:embed="rId2"/>
+          <a:stretch>
+            <a:fillRect/>
+          </a:stretch>
+        </p:blipFill>
+        <p:spPr>
+          <a:xfrm>
+            <a:off x="10295779" y="1332572"/>
+            <a:ext cx="1133633" cy="762106"/>
+          </a:xfrm>
+          <a:prstGeom prst="rect">
+            <a:avLst/>
+          </a:prstGeom>
+        </p:spPr>
+      </p:pic>
       <p:sp>
         <p:nvSpPr>
           <p:cNvPr id="4" name="Espace réservé du numéro de diapositive 3"/>
@@ -14960,47 +16031,610 @@
       </p:sp>
       <p:pic>
         <p:nvPicPr>
-          <p:cNvPr id="6" name="Picture 6" descr="Accelerating Model Deployment using Transfer Learning and Vertex AI ..."/>
+          <p:cNvPr id="13" name="Image 12"/>
           <p:cNvPicPr>
-            <a:picLocks noChangeAspect="1" noChangeArrowheads="1"/>
+            <a:picLocks noChangeAspect="1"/>
           </p:cNvPicPr>
           <p:nvPr/>
         </p:nvPicPr>
-        <p:blipFill rotWithShape="1">
-          <a:blip r:embed="rId2">
-            <a:extLst>
-              <a:ext uri="{28A0092B-C50C-407E-A947-70E740481C1C}">
-                <a14:useLocalDpi xmlns:a14="http://schemas.microsoft.com/office/drawing/2010/main" val="0"/>
-              </a:ext>
-            </a:extLst>
-          </a:blip>
-          <a:srcRect l="3905" t="5007" r="9998" b="4801"/>
-          <a:stretch/>
+        <p:blipFill>
+          <a:blip r:embed="rId3"/>
+          <a:stretch>
+            <a:fillRect/>
+          </a:stretch>
         </p:blipFill>
-        <p:spPr bwMode="auto">
-          <a:xfrm>
-            <a:off x="2223012" y="1423789"/>
-            <a:ext cx="7730836" cy="4555374"/>
+        <p:spPr>
+          <a:xfrm>
+            <a:off x="502381" y="2319510"/>
+            <a:ext cx="1114581" cy="781159"/>
+          </a:xfrm>
+          <a:prstGeom prst="rect">
+            <a:avLst/>
+          </a:prstGeom>
+        </p:spPr>
+      </p:pic>
+      <p:pic>
+        <p:nvPicPr>
+          <p:cNvPr id="14" name="Image 13"/>
+          <p:cNvPicPr>
+            <a:picLocks noChangeAspect="1"/>
+          </p:cNvPicPr>
+          <p:nvPr/>
+        </p:nvPicPr>
+        <p:blipFill>
+          <a:blip r:embed="rId4"/>
+          <a:stretch>
+            <a:fillRect/>
+          </a:stretch>
+        </p:blipFill>
+        <p:spPr>
+          <a:xfrm>
+            <a:off x="10574427" y="3376484"/>
+            <a:ext cx="628738" cy="762106"/>
+          </a:xfrm>
+          <a:prstGeom prst="rect">
+            <a:avLst/>
+          </a:prstGeom>
+        </p:spPr>
+      </p:pic>
+      <p:pic>
+        <p:nvPicPr>
+          <p:cNvPr id="15" name="Image 14"/>
+          <p:cNvPicPr>
+            <a:picLocks noChangeAspect="1"/>
+          </p:cNvPicPr>
+          <p:nvPr/>
+        </p:nvPicPr>
+        <p:blipFill>
+          <a:blip r:embed="rId5"/>
+          <a:stretch>
+            <a:fillRect/>
+          </a:stretch>
+        </p:blipFill>
+        <p:spPr>
+          <a:xfrm>
+            <a:off x="511908" y="4427203"/>
+            <a:ext cx="1105054" cy="781159"/>
+          </a:xfrm>
+          <a:prstGeom prst="rect">
+            <a:avLst/>
+          </a:prstGeom>
+        </p:spPr>
+      </p:pic>
+      <p:sp>
+        <p:nvSpPr>
+          <p:cNvPr id="22" name="ZoneTexte 21"/>
+          <p:cNvSpPr txBox="1"/>
+          <p:nvPr/>
+        </p:nvSpPr>
+        <p:spPr>
+          <a:xfrm>
+            <a:off x="1950374" y="1399041"/>
+            <a:ext cx="8276112" cy="646331"/>
           </a:xfrm>
           <a:prstGeom prst="rect">
             <a:avLst/>
           </a:prstGeom>
           <a:noFill/>
-          <a:extLst>
-            <a:ext uri="{909E8E84-426E-40DD-AFC4-6F175D3DCCD1}">
-              <a14:hiddenFill xmlns:a14="http://schemas.microsoft.com/office/drawing/2010/main">
-                <a:solidFill>
-                  <a:srgbClr val="FFFFFF"/>
-                </a:solidFill>
-              </a14:hiddenFill>
-            </a:ext>
-          </a:extLst>
+        </p:spPr>
+        <p:txBody>
+          <a:bodyPr wrap="none" rtlCol="0">
+            <a:spAutoFit/>
+          </a:bodyPr>
+          <a:lstStyle/>
+          <a:p>
+            <a:pPr algn="r"/>
+            <a:r>
+              <a:rPr lang="fr-FR" dirty="0" smtClean="0"/>
+              <a:t>Sécurité &amp; Gestion des identités : gestion des accès et surveillance des menaces</a:t>
+            </a:r>
+          </a:p>
+          <a:p>
+            <a:pPr algn="r"/>
+            <a:r>
+              <a:rPr lang="fr-FR" dirty="0" smtClean="0"/>
+              <a:t>- IAM, Cloud </a:t>
+            </a:r>
+            <a:r>
+              <a:rPr lang="fr-FR" dirty="0" err="1" smtClean="0"/>
+              <a:t>Identity</a:t>
+            </a:r>
+            <a:r>
+              <a:rPr lang="fr-FR" dirty="0" smtClean="0"/>
+              <a:t>, Security Command Center, Cloud Armor, Secret Manager</a:t>
+            </a:r>
+            <a:endParaRPr lang="fr-FR" dirty="0"/>
+          </a:p>
+        </p:txBody>
+      </p:sp>
+      <p:sp>
+        <p:nvSpPr>
+          <p:cNvPr id="23" name="ZoneTexte 22"/>
+          <p:cNvSpPr txBox="1"/>
+          <p:nvPr/>
+        </p:nvSpPr>
+        <p:spPr>
+          <a:xfrm>
+            <a:off x="2011692" y="2396557"/>
+            <a:ext cx="5657703" cy="646331"/>
+          </a:xfrm>
+          <a:prstGeom prst="rect">
+            <a:avLst/>
+          </a:prstGeom>
+          <a:noFill/>
+        </p:spPr>
+        <p:txBody>
+          <a:bodyPr wrap="none" rtlCol="0">
+            <a:spAutoFit/>
+          </a:bodyPr>
+          <a:lstStyle/>
+          <a:p>
+            <a:r>
+              <a:rPr lang="fr-FR" dirty="0" err="1" smtClean="0"/>
+              <a:t>IoT</a:t>
+            </a:r>
+            <a:r>
+              <a:rPr lang="fr-FR" dirty="0" smtClean="0"/>
+              <a:t> &amp; </a:t>
+            </a:r>
+            <a:r>
+              <a:rPr lang="fr-FR" dirty="0" err="1" smtClean="0"/>
+              <a:t>Edge</a:t>
+            </a:r>
+            <a:r>
+              <a:rPr lang="fr-FR" dirty="0" smtClean="0"/>
+              <a:t> </a:t>
+            </a:r>
+            <a:r>
+              <a:rPr lang="fr-FR" dirty="0" err="1" smtClean="0"/>
+              <a:t>Computing</a:t>
+            </a:r>
+            <a:r>
+              <a:rPr lang="fr-FR" dirty="0" smtClean="0"/>
+              <a:t> : gestion des appareil </a:t>
+            </a:r>
+            <a:r>
+              <a:rPr lang="fr-FR" dirty="0" err="1" smtClean="0"/>
+              <a:t>IoT</a:t>
+            </a:r>
+            <a:r>
+              <a:rPr lang="fr-FR" dirty="0" smtClean="0"/>
+              <a:t> et IA</a:t>
+            </a:r>
+          </a:p>
+          <a:p>
+            <a:r>
+              <a:rPr lang="fr-FR" dirty="0" smtClean="0"/>
+              <a:t>- </a:t>
+            </a:r>
+            <a:r>
+              <a:rPr lang="fr-FR" dirty="0" err="1"/>
+              <a:t>I</a:t>
+            </a:r>
+            <a:r>
+              <a:rPr lang="fr-FR" dirty="0" err="1" smtClean="0"/>
+              <a:t>oT</a:t>
+            </a:r>
+            <a:r>
+              <a:rPr lang="fr-FR" dirty="0" smtClean="0"/>
+              <a:t> </a:t>
+            </a:r>
+            <a:r>
+              <a:rPr lang="fr-FR" dirty="0" err="1" smtClean="0"/>
+              <a:t>Core</a:t>
+            </a:r>
+            <a:r>
+              <a:rPr lang="fr-FR" dirty="0" smtClean="0"/>
+              <a:t>, </a:t>
+            </a:r>
+            <a:r>
+              <a:rPr lang="fr-FR" dirty="0" err="1" smtClean="0"/>
+              <a:t>Edge</a:t>
+            </a:r>
+            <a:r>
+              <a:rPr lang="fr-FR" dirty="0" smtClean="0"/>
+              <a:t> TPU </a:t>
+            </a:r>
+            <a:endParaRPr lang="fr-FR" dirty="0"/>
+          </a:p>
+        </p:txBody>
+      </p:sp>
+      <p:sp>
+        <p:nvSpPr>
+          <p:cNvPr id="24" name="ZoneTexte 23"/>
+          <p:cNvSpPr txBox="1"/>
+          <p:nvPr/>
+        </p:nvSpPr>
+        <p:spPr>
+          <a:xfrm>
+            <a:off x="2011692" y="3399917"/>
+            <a:ext cx="8310288" cy="646331"/>
+          </a:xfrm>
+          <a:prstGeom prst="rect">
+            <a:avLst/>
+          </a:prstGeom>
+          <a:noFill/>
+        </p:spPr>
+        <p:txBody>
+          <a:bodyPr wrap="none" rtlCol="0">
+            <a:spAutoFit/>
+          </a:bodyPr>
+          <a:lstStyle/>
+          <a:p>
+            <a:pPr algn="r"/>
+            <a:r>
+              <a:rPr lang="fr-FR" dirty="0" smtClean="0"/>
+              <a:t>AI et Machine Learning : outils </a:t>
+            </a:r>
+            <a:r>
+              <a:rPr lang="fr-FR" dirty="0" smtClean="0"/>
+              <a:t>pour </a:t>
+            </a:r>
+            <a:r>
+              <a:rPr lang="fr-FR" dirty="0" smtClean="0"/>
+              <a:t>créer, entrainer et déployer des modèles ML</a:t>
+            </a:r>
+          </a:p>
+          <a:p>
+            <a:pPr algn="r"/>
+            <a:r>
+              <a:rPr lang="fr-FR" dirty="0" smtClean="0"/>
+              <a:t>- </a:t>
+            </a:r>
+            <a:r>
+              <a:rPr lang="fr-FR" b="1" dirty="0" smtClean="0"/>
+              <a:t>Vertex AI</a:t>
+            </a:r>
+            <a:r>
+              <a:rPr lang="fr-FR" dirty="0" smtClean="0"/>
+              <a:t>, </a:t>
+            </a:r>
+            <a:r>
+              <a:rPr lang="fr-FR" dirty="0" err="1" smtClean="0"/>
+              <a:t>AutoML</a:t>
+            </a:r>
+            <a:r>
+              <a:rPr lang="fr-FR" dirty="0" smtClean="0"/>
+              <a:t>, AI API, </a:t>
+            </a:r>
+            <a:r>
+              <a:rPr lang="fr-FR" dirty="0" err="1" smtClean="0"/>
+              <a:t>BigQuery</a:t>
+            </a:r>
+            <a:r>
+              <a:rPr lang="fr-FR" dirty="0" smtClean="0"/>
+              <a:t> ML</a:t>
+            </a:r>
+            <a:endParaRPr lang="fr-FR" dirty="0"/>
+          </a:p>
+        </p:txBody>
+      </p:sp>
+      <p:sp>
+        <p:nvSpPr>
+          <p:cNvPr id="25" name="ZoneTexte 24"/>
+          <p:cNvSpPr txBox="1"/>
+          <p:nvPr/>
+        </p:nvSpPr>
+        <p:spPr>
+          <a:xfrm>
+            <a:off x="2045868" y="4514901"/>
+            <a:ext cx="7721601" cy="646331"/>
+          </a:xfrm>
+          <a:prstGeom prst="rect">
+            <a:avLst/>
+          </a:prstGeom>
+          <a:noFill/>
+        </p:spPr>
+        <p:txBody>
+          <a:bodyPr wrap="none" rtlCol="0">
+            <a:spAutoFit/>
+          </a:bodyPr>
+          <a:lstStyle/>
+          <a:p>
+            <a:r>
+              <a:rPr lang="fr-FR" dirty="0" smtClean="0"/>
+              <a:t>Gestion &amp; Supervision : outils pour </a:t>
+            </a:r>
+            <a:r>
+              <a:rPr lang="fr-FR" dirty="0" smtClean="0"/>
+              <a:t>surveiller </a:t>
+            </a:r>
+            <a:r>
+              <a:rPr lang="fr-FR" dirty="0" smtClean="0"/>
+              <a:t>et </a:t>
+            </a:r>
+            <a:r>
+              <a:rPr lang="fr-FR" dirty="0" smtClean="0"/>
+              <a:t>analyser </a:t>
+            </a:r>
+            <a:r>
+              <a:rPr lang="fr-FR" dirty="0" smtClean="0"/>
+              <a:t>les </a:t>
+            </a:r>
+            <a:r>
+              <a:rPr lang="fr-FR" dirty="0" smtClean="0"/>
+              <a:t>performances</a:t>
+            </a:r>
+            <a:endParaRPr lang="fr-FR" dirty="0" smtClean="0"/>
+          </a:p>
+          <a:p>
+            <a:r>
+              <a:rPr lang="fr-FR" dirty="0" smtClean="0"/>
+              <a:t>- Cloud </a:t>
+            </a:r>
+            <a:r>
+              <a:rPr lang="fr-FR" dirty="0" err="1" smtClean="0"/>
+              <a:t>Logging</a:t>
+            </a:r>
+            <a:r>
+              <a:rPr lang="fr-FR" dirty="0" smtClean="0"/>
+              <a:t>, Cloud Monitoring</a:t>
+            </a:r>
+            <a:endParaRPr lang="fr-FR" dirty="0"/>
+          </a:p>
+        </p:txBody>
+      </p:sp>
+      <p:sp>
+        <p:nvSpPr>
+          <p:cNvPr id="26" name="ZoneTexte 25"/>
+          <p:cNvSpPr txBox="1"/>
+          <p:nvPr/>
+        </p:nvSpPr>
+        <p:spPr>
+          <a:xfrm>
+            <a:off x="2807551" y="5385495"/>
+            <a:ext cx="7514429" cy="646331"/>
+          </a:xfrm>
+          <a:prstGeom prst="rect">
+            <a:avLst/>
+          </a:prstGeom>
+          <a:noFill/>
+        </p:spPr>
+        <p:txBody>
+          <a:bodyPr wrap="none" rtlCol="0">
+            <a:spAutoFit/>
+          </a:bodyPr>
+          <a:lstStyle/>
+          <a:p>
+            <a:pPr algn="r"/>
+            <a:r>
+              <a:rPr lang="fr-FR" dirty="0" err="1" smtClean="0"/>
+              <a:t>Hybrid</a:t>
+            </a:r>
+            <a:r>
+              <a:rPr lang="fr-FR" dirty="0" smtClean="0"/>
+              <a:t> &amp; Multi-cloud : gestion des charge de travail sur plusieurs </a:t>
+            </a:r>
+            <a:r>
+              <a:rPr lang="fr-FR" dirty="0" err="1" smtClean="0"/>
+              <a:t>clouds</a:t>
+            </a:r>
+            <a:endParaRPr lang="fr-FR" dirty="0" smtClean="0"/>
+          </a:p>
+          <a:p>
+            <a:pPr algn="r"/>
+            <a:r>
+              <a:rPr lang="fr-FR" dirty="0" smtClean="0"/>
+              <a:t>- </a:t>
+            </a:r>
+            <a:r>
+              <a:rPr lang="fr-FR" dirty="0" err="1" smtClean="0"/>
+              <a:t>Anthos</a:t>
+            </a:r>
+            <a:r>
+              <a:rPr lang="fr-FR" dirty="0" smtClean="0"/>
+              <a:t>, Cloud </a:t>
+            </a:r>
+            <a:r>
+              <a:rPr lang="fr-FR" dirty="0" err="1" smtClean="0"/>
+              <a:t>VmWare</a:t>
+            </a:r>
+            <a:r>
+              <a:rPr lang="fr-FR" dirty="0" smtClean="0"/>
+              <a:t> Engine, </a:t>
+            </a:r>
+            <a:r>
+              <a:rPr lang="fr-FR" dirty="0" err="1" smtClean="0"/>
+              <a:t>BigQuery</a:t>
+            </a:r>
+            <a:r>
+              <a:rPr lang="fr-FR" dirty="0"/>
+              <a:t> </a:t>
+            </a:r>
+            <a:r>
+              <a:rPr lang="fr-FR" dirty="0" smtClean="0"/>
+              <a:t>Omni</a:t>
+            </a:r>
+            <a:endParaRPr lang="fr-FR" dirty="0"/>
+          </a:p>
+        </p:txBody>
+      </p:sp>
+      <p:pic>
+        <p:nvPicPr>
+          <p:cNvPr id="3" name="Image 2"/>
+          <p:cNvPicPr>
+            <a:picLocks noChangeAspect="1"/>
+          </p:cNvPicPr>
+          <p:nvPr/>
+        </p:nvPicPr>
+        <p:blipFill>
+          <a:blip r:embed="rId6"/>
+          <a:stretch>
+            <a:fillRect/>
+          </a:stretch>
+        </p:blipFill>
+        <p:spPr>
+          <a:xfrm>
+            <a:off x="10522027" y="5385495"/>
+            <a:ext cx="681138" cy="511794"/>
+          </a:xfrm>
+          <a:prstGeom prst="rect">
+            <a:avLst/>
+          </a:prstGeom>
         </p:spPr>
       </p:pic>
+      <p:sp>
+        <p:nvSpPr>
+          <p:cNvPr id="27" name="ZoneTexte 26"/>
+          <p:cNvSpPr txBox="1"/>
+          <p:nvPr/>
+        </p:nvSpPr>
+        <p:spPr>
+          <a:xfrm>
+            <a:off x="10422003" y="5880453"/>
+            <a:ext cx="933586" cy="246221"/>
+          </a:xfrm>
+          <a:prstGeom prst="rect">
+            <a:avLst/>
+          </a:prstGeom>
+          <a:noFill/>
+        </p:spPr>
+        <p:txBody>
+          <a:bodyPr wrap="square" rtlCol="0">
+            <a:spAutoFit/>
+          </a:bodyPr>
+          <a:lstStyle/>
+          <a:p>
+            <a:r>
+              <a:rPr lang="fr-FR" sz="1000" dirty="0" smtClean="0">
+                <a:solidFill>
+                  <a:srgbClr val="000000"/>
+                </a:solidFill>
+              </a:rPr>
+              <a:t>Multi-cloud </a:t>
+            </a:r>
+            <a:endParaRPr lang="fr-FR" sz="1000" dirty="0">
+              <a:solidFill>
+                <a:srgbClr val="000000"/>
+              </a:solidFill>
+            </a:endParaRPr>
+          </a:p>
+        </p:txBody>
+      </p:sp>
+      <p:cxnSp>
+        <p:nvCxnSpPr>
+          <p:cNvPr id="28" name="Connecteur droit 27"/>
+          <p:cNvCxnSpPr/>
+          <p:nvPr/>
+        </p:nvCxnSpPr>
+        <p:spPr>
+          <a:xfrm>
+            <a:off x="509452" y="2220754"/>
+            <a:ext cx="11207930" cy="0"/>
+          </a:xfrm>
+          <a:prstGeom prst="line">
+            <a:avLst/>
+          </a:prstGeom>
+        </p:spPr>
+        <p:style>
+          <a:lnRef idx="1">
+            <a:schemeClr val="accent1"/>
+          </a:lnRef>
+          <a:fillRef idx="0">
+            <a:schemeClr val="accent1"/>
+          </a:fillRef>
+          <a:effectRef idx="0">
+            <a:schemeClr val="accent1"/>
+          </a:effectRef>
+          <a:fontRef idx="minor">
+            <a:schemeClr val="tx1"/>
+          </a:fontRef>
+        </p:style>
+      </p:cxnSp>
+      <p:cxnSp>
+        <p:nvCxnSpPr>
+          <p:cNvPr id="29" name="Connecteur droit 28"/>
+          <p:cNvCxnSpPr/>
+          <p:nvPr/>
+        </p:nvCxnSpPr>
+        <p:spPr>
+          <a:xfrm>
+            <a:off x="542051" y="3253201"/>
+            <a:ext cx="11207930" cy="0"/>
+          </a:xfrm>
+          <a:prstGeom prst="line">
+            <a:avLst/>
+          </a:prstGeom>
+        </p:spPr>
+        <p:style>
+          <a:lnRef idx="1">
+            <a:schemeClr val="accent1"/>
+          </a:lnRef>
+          <a:fillRef idx="0">
+            <a:schemeClr val="accent1"/>
+          </a:fillRef>
+          <a:effectRef idx="0">
+            <a:schemeClr val="accent1"/>
+          </a:effectRef>
+          <a:fontRef idx="minor">
+            <a:schemeClr val="tx1"/>
+          </a:fontRef>
+        </p:style>
+      </p:cxnSp>
+      <p:cxnSp>
+        <p:nvCxnSpPr>
+          <p:cNvPr id="30" name="Connecteur droit 29"/>
+          <p:cNvCxnSpPr/>
+          <p:nvPr/>
+        </p:nvCxnSpPr>
+        <p:spPr>
+          <a:xfrm>
+            <a:off x="579959" y="4241144"/>
+            <a:ext cx="11207930" cy="0"/>
+          </a:xfrm>
+          <a:prstGeom prst="line">
+            <a:avLst/>
+          </a:prstGeom>
+        </p:spPr>
+        <p:style>
+          <a:lnRef idx="1">
+            <a:schemeClr val="accent1"/>
+          </a:lnRef>
+          <a:fillRef idx="0">
+            <a:schemeClr val="accent1"/>
+          </a:fillRef>
+          <a:effectRef idx="0">
+            <a:schemeClr val="accent1"/>
+          </a:effectRef>
+          <a:fontRef idx="minor">
+            <a:schemeClr val="tx1"/>
+          </a:fontRef>
+        </p:style>
+      </p:cxnSp>
+      <p:cxnSp>
+        <p:nvCxnSpPr>
+          <p:cNvPr id="31" name="Connecteur droit 30"/>
+          <p:cNvCxnSpPr/>
+          <p:nvPr/>
+        </p:nvCxnSpPr>
+        <p:spPr>
+          <a:xfrm>
+            <a:off x="542051" y="5307117"/>
+            <a:ext cx="11207930" cy="0"/>
+          </a:xfrm>
+          <a:prstGeom prst="line">
+            <a:avLst/>
+          </a:prstGeom>
+        </p:spPr>
+        <p:style>
+          <a:lnRef idx="1">
+            <a:schemeClr val="accent1"/>
+          </a:lnRef>
+          <a:fillRef idx="0">
+            <a:schemeClr val="accent1"/>
+          </a:fillRef>
+          <a:effectRef idx="0">
+            <a:schemeClr val="accent1"/>
+          </a:effectRef>
+          <a:fontRef idx="minor">
+            <a:schemeClr val="tx1"/>
+          </a:fontRef>
+        </p:style>
+      </p:cxnSp>
     </p:spTree>
     <p:extLst>
       <p:ext uri="{BB962C8B-B14F-4D97-AF65-F5344CB8AC3E}">
-        <p14:creationId xmlns:p14="http://schemas.microsoft.com/office/powerpoint/2010/main" val="3391040791"/>
+        <p14:creationId xmlns:p14="http://schemas.microsoft.com/office/powerpoint/2010/main" val="1042798432"/>
       </p:ext>
     </p:extLst>
   </p:cSld>
@@ -15050,37 +16684,13 @@
           <a:lstStyle/>
           <a:p>
             <a:r>
+              <a:rPr lang="fr-FR" dirty="0" err="1" smtClean="0"/>
+              <a:t>MLOps</a:t>
+            </a:r>
+            <a:r>
               <a:rPr lang="fr-FR" dirty="0" smtClean="0"/>
-              <a:t>Vertex AI – </a:t>
-            </a:r>
-            <a:r>
-              <a:rPr lang="fr-FR" dirty="0" err="1" smtClean="0"/>
-              <a:t>Feature</a:t>
-            </a:r>
-            <a:r>
-              <a:rPr lang="fr-FR" dirty="0" smtClean="0"/>
-              <a:t> Store</a:t>
-            </a:r>
-            <a:endParaRPr lang="fr-FR" dirty="0"/>
-          </a:p>
-        </p:txBody>
-      </p:sp>
-      <p:sp>
-        <p:nvSpPr>
-          <p:cNvPr id="3" name="Espace réservé du texte 2"/>
-          <p:cNvSpPr>
-            <a:spLocks noGrp="1"/>
-          </p:cNvSpPr>
-          <p:nvPr>
-            <p:ph type="body" sz="quarter" idx="14"/>
-          </p:nvPr>
-        </p:nvSpPr>
-        <p:spPr/>
-        <p:txBody>
-          <a:bodyPr/>
-          <a:lstStyle/>
-          <a:p>
-            <a:pPr fontAlgn="ctr"/>
+              <a:t> avec Vertex AI</a:t>
+            </a:r>
             <a:endParaRPr lang="fr-FR" dirty="0"/>
           </a:p>
         </p:txBody>
@@ -15139,14 +16749,14 @@
       </p:sp>
       <p:pic>
         <p:nvPicPr>
-          <p:cNvPr id="7" name="Picture 2" descr="Introduction to Vertex AI Feature Store - NashTech Insights"/>
+          <p:cNvPr id="6" name="Picture 4" descr="What is Google Vertex AI? The Ultimate Guide in 2024 - ChatFAI Blog"/>
           <p:cNvPicPr>
             <a:picLocks noChangeAspect="1" noChangeArrowheads="1"/>
           </p:cNvPicPr>
           <p:nvPr/>
         </p:nvPicPr>
         <p:blipFill>
-          <a:blip r:embed="rId2" cstate="screen">
+          <a:blip r:embed="rId2" cstate="print">
             <a:extLst>
               <a:ext uri="{28A0092B-C50C-407E-A947-70E740481C1C}">
                 <a14:useLocalDpi xmlns:a14="http://schemas.microsoft.com/office/drawing/2010/main" val="0"/>
@@ -15160,8 +16770,8 @@
         </p:blipFill>
         <p:spPr bwMode="auto">
           <a:xfrm>
-            <a:off x="526304" y="1755350"/>
-            <a:ext cx="6839857" cy="3590925"/>
+            <a:off x="2741047" y="1423789"/>
+            <a:ext cx="6694766" cy="4644763"/>
           </a:xfrm>
           <a:prstGeom prst="rect">
             <a:avLst/>
@@ -15178,51 +16788,10 @@
           </a:extLst>
         </p:spPr>
       </p:pic>
-      <p:pic>
-        <p:nvPicPr>
-          <p:cNvPr id="8" name="Picture 2" descr="Data model and resources | Vertex AI | Google Cloud"/>
-          <p:cNvPicPr>
-            <a:picLocks noChangeAspect="1" noChangeArrowheads="1"/>
-          </p:cNvPicPr>
-          <p:nvPr/>
-        </p:nvPicPr>
-        <p:blipFill>
-          <a:blip r:embed="rId3" cstate="screen">
-            <a:extLst>
-              <a:ext uri="{28A0092B-C50C-407E-A947-70E740481C1C}">
-                <a14:useLocalDpi xmlns:a14="http://schemas.microsoft.com/office/drawing/2010/main" val="0"/>
-              </a:ext>
-            </a:extLst>
-          </a:blip>
-          <a:srcRect/>
-          <a:stretch>
-            <a:fillRect/>
-          </a:stretch>
-        </p:blipFill>
-        <p:spPr bwMode="auto">
-          <a:xfrm>
-            <a:off x="7433826" y="2486874"/>
-            <a:ext cx="4628861" cy="1880177"/>
-          </a:xfrm>
-          <a:prstGeom prst="rect">
-            <a:avLst/>
-          </a:prstGeom>
-          <a:noFill/>
-          <a:extLst>
-            <a:ext uri="{909E8E84-426E-40DD-AFC4-6F175D3DCCD1}">
-              <a14:hiddenFill xmlns:a14="http://schemas.microsoft.com/office/drawing/2010/main">
-                <a:solidFill>
-                  <a:srgbClr val="FFFFFF"/>
-                </a:solidFill>
-              </a14:hiddenFill>
-            </a:ext>
-          </a:extLst>
-        </p:spPr>
-      </p:pic>
     </p:spTree>
     <p:extLst>
       <p:ext uri="{BB962C8B-B14F-4D97-AF65-F5344CB8AC3E}">
-        <p14:creationId xmlns:p14="http://schemas.microsoft.com/office/powerpoint/2010/main" val="3347205837"/>
+        <p14:creationId xmlns:p14="http://schemas.microsoft.com/office/powerpoint/2010/main" val="3617460245"/>
       </p:ext>
     </p:extLst>
   </p:cSld>
@@ -15273,32 +16842,8 @@
           <a:p>
             <a:r>
               <a:rPr lang="fr-FR" dirty="0" smtClean="0"/>
-              <a:t>Vertex AI – Model </a:t>
-            </a:r>
-            <a:r>
-              <a:rPr lang="fr-FR" dirty="0" err="1" smtClean="0"/>
-              <a:t>Registry</a:t>
-            </a:r>
-            <a:endParaRPr lang="fr-FR" dirty="0"/>
-          </a:p>
-        </p:txBody>
-      </p:sp>
-      <p:sp>
-        <p:nvSpPr>
-          <p:cNvPr id="3" name="Espace réservé du texte 2"/>
-          <p:cNvSpPr>
-            <a:spLocks noGrp="1"/>
-          </p:cNvSpPr>
-          <p:nvPr>
-            <p:ph type="body" sz="quarter" idx="14"/>
-          </p:nvPr>
-        </p:nvSpPr>
-        <p:spPr/>
-        <p:txBody>
-          <a:bodyPr/>
-          <a:lstStyle/>
-          <a:p>
-            <a:pPr fontAlgn="ctr"/>
+              <a:t>Vertex AI</a:t>
+            </a:r>
             <a:endParaRPr lang="fr-FR" dirty="0"/>
           </a:p>
         </p:txBody>
@@ -15327,6 +16872,1121 @@
                 <a:defRPr/>
               </a:pPr>
               <a:t>7</a:t>
+            </a:fld>
+            <a:endParaRPr lang="fr-FR" dirty="0"/>
+          </a:p>
+        </p:txBody>
+      </p:sp>
+      <p:sp>
+        <p:nvSpPr>
+          <p:cNvPr id="5" name="Espace réservé du pied de page 4"/>
+          <p:cNvSpPr>
+            <a:spLocks noGrp="1"/>
+          </p:cNvSpPr>
+          <p:nvPr>
+            <p:ph type="ftr" sz="quarter" idx="3"/>
+          </p:nvPr>
+        </p:nvSpPr>
+        <p:spPr/>
+        <p:txBody>
+          <a:bodyPr/>
+          <a:lstStyle/>
+          <a:p>
+            <a:r>
+              <a:rPr lang="en-US"/>
+              <a:t>2025 | ©HeadMind Partners AI &amp; Blockchain | Confidentiel</a:t>
+            </a:r>
+            <a:endParaRPr lang="fr-FR" dirty="0"/>
+          </a:p>
+        </p:txBody>
+      </p:sp>
+      <p:pic>
+        <p:nvPicPr>
+          <p:cNvPr id="6" name="Picture 6" descr="Accelerating Model Deployment using Transfer Learning and Vertex AI ..."/>
+          <p:cNvPicPr>
+            <a:picLocks noChangeAspect="1" noChangeArrowheads="1"/>
+          </p:cNvPicPr>
+          <p:nvPr/>
+        </p:nvPicPr>
+        <p:blipFill rotWithShape="1">
+          <a:blip r:embed="rId2">
+            <a:extLst>
+              <a:ext uri="{28A0092B-C50C-407E-A947-70E740481C1C}">
+                <a14:useLocalDpi xmlns:a14="http://schemas.microsoft.com/office/drawing/2010/main" val="0"/>
+              </a:ext>
+            </a:extLst>
+          </a:blip>
+          <a:srcRect l="3905" t="17987" r="9998" b="4801"/>
+          <a:stretch/>
+        </p:blipFill>
+        <p:spPr bwMode="auto">
+          <a:xfrm>
+            <a:off x="1706880" y="2045929"/>
+            <a:ext cx="7730836" cy="3899750"/>
+          </a:xfrm>
+          <a:prstGeom prst="rect">
+            <a:avLst/>
+          </a:prstGeom>
+          <a:noFill/>
+          <a:extLst>
+            <a:ext uri="{909E8E84-426E-40DD-AFC4-6F175D3DCCD1}">
+              <a14:hiddenFill xmlns:a14="http://schemas.microsoft.com/office/drawing/2010/main">
+                <a:solidFill>
+                  <a:srgbClr val="FFFFFF"/>
+                </a:solidFill>
+              </a14:hiddenFill>
+            </a:ext>
+          </a:extLst>
+        </p:spPr>
+      </p:pic>
+      <p:sp>
+        <p:nvSpPr>
+          <p:cNvPr id="7" name="ZoneTexte 6"/>
+          <p:cNvSpPr txBox="1"/>
+          <p:nvPr/>
+        </p:nvSpPr>
+        <p:spPr>
+          <a:xfrm>
+            <a:off x="2997722" y="1261099"/>
+            <a:ext cx="1902786" cy="784830"/>
+          </a:xfrm>
+          <a:prstGeom prst="rect">
+            <a:avLst/>
+          </a:prstGeom>
+        </p:spPr>
+        <p:style>
+          <a:lnRef idx="2">
+            <a:schemeClr val="accent1"/>
+          </a:lnRef>
+          <a:fillRef idx="1">
+            <a:schemeClr val="lt1"/>
+          </a:fillRef>
+          <a:effectRef idx="0">
+            <a:schemeClr val="accent1"/>
+          </a:effectRef>
+          <a:fontRef idx="minor">
+            <a:schemeClr val="dk1"/>
+          </a:fontRef>
+        </p:style>
+        <p:txBody>
+          <a:bodyPr wrap="square" rtlCol="0">
+            <a:spAutoFit/>
+          </a:bodyPr>
+          <a:lstStyle/>
+          <a:p>
+            <a:r>
+              <a:rPr lang="fr-FR" sz="1200" b="1" i="1" dirty="0" smtClean="0"/>
+              <a:t>Vertex AI </a:t>
+            </a:r>
+            <a:r>
+              <a:rPr lang="fr-FR" sz="1200" b="1" i="1" dirty="0" err="1" smtClean="0"/>
+              <a:t>Dataset</a:t>
+            </a:r>
+            <a:r>
+              <a:rPr lang="fr-FR" sz="1200" b="1" i="1" dirty="0" smtClean="0"/>
+              <a:t> </a:t>
+            </a:r>
+            <a:r>
+              <a:rPr lang="fr-FR" sz="1200" dirty="0" smtClean="0"/>
+              <a:t>: </a:t>
+            </a:r>
+            <a:r>
+              <a:rPr lang="fr-FR" sz="1100" dirty="0"/>
+              <a:t>I</a:t>
+            </a:r>
+            <a:r>
+              <a:rPr lang="fr-FR" sz="1100" dirty="0" smtClean="0"/>
+              <a:t>mporter, labéliser et gérer les </a:t>
+            </a:r>
+            <a:r>
+              <a:rPr lang="fr-FR" sz="1100" dirty="0" err="1" smtClean="0"/>
+              <a:t>datasets</a:t>
+            </a:r>
+            <a:r>
+              <a:rPr lang="fr-FR" sz="1100" dirty="0" smtClean="0"/>
+              <a:t> pour entrainer des modèles ML</a:t>
+            </a:r>
+            <a:endParaRPr lang="fr-FR" sz="1100" dirty="0"/>
+          </a:p>
+        </p:txBody>
+      </p:sp>
+      <p:sp>
+        <p:nvSpPr>
+          <p:cNvPr id="8" name="ZoneTexte 7"/>
+          <p:cNvSpPr txBox="1"/>
+          <p:nvPr/>
+        </p:nvSpPr>
+        <p:spPr>
+          <a:xfrm>
+            <a:off x="6393230" y="1261099"/>
+            <a:ext cx="1754294" cy="784830"/>
+          </a:xfrm>
+          <a:prstGeom prst="rect">
+            <a:avLst/>
+          </a:prstGeom>
+        </p:spPr>
+        <p:style>
+          <a:lnRef idx="2">
+            <a:schemeClr val="accent1"/>
+          </a:lnRef>
+          <a:fillRef idx="1">
+            <a:schemeClr val="lt1"/>
+          </a:fillRef>
+          <a:effectRef idx="0">
+            <a:schemeClr val="accent1"/>
+          </a:effectRef>
+          <a:fontRef idx="minor">
+            <a:schemeClr val="dk1"/>
+          </a:fontRef>
+        </p:style>
+        <p:txBody>
+          <a:bodyPr wrap="square" rtlCol="0">
+            <a:spAutoFit/>
+          </a:bodyPr>
+          <a:lstStyle/>
+          <a:p>
+            <a:r>
+              <a:rPr lang="fr-FR" sz="1200" b="1" i="1" dirty="0" err="1" smtClean="0"/>
+              <a:t>AutoML</a:t>
+            </a:r>
+            <a:r>
+              <a:rPr lang="fr-FR" sz="1200" b="1" i="1" dirty="0" smtClean="0"/>
+              <a:t> : </a:t>
+            </a:r>
+            <a:r>
+              <a:rPr lang="fr-FR" sz="1200" dirty="0" smtClean="0"/>
+              <a:t/>
+            </a:r>
+            <a:br>
+              <a:rPr lang="fr-FR" sz="1200" dirty="0" smtClean="0"/>
+            </a:br>
+            <a:r>
+              <a:rPr lang="fr-FR" sz="1100" dirty="0"/>
+              <a:t>E</a:t>
+            </a:r>
+            <a:r>
+              <a:rPr lang="fr-FR" sz="1100" dirty="0" smtClean="0"/>
+              <a:t>ntrainer des modèles ML customisés sans coder</a:t>
+            </a:r>
+            <a:endParaRPr lang="fr-FR" sz="1100" dirty="0"/>
+          </a:p>
+        </p:txBody>
+      </p:sp>
+      <p:sp>
+        <p:nvSpPr>
+          <p:cNvPr id="9" name="ZoneTexte 8"/>
+          <p:cNvSpPr txBox="1"/>
+          <p:nvPr/>
+        </p:nvSpPr>
+        <p:spPr>
+          <a:xfrm>
+            <a:off x="103295" y="2518287"/>
+            <a:ext cx="1603585" cy="954107"/>
+          </a:xfrm>
+          <a:prstGeom prst="rect">
+            <a:avLst/>
+          </a:prstGeom>
+        </p:spPr>
+        <p:style>
+          <a:lnRef idx="2">
+            <a:schemeClr val="accent1"/>
+          </a:lnRef>
+          <a:fillRef idx="1">
+            <a:schemeClr val="lt1"/>
+          </a:fillRef>
+          <a:effectRef idx="0">
+            <a:schemeClr val="accent1"/>
+          </a:effectRef>
+          <a:fontRef idx="minor">
+            <a:schemeClr val="dk1"/>
+          </a:fontRef>
+        </p:style>
+        <p:txBody>
+          <a:bodyPr wrap="square" rtlCol="0">
+            <a:spAutoFit/>
+          </a:bodyPr>
+          <a:lstStyle/>
+          <a:p>
+            <a:r>
+              <a:rPr lang="fr-FR" sz="1200" b="1" i="1" dirty="0" err="1" smtClean="0"/>
+              <a:t>Feature</a:t>
+            </a:r>
+            <a:r>
+              <a:rPr lang="fr-FR" sz="1200" b="1" i="1" dirty="0" smtClean="0"/>
+              <a:t> Store : </a:t>
+            </a:r>
+            <a:br>
+              <a:rPr lang="fr-FR" sz="1200" b="1" i="1" dirty="0" smtClean="0"/>
+            </a:br>
+            <a:r>
+              <a:rPr lang="fr-FR" sz="1100" dirty="0"/>
+              <a:t>C</a:t>
+            </a:r>
+            <a:r>
+              <a:rPr lang="fr-FR" sz="1100" dirty="0" smtClean="0"/>
+              <a:t>entraliser le stockage et partager les </a:t>
+            </a:r>
+            <a:r>
+              <a:rPr lang="fr-FR" sz="1100" dirty="0" err="1" smtClean="0"/>
+              <a:t>features</a:t>
+            </a:r>
+            <a:r>
+              <a:rPr lang="fr-FR" sz="1100" dirty="0" smtClean="0"/>
+              <a:t> pour de différents modèles</a:t>
+            </a:r>
+            <a:endParaRPr lang="fr-FR" sz="1100" dirty="0"/>
+          </a:p>
+        </p:txBody>
+      </p:sp>
+      <p:sp>
+        <p:nvSpPr>
+          <p:cNvPr id="10" name="ZoneTexte 9"/>
+          <p:cNvSpPr txBox="1"/>
+          <p:nvPr/>
+        </p:nvSpPr>
+        <p:spPr>
+          <a:xfrm>
+            <a:off x="103295" y="4070441"/>
+            <a:ext cx="1556172" cy="1138773"/>
+          </a:xfrm>
+          <a:prstGeom prst="rect">
+            <a:avLst/>
+          </a:prstGeom>
+        </p:spPr>
+        <p:style>
+          <a:lnRef idx="2">
+            <a:schemeClr val="accent1"/>
+          </a:lnRef>
+          <a:fillRef idx="1">
+            <a:schemeClr val="lt1"/>
+          </a:fillRef>
+          <a:effectRef idx="0">
+            <a:schemeClr val="accent1"/>
+          </a:effectRef>
+          <a:fontRef idx="minor">
+            <a:schemeClr val="dk1"/>
+          </a:fontRef>
+        </p:style>
+        <p:txBody>
+          <a:bodyPr wrap="square" rtlCol="0">
+            <a:spAutoFit/>
+          </a:bodyPr>
+          <a:lstStyle/>
+          <a:p>
+            <a:r>
+              <a:rPr lang="fr-FR" sz="1200" b="1" i="1" dirty="0" smtClean="0"/>
+              <a:t>Modèle Customisé : - </a:t>
+            </a:r>
+            <a:r>
+              <a:rPr lang="fr-FR" sz="1100" dirty="0" smtClean="0"/>
+              <a:t>Entrainer des modèles ML avec des hardwares optimisés</a:t>
+            </a:r>
+            <a:br>
+              <a:rPr lang="fr-FR" sz="1100" dirty="0" smtClean="0"/>
+            </a:br>
+            <a:r>
+              <a:rPr lang="fr-FR" sz="1100" dirty="0" smtClean="0"/>
+              <a:t>- Fine-tuner automatiquement</a:t>
+            </a:r>
+            <a:endParaRPr lang="fr-FR" sz="1100" dirty="0"/>
+          </a:p>
+        </p:txBody>
+      </p:sp>
+      <p:sp>
+        <p:nvSpPr>
+          <p:cNvPr id="11" name="ZoneTexte 10"/>
+          <p:cNvSpPr txBox="1"/>
+          <p:nvPr/>
+        </p:nvSpPr>
+        <p:spPr>
+          <a:xfrm>
+            <a:off x="9763238" y="2218978"/>
+            <a:ext cx="1754294" cy="1123384"/>
+          </a:xfrm>
+          <a:prstGeom prst="rect">
+            <a:avLst/>
+          </a:prstGeom>
+        </p:spPr>
+        <p:style>
+          <a:lnRef idx="2">
+            <a:schemeClr val="accent1"/>
+          </a:lnRef>
+          <a:fillRef idx="1">
+            <a:schemeClr val="lt1"/>
+          </a:fillRef>
+          <a:effectRef idx="0">
+            <a:schemeClr val="accent1"/>
+          </a:effectRef>
+          <a:fontRef idx="minor">
+            <a:schemeClr val="dk1"/>
+          </a:fontRef>
+        </p:style>
+        <p:txBody>
+          <a:bodyPr wrap="square" rtlCol="0">
+            <a:spAutoFit/>
+          </a:bodyPr>
+          <a:lstStyle/>
+          <a:p>
+            <a:r>
+              <a:rPr lang="fr-FR" sz="1200" b="1" i="1" dirty="0" smtClean="0"/>
+              <a:t>Model </a:t>
+            </a:r>
+            <a:r>
+              <a:rPr lang="fr-FR" sz="1200" b="1" i="1" dirty="0" err="1" smtClean="0"/>
+              <a:t>Serving</a:t>
+            </a:r>
+            <a:r>
+              <a:rPr lang="fr-FR" sz="1200" b="1" i="1" dirty="0" smtClean="0"/>
+              <a:t> : </a:t>
+            </a:r>
+            <a:r>
+              <a:rPr lang="fr-FR" sz="1100" dirty="0" smtClean="0"/>
+              <a:t>Déployer le modèle avec Vertex AI </a:t>
+            </a:r>
+            <a:r>
+              <a:rPr lang="fr-FR" sz="1100" dirty="0" err="1" smtClean="0"/>
+              <a:t>Endpoint</a:t>
+            </a:r>
+            <a:r>
+              <a:rPr lang="fr-FR" sz="1100" dirty="0" smtClean="0"/>
+              <a:t> compatible avec l’inférence en temps-réel et en batch</a:t>
+            </a:r>
+            <a:endParaRPr lang="fr-FR" sz="1100" dirty="0"/>
+          </a:p>
+        </p:txBody>
+      </p:sp>
+      <p:sp>
+        <p:nvSpPr>
+          <p:cNvPr id="12" name="ZoneTexte 11"/>
+          <p:cNvSpPr txBox="1"/>
+          <p:nvPr/>
+        </p:nvSpPr>
+        <p:spPr>
+          <a:xfrm>
+            <a:off x="9763238" y="3767012"/>
+            <a:ext cx="1754294" cy="1661993"/>
+          </a:xfrm>
+          <a:prstGeom prst="rect">
+            <a:avLst/>
+          </a:prstGeom>
+        </p:spPr>
+        <p:style>
+          <a:lnRef idx="2">
+            <a:schemeClr val="accent1"/>
+          </a:lnRef>
+          <a:fillRef idx="1">
+            <a:schemeClr val="lt1"/>
+          </a:fillRef>
+          <a:effectRef idx="0">
+            <a:schemeClr val="accent1"/>
+          </a:effectRef>
+          <a:fontRef idx="minor">
+            <a:schemeClr val="dk1"/>
+          </a:fontRef>
+        </p:style>
+        <p:txBody>
+          <a:bodyPr wrap="square" rtlCol="0">
+            <a:spAutoFit/>
+          </a:bodyPr>
+          <a:lstStyle/>
+          <a:p>
+            <a:r>
+              <a:rPr lang="fr-FR" sz="1200" b="1" i="1" dirty="0" err="1" smtClean="0"/>
+              <a:t>MLOps</a:t>
+            </a:r>
+            <a:r>
+              <a:rPr lang="fr-FR" sz="1200" b="1" i="1" dirty="0" smtClean="0"/>
+              <a:t> &amp; Model Monitoring : </a:t>
+            </a:r>
+            <a:br>
+              <a:rPr lang="fr-FR" sz="1200" b="1" i="1" dirty="0" smtClean="0"/>
+            </a:br>
+            <a:r>
+              <a:rPr lang="fr-FR" sz="1200" b="1" i="1" dirty="0" smtClean="0"/>
+              <a:t>- </a:t>
+            </a:r>
+            <a:r>
+              <a:rPr lang="fr-FR" sz="1100" dirty="0" smtClean="0"/>
+              <a:t>Automatiser et orchestrer le pipeline ML</a:t>
+            </a:r>
+            <a:br>
+              <a:rPr lang="fr-FR" sz="1100" dirty="0" smtClean="0"/>
+            </a:br>
+            <a:r>
+              <a:rPr lang="fr-FR" sz="1100" dirty="0" smtClean="0"/>
+              <a:t>- Monitor le modèle drift, data drift</a:t>
+            </a:r>
+            <a:br>
+              <a:rPr lang="fr-FR" sz="1100" dirty="0" smtClean="0"/>
+            </a:br>
+            <a:r>
+              <a:rPr lang="fr-FR" sz="1100" dirty="0" smtClean="0"/>
+              <a:t>- </a:t>
+            </a:r>
+            <a:r>
+              <a:rPr lang="fr-FR" sz="1100" dirty="0" err="1" smtClean="0"/>
+              <a:t>Versionner</a:t>
+            </a:r>
+            <a:r>
+              <a:rPr lang="fr-FR" sz="1100" dirty="0" smtClean="0"/>
+              <a:t> de différents entrainements des modèles</a:t>
+            </a:r>
+            <a:endParaRPr lang="fr-FR" sz="1100" dirty="0"/>
+          </a:p>
+        </p:txBody>
+      </p:sp>
+      <p:cxnSp>
+        <p:nvCxnSpPr>
+          <p:cNvPr id="15" name="Connecteur droit avec flèche 14"/>
+          <p:cNvCxnSpPr>
+            <a:stCxn id="7" idx="2"/>
+          </p:cNvCxnSpPr>
+          <p:nvPr/>
+        </p:nvCxnSpPr>
+        <p:spPr>
+          <a:xfrm flipH="1">
+            <a:off x="2626231" y="2045929"/>
+            <a:ext cx="1322884" cy="1374604"/>
+          </a:xfrm>
+          <a:prstGeom prst="straightConnector1">
+            <a:avLst/>
+          </a:prstGeom>
+          <a:ln>
+            <a:prstDash val="lgDash"/>
+            <a:tailEnd type="triangle"/>
+          </a:ln>
+        </p:spPr>
+        <p:style>
+          <a:lnRef idx="1">
+            <a:schemeClr val="accent1"/>
+          </a:lnRef>
+          <a:fillRef idx="0">
+            <a:schemeClr val="accent1"/>
+          </a:fillRef>
+          <a:effectRef idx="0">
+            <a:schemeClr val="accent1"/>
+          </a:effectRef>
+          <a:fontRef idx="minor">
+            <a:schemeClr val="tx1"/>
+          </a:fontRef>
+        </p:style>
+      </p:cxnSp>
+      <p:cxnSp>
+        <p:nvCxnSpPr>
+          <p:cNvPr id="17" name="Connecteur droit avec flèche 16"/>
+          <p:cNvCxnSpPr>
+            <a:stCxn id="8" idx="2"/>
+          </p:cNvCxnSpPr>
+          <p:nvPr/>
+        </p:nvCxnSpPr>
+        <p:spPr>
+          <a:xfrm flipH="1">
+            <a:off x="4900508" y="2045929"/>
+            <a:ext cx="2369869" cy="792098"/>
+          </a:xfrm>
+          <a:prstGeom prst="straightConnector1">
+            <a:avLst/>
+          </a:prstGeom>
+          <a:ln>
+            <a:prstDash val="dash"/>
+            <a:tailEnd type="triangle"/>
+          </a:ln>
+        </p:spPr>
+        <p:style>
+          <a:lnRef idx="1">
+            <a:schemeClr val="accent1"/>
+          </a:lnRef>
+          <a:fillRef idx="0">
+            <a:schemeClr val="accent1"/>
+          </a:fillRef>
+          <a:effectRef idx="0">
+            <a:schemeClr val="accent1"/>
+          </a:effectRef>
+          <a:fontRef idx="minor">
+            <a:schemeClr val="tx1"/>
+          </a:fontRef>
+        </p:style>
+      </p:cxnSp>
+      <p:cxnSp>
+        <p:nvCxnSpPr>
+          <p:cNvPr id="21" name="Connecteur droit avec flèche 20"/>
+          <p:cNvCxnSpPr>
+            <a:stCxn id="7" idx="2"/>
+          </p:cNvCxnSpPr>
+          <p:nvPr/>
+        </p:nvCxnSpPr>
+        <p:spPr>
+          <a:xfrm flipH="1">
+            <a:off x="2932853" y="2045929"/>
+            <a:ext cx="1016262" cy="1721083"/>
+          </a:xfrm>
+          <a:prstGeom prst="straightConnector1">
+            <a:avLst/>
+          </a:prstGeom>
+          <a:ln>
+            <a:prstDash val="dash"/>
+            <a:tailEnd type="triangle"/>
+          </a:ln>
+        </p:spPr>
+        <p:style>
+          <a:lnRef idx="1">
+            <a:schemeClr val="accent1"/>
+          </a:lnRef>
+          <a:fillRef idx="0">
+            <a:schemeClr val="accent1"/>
+          </a:fillRef>
+          <a:effectRef idx="0">
+            <a:schemeClr val="accent1"/>
+          </a:effectRef>
+          <a:fontRef idx="minor">
+            <a:schemeClr val="tx1"/>
+          </a:fontRef>
+        </p:style>
+      </p:cxnSp>
+      <p:cxnSp>
+        <p:nvCxnSpPr>
+          <p:cNvPr id="23" name="Connecteur droit avec flèche 22"/>
+          <p:cNvCxnSpPr>
+            <a:stCxn id="9" idx="3"/>
+          </p:cNvCxnSpPr>
+          <p:nvPr/>
+        </p:nvCxnSpPr>
+        <p:spPr>
+          <a:xfrm>
+            <a:off x="1706880" y="2995341"/>
+            <a:ext cx="1361440" cy="477053"/>
+          </a:xfrm>
+          <a:prstGeom prst="straightConnector1">
+            <a:avLst/>
+          </a:prstGeom>
+          <a:ln>
+            <a:prstDash val="lgDash"/>
+            <a:tailEnd type="triangle"/>
+          </a:ln>
+        </p:spPr>
+        <p:style>
+          <a:lnRef idx="1">
+            <a:schemeClr val="accent1"/>
+          </a:lnRef>
+          <a:fillRef idx="0">
+            <a:schemeClr val="accent1"/>
+          </a:fillRef>
+          <a:effectRef idx="0">
+            <a:schemeClr val="accent1"/>
+          </a:effectRef>
+          <a:fontRef idx="minor">
+            <a:schemeClr val="tx1"/>
+          </a:fontRef>
+        </p:style>
+      </p:cxnSp>
+      <p:cxnSp>
+        <p:nvCxnSpPr>
+          <p:cNvPr id="25" name="Connecteur droit avec flèche 24"/>
+          <p:cNvCxnSpPr>
+            <a:stCxn id="10" idx="3"/>
+          </p:cNvCxnSpPr>
+          <p:nvPr/>
+        </p:nvCxnSpPr>
+        <p:spPr>
+          <a:xfrm flipV="1">
+            <a:off x="1659467" y="3657600"/>
+            <a:ext cx="2289648" cy="982228"/>
+          </a:xfrm>
+          <a:prstGeom prst="straightConnector1">
+            <a:avLst/>
+          </a:prstGeom>
+          <a:ln>
+            <a:prstDash val="dash"/>
+            <a:tailEnd type="triangle"/>
+          </a:ln>
+        </p:spPr>
+        <p:style>
+          <a:lnRef idx="1">
+            <a:schemeClr val="accent1"/>
+          </a:lnRef>
+          <a:fillRef idx="0">
+            <a:schemeClr val="accent1"/>
+          </a:fillRef>
+          <a:effectRef idx="0">
+            <a:schemeClr val="accent1"/>
+          </a:effectRef>
+          <a:fontRef idx="minor">
+            <a:schemeClr val="tx1"/>
+          </a:fontRef>
+        </p:style>
+      </p:cxnSp>
+      <p:cxnSp>
+        <p:nvCxnSpPr>
+          <p:cNvPr id="27" name="Connecteur droit avec flèche 26"/>
+          <p:cNvCxnSpPr>
+            <a:stCxn id="12" idx="1"/>
+          </p:cNvCxnSpPr>
+          <p:nvPr/>
+        </p:nvCxnSpPr>
+        <p:spPr>
+          <a:xfrm flipH="1">
+            <a:off x="6590454" y="4598009"/>
+            <a:ext cx="3172784" cy="251698"/>
+          </a:xfrm>
+          <a:prstGeom prst="straightConnector1">
+            <a:avLst/>
+          </a:prstGeom>
+          <a:ln>
+            <a:prstDash val="dash"/>
+            <a:tailEnd type="triangle"/>
+          </a:ln>
+        </p:spPr>
+        <p:style>
+          <a:lnRef idx="1">
+            <a:schemeClr val="accent1"/>
+          </a:lnRef>
+          <a:fillRef idx="0">
+            <a:schemeClr val="accent1"/>
+          </a:fillRef>
+          <a:effectRef idx="0">
+            <a:schemeClr val="accent1"/>
+          </a:effectRef>
+          <a:fontRef idx="minor">
+            <a:schemeClr val="tx1"/>
+          </a:fontRef>
+        </p:style>
+      </p:cxnSp>
+      <p:cxnSp>
+        <p:nvCxnSpPr>
+          <p:cNvPr id="29" name="Connecteur droit avec flèche 28"/>
+          <p:cNvCxnSpPr>
+            <a:stCxn id="12" idx="1"/>
+          </p:cNvCxnSpPr>
+          <p:nvPr/>
+        </p:nvCxnSpPr>
+        <p:spPr>
+          <a:xfrm flipH="1" flipV="1">
+            <a:off x="4700694" y="4266006"/>
+            <a:ext cx="5062544" cy="332003"/>
+          </a:xfrm>
+          <a:prstGeom prst="straightConnector1">
+            <a:avLst/>
+          </a:prstGeom>
+          <a:ln>
+            <a:prstDash val="dash"/>
+            <a:tailEnd type="triangle"/>
+          </a:ln>
+        </p:spPr>
+        <p:style>
+          <a:lnRef idx="1">
+            <a:schemeClr val="accent1"/>
+          </a:lnRef>
+          <a:fillRef idx="0">
+            <a:schemeClr val="accent1"/>
+          </a:fillRef>
+          <a:effectRef idx="0">
+            <a:schemeClr val="accent1"/>
+          </a:effectRef>
+          <a:fontRef idx="minor">
+            <a:schemeClr val="tx1"/>
+          </a:fontRef>
+        </p:style>
+      </p:cxnSp>
+      <p:cxnSp>
+        <p:nvCxnSpPr>
+          <p:cNvPr id="31" name="Connecteur droit avec flèche 30"/>
+          <p:cNvCxnSpPr>
+            <a:stCxn id="11" idx="1"/>
+          </p:cNvCxnSpPr>
+          <p:nvPr/>
+        </p:nvCxnSpPr>
+        <p:spPr>
+          <a:xfrm flipH="1">
+            <a:off x="5816268" y="2780670"/>
+            <a:ext cx="3946970" cy="766786"/>
+          </a:xfrm>
+          <a:prstGeom prst="straightConnector1">
+            <a:avLst/>
+          </a:prstGeom>
+          <a:ln>
+            <a:prstDash val="dash"/>
+            <a:tailEnd type="triangle"/>
+          </a:ln>
+        </p:spPr>
+        <p:style>
+          <a:lnRef idx="1">
+            <a:schemeClr val="accent1"/>
+          </a:lnRef>
+          <a:fillRef idx="0">
+            <a:schemeClr val="accent1"/>
+          </a:fillRef>
+          <a:effectRef idx="0">
+            <a:schemeClr val="accent1"/>
+          </a:effectRef>
+          <a:fontRef idx="minor">
+            <a:schemeClr val="tx1"/>
+          </a:fontRef>
+        </p:style>
+      </p:cxnSp>
+      <p:cxnSp>
+        <p:nvCxnSpPr>
+          <p:cNvPr id="33" name="Connecteur droit avec flèche 32"/>
+          <p:cNvCxnSpPr>
+            <a:stCxn id="12" idx="1"/>
+          </p:cNvCxnSpPr>
+          <p:nvPr/>
+        </p:nvCxnSpPr>
+        <p:spPr>
+          <a:xfrm flipH="1" flipV="1">
+            <a:off x="7877388" y="3747742"/>
+            <a:ext cx="1885850" cy="850267"/>
+          </a:xfrm>
+          <a:prstGeom prst="straightConnector1">
+            <a:avLst/>
+          </a:prstGeom>
+          <a:ln>
+            <a:prstDash val="dash"/>
+            <a:tailEnd type="triangle"/>
+          </a:ln>
+        </p:spPr>
+        <p:style>
+          <a:lnRef idx="1">
+            <a:schemeClr val="accent1"/>
+          </a:lnRef>
+          <a:fillRef idx="0">
+            <a:schemeClr val="accent1"/>
+          </a:fillRef>
+          <a:effectRef idx="0">
+            <a:schemeClr val="accent1"/>
+          </a:effectRef>
+          <a:fontRef idx="minor">
+            <a:schemeClr val="tx1"/>
+          </a:fontRef>
+        </p:style>
+      </p:cxnSp>
+    </p:spTree>
+    <p:extLst>
+      <p:ext uri="{BB962C8B-B14F-4D97-AF65-F5344CB8AC3E}">
+        <p14:creationId xmlns:p14="http://schemas.microsoft.com/office/powerpoint/2010/main" val="3391040791"/>
+      </p:ext>
+    </p:extLst>
+  </p:cSld>
+  <p:clrMapOvr>
+    <a:masterClrMapping/>
+  </p:clrMapOvr>
+  <p:timing>
+    <p:tnLst>
+      <p:par>
+        <p:cTn id="1" dur="indefinite" restart="never" nodeType="tmRoot"/>
+      </p:par>
+    </p:tnLst>
+  </p:timing>
+</p:sld>
+</file>
+
+<file path=ppt/slides/slide8.xml><?xml version="1.0" encoding="utf-8"?>
+<p:sld xmlns:a="http://schemas.openxmlformats.org/drawingml/2006/main" xmlns:r="http://schemas.openxmlformats.org/officeDocument/2006/relationships" xmlns:p="http://schemas.openxmlformats.org/presentationml/2006/main">
+  <p:cSld>
+    <p:spTree>
+      <p:nvGrpSpPr>
+        <p:cNvPr id="1" name=""/>
+        <p:cNvGrpSpPr/>
+        <p:nvPr/>
+      </p:nvGrpSpPr>
+      <p:grpSpPr>
+        <a:xfrm>
+          <a:off x="0" y="0"/>
+          <a:ext cx="0" cy="0"/>
+          <a:chOff x="0" y="0"/>
+          <a:chExt cx="0" cy="0"/>
+        </a:xfrm>
+      </p:grpSpPr>
+      <p:sp>
+        <p:nvSpPr>
+          <p:cNvPr id="2" name="Titre 1"/>
+          <p:cNvSpPr>
+            <a:spLocks noGrp="1"/>
+          </p:cNvSpPr>
+          <p:nvPr>
+            <p:ph type="title"/>
+          </p:nvPr>
+        </p:nvSpPr>
+        <p:spPr/>
+        <p:txBody>
+          <a:bodyPr/>
+          <a:lstStyle/>
+          <a:p>
+            <a:r>
+              <a:rPr lang="fr-FR" dirty="0" smtClean="0"/>
+              <a:t>Vertex AI – </a:t>
+            </a:r>
+            <a:r>
+              <a:rPr lang="fr-FR" dirty="0" err="1" smtClean="0"/>
+              <a:t>Feature</a:t>
+            </a:r>
+            <a:r>
+              <a:rPr lang="fr-FR" dirty="0" smtClean="0"/>
+              <a:t> Store</a:t>
+            </a:r>
+            <a:endParaRPr lang="fr-FR" dirty="0"/>
+          </a:p>
+        </p:txBody>
+      </p:sp>
+      <p:sp>
+        <p:nvSpPr>
+          <p:cNvPr id="4" name="Espace réservé du numéro de diapositive 3"/>
+          <p:cNvSpPr>
+            <a:spLocks noGrp="1"/>
+          </p:cNvSpPr>
+          <p:nvPr>
+            <p:ph type="sldNum" sz="quarter" idx="4"/>
+          </p:nvPr>
+        </p:nvSpPr>
+        <p:spPr/>
+        <p:txBody>
+          <a:bodyPr/>
+          <a:lstStyle/>
+          <a:p>
+            <a:pPr>
+              <a:defRPr/>
+            </a:pPr>
+            <a:fld id="{F4FEB08F-923E-484A-9FC5-0AA7BDA29BD6}" type="slidenum">
+              <a:rPr lang="fr-FR" smtClean="0"/>
+              <a:pPr>
+                <a:defRPr/>
+              </a:pPr>
+              <a:t>8</a:t>
+            </a:fld>
+            <a:endParaRPr lang="fr-FR" dirty="0"/>
+          </a:p>
+        </p:txBody>
+      </p:sp>
+      <p:sp>
+        <p:nvSpPr>
+          <p:cNvPr id="5" name="Espace réservé du pied de page 4"/>
+          <p:cNvSpPr>
+            <a:spLocks noGrp="1"/>
+          </p:cNvSpPr>
+          <p:nvPr>
+            <p:ph type="ftr" sz="quarter" idx="3"/>
+          </p:nvPr>
+        </p:nvSpPr>
+        <p:spPr/>
+        <p:txBody>
+          <a:bodyPr/>
+          <a:lstStyle/>
+          <a:p>
+            <a:r>
+              <a:rPr lang="en-US"/>
+              <a:t>2025 | ©HeadMind Partners AI &amp; Blockchain | Confidentiel</a:t>
+            </a:r>
+            <a:endParaRPr lang="fr-FR" dirty="0"/>
+          </a:p>
+        </p:txBody>
+      </p:sp>
+      <p:pic>
+        <p:nvPicPr>
+          <p:cNvPr id="7" name="Picture 2" descr="Introduction to Vertex AI Feature Store - NashTech Insights"/>
+          <p:cNvPicPr>
+            <a:picLocks noChangeAspect="1" noChangeArrowheads="1"/>
+          </p:cNvPicPr>
+          <p:nvPr/>
+        </p:nvPicPr>
+        <p:blipFill>
+          <a:blip r:embed="rId2" cstate="screen">
+            <a:extLst>
+              <a:ext uri="{28A0092B-C50C-407E-A947-70E740481C1C}">
+                <a14:useLocalDpi xmlns:a14="http://schemas.microsoft.com/office/drawing/2010/main" val="0"/>
+              </a:ext>
+            </a:extLst>
+          </a:blip>
+          <a:srcRect/>
+          <a:stretch>
+            <a:fillRect/>
+          </a:stretch>
+        </p:blipFill>
+        <p:spPr bwMode="auto">
+          <a:xfrm>
+            <a:off x="526304" y="1755350"/>
+            <a:ext cx="6839857" cy="3590925"/>
+          </a:xfrm>
+          <a:prstGeom prst="rect">
+            <a:avLst/>
+          </a:prstGeom>
+          <a:noFill/>
+          <a:extLst>
+            <a:ext uri="{909E8E84-426E-40DD-AFC4-6F175D3DCCD1}">
+              <a14:hiddenFill xmlns:a14="http://schemas.microsoft.com/office/drawing/2010/main">
+                <a:solidFill>
+                  <a:srgbClr val="FFFFFF"/>
+                </a:solidFill>
+              </a14:hiddenFill>
+            </a:ext>
+          </a:extLst>
+        </p:spPr>
+      </p:pic>
+      <p:pic>
+        <p:nvPicPr>
+          <p:cNvPr id="8" name="Picture 2" descr="Data model and resources | Vertex AI | Google Cloud"/>
+          <p:cNvPicPr>
+            <a:picLocks noChangeAspect="1" noChangeArrowheads="1"/>
+          </p:cNvPicPr>
+          <p:nvPr/>
+        </p:nvPicPr>
+        <p:blipFill>
+          <a:blip r:embed="rId3" cstate="screen">
+            <a:extLst>
+              <a:ext uri="{28A0092B-C50C-407E-A947-70E740481C1C}">
+                <a14:useLocalDpi xmlns:a14="http://schemas.microsoft.com/office/drawing/2010/main" val="0"/>
+              </a:ext>
+            </a:extLst>
+          </a:blip>
+          <a:srcRect/>
+          <a:stretch>
+            <a:fillRect/>
+          </a:stretch>
+        </p:blipFill>
+        <p:spPr bwMode="auto">
+          <a:xfrm>
+            <a:off x="7433826" y="2486874"/>
+            <a:ext cx="4628861" cy="1880177"/>
+          </a:xfrm>
+          <a:prstGeom prst="rect">
+            <a:avLst/>
+          </a:prstGeom>
+          <a:noFill/>
+          <a:extLst>
+            <a:ext uri="{909E8E84-426E-40DD-AFC4-6F175D3DCCD1}">
+              <a14:hiddenFill xmlns:a14="http://schemas.microsoft.com/office/drawing/2010/main">
+                <a:solidFill>
+                  <a:srgbClr val="FFFFFF"/>
+                </a:solidFill>
+              </a14:hiddenFill>
+            </a:ext>
+          </a:extLst>
+        </p:spPr>
+      </p:pic>
+      <p:sp>
+        <p:nvSpPr>
+          <p:cNvPr id="6" name="ZoneTexte 5"/>
+          <p:cNvSpPr txBox="1"/>
+          <p:nvPr/>
+        </p:nvSpPr>
+        <p:spPr>
+          <a:xfrm>
+            <a:off x="3131947" y="5348509"/>
+            <a:ext cx="5912965" cy="369332"/>
+          </a:xfrm>
+          <a:prstGeom prst="rect">
+            <a:avLst/>
+          </a:prstGeom>
+          <a:noFill/>
+        </p:spPr>
+        <p:txBody>
+          <a:bodyPr wrap="none" rtlCol="0">
+            <a:spAutoFit/>
+          </a:bodyPr>
+          <a:lstStyle/>
+          <a:p>
+            <a:r>
+              <a:rPr lang="fr-FR" dirty="0" smtClean="0"/>
+              <a:t>Exemple d’utilisation de </a:t>
+            </a:r>
+            <a:r>
+              <a:rPr lang="fr-FR" dirty="0" err="1" smtClean="0"/>
+              <a:t>Feature</a:t>
+            </a:r>
+            <a:r>
+              <a:rPr lang="fr-FR" dirty="0" smtClean="0"/>
+              <a:t> Store dans un projet ML</a:t>
+            </a:r>
+            <a:endParaRPr lang="fr-FR" dirty="0"/>
+          </a:p>
+        </p:txBody>
+      </p:sp>
+    </p:spTree>
+    <p:extLst>
+      <p:ext uri="{BB962C8B-B14F-4D97-AF65-F5344CB8AC3E}">
+        <p14:creationId xmlns:p14="http://schemas.microsoft.com/office/powerpoint/2010/main" val="3347205837"/>
+      </p:ext>
+    </p:extLst>
+  </p:cSld>
+  <p:clrMapOvr>
+    <a:masterClrMapping/>
+  </p:clrMapOvr>
+  <p:timing>
+    <p:tnLst>
+      <p:par>
+        <p:cTn id="1" dur="indefinite" restart="never" nodeType="tmRoot"/>
+      </p:par>
+    </p:tnLst>
+  </p:timing>
+</p:sld>
+</file>
+
+<file path=ppt/slides/slide9.xml><?xml version="1.0" encoding="utf-8"?>
+<p:sld xmlns:a="http://schemas.openxmlformats.org/drawingml/2006/main" xmlns:r="http://schemas.openxmlformats.org/officeDocument/2006/relationships" xmlns:p="http://schemas.openxmlformats.org/presentationml/2006/main">
+  <p:cSld>
+    <p:spTree>
+      <p:nvGrpSpPr>
+        <p:cNvPr id="1" name=""/>
+        <p:cNvGrpSpPr/>
+        <p:nvPr/>
+      </p:nvGrpSpPr>
+      <p:grpSpPr>
+        <a:xfrm>
+          <a:off x="0" y="0"/>
+          <a:ext cx="0" cy="0"/>
+          <a:chOff x="0" y="0"/>
+          <a:chExt cx="0" cy="0"/>
+        </a:xfrm>
+      </p:grpSpPr>
+      <p:sp>
+        <p:nvSpPr>
+          <p:cNvPr id="2" name="Titre 1"/>
+          <p:cNvSpPr>
+            <a:spLocks noGrp="1"/>
+          </p:cNvSpPr>
+          <p:nvPr>
+            <p:ph type="title"/>
+          </p:nvPr>
+        </p:nvSpPr>
+        <p:spPr/>
+        <p:txBody>
+          <a:bodyPr/>
+          <a:lstStyle/>
+          <a:p>
+            <a:r>
+              <a:rPr lang="fr-FR" dirty="0" smtClean="0"/>
+              <a:t>Vertex AI – Model </a:t>
+            </a:r>
+            <a:r>
+              <a:rPr lang="fr-FR" dirty="0" err="1" smtClean="0"/>
+              <a:t>Registry</a:t>
+            </a:r>
+            <a:endParaRPr lang="fr-FR" dirty="0"/>
+          </a:p>
+        </p:txBody>
+      </p:sp>
+      <p:sp>
+        <p:nvSpPr>
+          <p:cNvPr id="4" name="Espace réservé du numéro de diapositive 3"/>
+          <p:cNvSpPr>
+            <a:spLocks noGrp="1"/>
+          </p:cNvSpPr>
+          <p:nvPr>
+            <p:ph type="sldNum" sz="quarter" idx="4"/>
+          </p:nvPr>
+        </p:nvSpPr>
+        <p:spPr/>
+        <p:txBody>
+          <a:bodyPr/>
+          <a:lstStyle/>
+          <a:p>
+            <a:pPr>
+              <a:defRPr/>
+            </a:pPr>
+            <a:fld id="{F4FEB08F-923E-484A-9FC5-0AA7BDA29BD6}" type="slidenum">
+              <a:rPr lang="fr-FR" smtClean="0"/>
+              <a:pPr>
+                <a:defRPr/>
+              </a:pPr>
+              <a:t>9</a:t>
             </a:fld>
             <a:endParaRPr lang="fr-FR" dirty="0"/>
           </a:p>
@@ -15378,8 +18038,8 @@
         </p:blipFill>
         <p:spPr bwMode="auto">
           <a:xfrm>
-            <a:off x="1520929" y="1504707"/>
-            <a:ext cx="9135001" cy="4450050"/>
+            <a:off x="2070154" y="1429169"/>
+            <a:ext cx="8036551" cy="3914948"/>
           </a:xfrm>
           <a:prstGeom prst="rect">
             <a:avLst/>
@@ -15396,6 +18056,42 @@
           </a:extLst>
         </p:spPr>
       </p:pic>
+      <p:sp>
+        <p:nvSpPr>
+          <p:cNvPr id="6" name="ZoneTexte 5"/>
+          <p:cNvSpPr txBox="1"/>
+          <p:nvPr/>
+        </p:nvSpPr>
+        <p:spPr>
+          <a:xfrm>
+            <a:off x="2181799" y="5471891"/>
+            <a:ext cx="7813260" cy="646331"/>
+          </a:xfrm>
+          <a:prstGeom prst="rect">
+            <a:avLst/>
+          </a:prstGeom>
+          <a:noFill/>
+        </p:spPr>
+        <p:txBody>
+          <a:bodyPr wrap="square" rtlCol="0">
+            <a:spAutoFit/>
+          </a:bodyPr>
+          <a:lstStyle/>
+          <a:p>
+            <a:r>
+              <a:rPr lang="fr-FR" dirty="0" err="1" smtClean="0"/>
+              <a:t>Versionning</a:t>
+            </a:r>
+            <a:r>
+              <a:rPr lang="fr-FR" dirty="0" smtClean="0"/>
+              <a:t> de plusieurs modèles et déployer le meilleur modèle facilement</a:t>
+            </a:r>
+          </a:p>
+          <a:p>
+            <a:endParaRPr lang="fr-FR" dirty="0"/>
+          </a:p>
+        </p:txBody>
+      </p:sp>
     </p:spTree>
     <p:extLst>
       <p:ext uri="{BB962C8B-B14F-4D97-AF65-F5344CB8AC3E}">
@@ -15406,332 +18102,13 @@
   <p:clrMapOvr>
     <a:masterClrMapping/>
   </p:clrMapOvr>
-</p:sld>
-</file>
-
-<file path=ppt/slides/slide8.xml><?xml version="1.0" encoding="utf-8"?>
-<p:sld xmlns:a="http://schemas.openxmlformats.org/drawingml/2006/main" xmlns:r="http://schemas.openxmlformats.org/officeDocument/2006/relationships" xmlns:p="http://schemas.openxmlformats.org/presentationml/2006/main">
-  <p:cSld>
-    <p:spTree>
-      <p:nvGrpSpPr>
-        <p:cNvPr id="1" name=""/>
-        <p:cNvGrpSpPr/>
-        <p:nvPr/>
-      </p:nvGrpSpPr>
-      <p:grpSpPr>
-        <a:xfrm>
-          <a:off x="0" y="0"/>
-          <a:ext cx="0" cy="0"/>
-          <a:chOff x="0" y="0"/>
-          <a:chExt cx="0" cy="0"/>
-        </a:xfrm>
-      </p:grpSpPr>
-      <p:sp>
-        <p:nvSpPr>
-          <p:cNvPr id="2" name="Titre 1"/>
-          <p:cNvSpPr>
-            <a:spLocks noGrp="1"/>
-          </p:cNvSpPr>
-          <p:nvPr>
-            <p:ph type="title"/>
-          </p:nvPr>
-        </p:nvSpPr>
-        <p:spPr/>
-        <p:txBody>
-          <a:bodyPr/>
-          <a:lstStyle/>
-          <a:p>
-            <a:r>
-              <a:rPr lang="fr-FR" dirty="0" smtClean="0"/>
-              <a:t>Vertex AI – Model Evaluation</a:t>
-            </a:r>
-            <a:br>
-              <a:rPr lang="fr-FR" dirty="0" smtClean="0"/>
-            </a:br>
-            <a:r>
-              <a:rPr lang="fr-FR" dirty="0" err="1" smtClean="0"/>
-              <a:t>Tensorboard</a:t>
-            </a:r>
-            <a:endParaRPr lang="fr-FR" dirty="0"/>
-          </a:p>
-        </p:txBody>
-      </p:sp>
-      <p:sp>
-        <p:nvSpPr>
-          <p:cNvPr id="3" name="Espace réservé du texte 2"/>
-          <p:cNvSpPr>
-            <a:spLocks noGrp="1"/>
-          </p:cNvSpPr>
-          <p:nvPr>
-            <p:ph type="body" sz="quarter" idx="14"/>
-          </p:nvPr>
-        </p:nvSpPr>
-        <p:spPr/>
-        <p:txBody>
-          <a:bodyPr/>
-          <a:lstStyle/>
-          <a:p>
-            <a:pPr fontAlgn="ctr"/>
-            <a:endParaRPr lang="fr-FR" dirty="0"/>
-          </a:p>
-        </p:txBody>
-      </p:sp>
-      <p:sp>
-        <p:nvSpPr>
-          <p:cNvPr id="4" name="Espace réservé du numéro de diapositive 3"/>
-          <p:cNvSpPr>
-            <a:spLocks noGrp="1"/>
-          </p:cNvSpPr>
-          <p:nvPr>
-            <p:ph type="sldNum" sz="quarter" idx="4"/>
-          </p:nvPr>
-        </p:nvSpPr>
-        <p:spPr/>
-        <p:txBody>
-          <a:bodyPr/>
-          <a:lstStyle/>
-          <a:p>
-            <a:pPr>
-              <a:defRPr/>
-            </a:pPr>
-            <a:fld id="{F4FEB08F-923E-484A-9FC5-0AA7BDA29BD6}" type="slidenum">
-              <a:rPr lang="fr-FR" smtClean="0"/>
-              <a:pPr>
-                <a:defRPr/>
-              </a:pPr>
-              <a:t>8</a:t>
-            </a:fld>
-            <a:endParaRPr lang="fr-FR" dirty="0"/>
-          </a:p>
-        </p:txBody>
-      </p:sp>
-      <p:sp>
-        <p:nvSpPr>
-          <p:cNvPr id="5" name="Espace réservé du pied de page 4"/>
-          <p:cNvSpPr>
-            <a:spLocks noGrp="1"/>
-          </p:cNvSpPr>
-          <p:nvPr>
-            <p:ph type="ftr" sz="quarter" idx="3"/>
-          </p:nvPr>
-        </p:nvSpPr>
-        <p:spPr/>
-        <p:txBody>
-          <a:bodyPr/>
-          <a:lstStyle/>
-          <a:p>
-            <a:r>
-              <a:rPr lang="en-US"/>
-              <a:t>2025 | ©HeadMind Partners AI &amp; Blockchain | Confidentiel</a:t>
-            </a:r>
-            <a:endParaRPr lang="fr-FR" dirty="0"/>
-          </a:p>
-        </p:txBody>
-      </p:sp>
-      <p:pic>
-        <p:nvPicPr>
-          <p:cNvPr id="7" name="Picture 2" descr="TensorBoard view appears"/>
-          <p:cNvPicPr>
-            <a:picLocks noChangeAspect="1" noChangeArrowheads="1"/>
-          </p:cNvPicPr>
-          <p:nvPr/>
-        </p:nvPicPr>
-        <p:blipFill>
-          <a:blip r:embed="rId2">
-            <a:extLst>
-              <a:ext uri="{28A0092B-C50C-407E-A947-70E740481C1C}">
-                <a14:useLocalDpi xmlns:a14="http://schemas.microsoft.com/office/drawing/2010/main" val="0"/>
-              </a:ext>
-            </a:extLst>
-          </a:blip>
-          <a:srcRect/>
-          <a:stretch>
-            <a:fillRect/>
-          </a:stretch>
-        </p:blipFill>
-        <p:spPr bwMode="auto">
-          <a:xfrm>
-            <a:off x="3433335" y="1423789"/>
-            <a:ext cx="5310190" cy="4826223"/>
-          </a:xfrm>
-          <a:prstGeom prst="rect">
-            <a:avLst/>
-          </a:prstGeom>
-          <a:noFill/>
-          <a:extLst>
-            <a:ext uri="{909E8E84-426E-40DD-AFC4-6F175D3DCCD1}">
-              <a14:hiddenFill xmlns:a14="http://schemas.microsoft.com/office/drawing/2010/main">
-                <a:solidFill>
-                  <a:srgbClr val="FFFFFF"/>
-                </a:solidFill>
-              </a14:hiddenFill>
-            </a:ext>
-          </a:extLst>
-        </p:spPr>
-      </p:pic>
-    </p:spTree>
-    <p:extLst>
-      <p:ext uri="{BB962C8B-B14F-4D97-AF65-F5344CB8AC3E}">
-        <p14:creationId xmlns:p14="http://schemas.microsoft.com/office/powerpoint/2010/main" val="3993066215"/>
-      </p:ext>
-    </p:extLst>
-  </p:cSld>
-  <p:clrMapOvr>
-    <a:masterClrMapping/>
-  </p:clrMapOvr>
-</p:sld>
-</file>
-
-<file path=ppt/slides/slide9.xml><?xml version="1.0" encoding="utf-8"?>
-<p:sld xmlns:a="http://schemas.openxmlformats.org/drawingml/2006/main" xmlns:r="http://schemas.openxmlformats.org/officeDocument/2006/relationships" xmlns:p="http://schemas.openxmlformats.org/presentationml/2006/main">
-  <p:cSld>
-    <p:spTree>
-      <p:nvGrpSpPr>
-        <p:cNvPr id="1" name=""/>
-        <p:cNvGrpSpPr/>
-        <p:nvPr/>
-      </p:nvGrpSpPr>
-      <p:grpSpPr>
-        <a:xfrm>
-          <a:off x="0" y="0"/>
-          <a:ext cx="0" cy="0"/>
-          <a:chOff x="0" y="0"/>
-          <a:chExt cx="0" cy="0"/>
-        </a:xfrm>
-      </p:grpSpPr>
-      <p:sp>
-        <p:nvSpPr>
-          <p:cNvPr id="2" name="Titre 1"/>
-          <p:cNvSpPr>
-            <a:spLocks noGrp="1"/>
-          </p:cNvSpPr>
-          <p:nvPr>
-            <p:ph type="title"/>
-          </p:nvPr>
-        </p:nvSpPr>
-        <p:spPr/>
-        <p:txBody>
-          <a:bodyPr/>
-          <a:lstStyle/>
-          <a:p>
-            <a:r>
-              <a:rPr lang="fr-FR" dirty="0" smtClean="0"/>
-              <a:t>Vertex AI – </a:t>
-            </a:r>
-            <a:r>
-              <a:rPr lang="fr-FR" dirty="0" err="1" smtClean="0"/>
-              <a:t>Experiments</a:t>
-            </a:r>
-            <a:endParaRPr lang="fr-FR" dirty="0"/>
-          </a:p>
-        </p:txBody>
-      </p:sp>
-      <p:sp>
-        <p:nvSpPr>
-          <p:cNvPr id="3" name="Espace réservé du texte 2"/>
-          <p:cNvSpPr>
-            <a:spLocks noGrp="1"/>
-          </p:cNvSpPr>
-          <p:nvPr>
-            <p:ph type="body" sz="quarter" idx="14"/>
-          </p:nvPr>
-        </p:nvSpPr>
-        <p:spPr/>
-        <p:txBody>
-          <a:bodyPr/>
-          <a:lstStyle/>
-          <a:p>
-            <a:pPr fontAlgn="ctr"/>
-            <a:endParaRPr lang="fr-FR" dirty="0"/>
-          </a:p>
-        </p:txBody>
-      </p:sp>
-      <p:sp>
-        <p:nvSpPr>
-          <p:cNvPr id="4" name="Espace réservé du numéro de diapositive 3"/>
-          <p:cNvSpPr>
-            <a:spLocks noGrp="1"/>
-          </p:cNvSpPr>
-          <p:nvPr>
-            <p:ph type="sldNum" sz="quarter" idx="4"/>
-          </p:nvPr>
-        </p:nvSpPr>
-        <p:spPr/>
-        <p:txBody>
-          <a:bodyPr/>
-          <a:lstStyle/>
-          <a:p>
-            <a:pPr>
-              <a:defRPr/>
-            </a:pPr>
-            <a:fld id="{F4FEB08F-923E-484A-9FC5-0AA7BDA29BD6}" type="slidenum">
-              <a:rPr lang="fr-FR" smtClean="0"/>
-              <a:pPr>
-                <a:defRPr/>
-              </a:pPr>
-              <a:t>9</a:t>
-            </a:fld>
-            <a:endParaRPr lang="fr-FR" dirty="0"/>
-          </a:p>
-        </p:txBody>
-      </p:sp>
-      <p:sp>
-        <p:nvSpPr>
-          <p:cNvPr id="5" name="Espace réservé du pied de page 4"/>
-          <p:cNvSpPr>
-            <a:spLocks noGrp="1"/>
-          </p:cNvSpPr>
-          <p:nvPr>
-            <p:ph type="ftr" sz="quarter" idx="3"/>
-          </p:nvPr>
-        </p:nvSpPr>
-        <p:spPr/>
-        <p:txBody>
-          <a:bodyPr/>
-          <a:lstStyle/>
-          <a:p>
-            <a:r>
-              <a:rPr lang="en-US"/>
-              <a:t>2025 | ©HeadMind Partners AI &amp; Blockchain | Confidentiel</a:t>
-            </a:r>
-            <a:endParaRPr lang="fr-FR" dirty="0"/>
-          </a:p>
-        </p:txBody>
-      </p:sp>
-      <p:pic>
-        <p:nvPicPr>
-          <p:cNvPr id="8" name="Espace réservé du contenu 3"/>
-          <p:cNvPicPr>
-            <a:picLocks noChangeAspect="1"/>
-          </p:cNvPicPr>
-          <p:nvPr/>
-        </p:nvPicPr>
-        <p:blipFill>
-          <a:blip r:embed="rId2"/>
-          <a:stretch>
-            <a:fillRect/>
-          </a:stretch>
-        </p:blipFill>
-        <p:spPr>
-          <a:xfrm>
-            <a:off x="1813629" y="1258270"/>
-            <a:ext cx="8549602" cy="5087584"/>
-          </a:xfrm>
-          <a:prstGeom prst="rect">
-            <a:avLst/>
-          </a:prstGeom>
-        </p:spPr>
-      </p:pic>
-    </p:spTree>
-    <p:extLst>
-      <p:ext uri="{BB962C8B-B14F-4D97-AF65-F5344CB8AC3E}">
-        <p14:creationId xmlns:p14="http://schemas.microsoft.com/office/powerpoint/2010/main" val="2830721752"/>
-      </p:ext>
-    </p:extLst>
-  </p:cSld>
-  <p:clrMapOvr>
-    <a:masterClrMapping/>
-  </p:clrMapOvr>
+  <p:timing>
+    <p:tnLst>
+      <p:par>
+        <p:cTn id="1" dur="indefinite" restart="never" nodeType="tmRoot"/>
+      </p:par>
+    </p:tnLst>
+  </p:timing>
 </p:sld>
 </file>
 

--- a/slides/2_flowml-on-gcp/gcp_mlops_vertexai_supaero.pptx
+++ b/slides/2_flowml-on-gcp/gcp_mlops_vertexai_supaero.pptx
@@ -14610,7 +14610,7 @@
           <a:p>
             <a:r>
               <a:rPr lang="fr-FR" dirty="0" smtClean="0"/>
-              <a:t>Suivi des expériences ML</a:t>
+              <a:t>Introduction de Vertex AI</a:t>
             </a:r>
             <a:endParaRPr lang="fr-FR" dirty="0"/>
           </a:p>
@@ -14637,8 +14637,12 @@
           <a:lstStyle/>
           <a:p>
             <a:r>
+              <a:rPr lang="fr-FR" dirty="0" err="1" smtClean="0"/>
+              <a:t>Feature</a:t>
+            </a:r>
+            <a:r>
               <a:rPr lang="fr-FR" dirty="0" smtClean="0"/>
-              <a:t>Evaluation des modèles</a:t>
+              <a:t> Store</a:t>
             </a:r>
             <a:endParaRPr lang="fr-FR" dirty="0"/>
           </a:p>
@@ -14881,8 +14885,12 @@
           <a:lstStyle/>
           <a:p>
             <a:r>
+              <a:rPr lang="fr-FR" dirty="0"/>
+              <a:t>Evaluation des </a:t>
+            </a:r>
+            <a:r>
               <a:rPr lang="fr-FR" dirty="0" smtClean="0"/>
-              <a:t>Registre des modèles</a:t>
+              <a:t>modèles</a:t>
             </a:r>
             <a:endParaRPr lang="fr-FR" dirty="0"/>
           </a:p>
@@ -14961,8 +14969,8 @@
           <a:lstStyle/>
           <a:p>
             <a:r>
-              <a:rPr lang="fr-FR" dirty="0" smtClean="0"/>
-              <a:t>Workflow complet avec Vertex AI</a:t>
+              <a:rPr lang="fr-FR" dirty="0"/>
+              <a:t>Suivi des expériences ML</a:t>
             </a:r>
             <a:endParaRPr lang="fr-FR" dirty="0"/>
           </a:p>
@@ -16264,15 +16272,7 @@
             <a:pPr algn="r"/>
             <a:r>
               <a:rPr lang="fr-FR" dirty="0" smtClean="0"/>
-              <a:t>AI et Machine Learning : outils </a:t>
-            </a:r>
-            <a:r>
-              <a:rPr lang="fr-FR" dirty="0" smtClean="0"/>
-              <a:t>pour </a:t>
-            </a:r>
-            <a:r>
-              <a:rPr lang="fr-FR" dirty="0" smtClean="0"/>
-              <a:t>créer, entrainer et déployer des modèles ML</a:t>
+              <a:t>AI et Machine Learning : outils pour créer, entrainer et déployer des modèles ML</a:t>
             </a:r>
           </a:p>
           <a:p>
@@ -16333,29 +16333,8 @@
           <a:p>
             <a:r>
               <a:rPr lang="fr-FR" dirty="0" smtClean="0"/>
-              <a:t>Gestion &amp; Supervision : outils pour </a:t>
-            </a:r>
-            <a:r>
-              <a:rPr lang="fr-FR" dirty="0" smtClean="0"/>
-              <a:t>surveiller </a:t>
-            </a:r>
-            <a:r>
-              <a:rPr lang="fr-FR" dirty="0" smtClean="0"/>
-              <a:t>et </a:t>
-            </a:r>
-            <a:r>
-              <a:rPr lang="fr-FR" dirty="0" smtClean="0"/>
-              <a:t>analyser </a:t>
-            </a:r>
-            <a:r>
-              <a:rPr lang="fr-FR" dirty="0" smtClean="0"/>
-              <a:t>les </a:t>
-            </a:r>
-            <a:r>
-              <a:rPr lang="fr-FR" dirty="0" smtClean="0"/>
-              <a:t>performances</a:t>
-            </a:r>
-            <a:endParaRPr lang="fr-FR" dirty="0" smtClean="0"/>
+              <a:t>Gestion &amp; Supervision : outils pour surveiller et analyser les performances</a:t>
+            </a:r>
           </a:p>
           <a:p>
             <a:r>
@@ -18604,33 +18583,6 @@
 </file>
 
 <file path=customXml/item1.xml><?xml version="1.0" encoding="utf-8"?>
-<?mso-contentType ?>
-<FormTemplates xmlns="http://schemas.microsoft.com/sharepoint/v3/contenttype/forms">
-  <Display>DocumentLibraryForm</Display>
-  <Edit>DocumentLibraryForm</Edit>
-  <New>DocumentLibraryForm</New>
-</FormTemplates>
-</file>
-
-<file path=customXml/item2.xml><?xml version="1.0" encoding="utf-8"?>
-<p:properties xmlns:p="http://schemas.microsoft.com/office/2006/metadata/properties" xmlns:xsi="http://www.w3.org/2001/XMLSchema-instance" xmlns:pc="http://schemas.microsoft.com/office/infopath/2007/PartnerControls">
-  <documentManagement>
-    <lcf76f155ced4ddcb4097134ff3c332f xmlns="e2f9eb68-5d77-4602-9d99-0eaaa8925c8e">
-      <Terms xmlns="http://schemas.microsoft.com/office/infopath/2007/PartnerControls"/>
-    </lcf76f155ced4ddcb4097134ff3c332f>
-    <personne xmlns="e2f9eb68-5d77-4602-9d99-0eaaa8925c8e">
-      <UserInfo>
-        <DisplayName/>
-        <AccountId xsi:nil="true"/>
-        <AccountType/>
-      </UserInfo>
-    </personne>
-    <TaxCatchAll xmlns="93ab2efc-1084-4875-9b06-0073a3e57f15" xsi:nil="true"/>
-  </documentManagement>
-</p:properties>
-</file>
-
-<file path=customXml/item3.xml><?xml version="1.0" encoding="utf-8"?>
 <ct:contentTypeSchema xmlns:ct="http://schemas.microsoft.com/office/2006/metadata/contentType" xmlns:ma="http://schemas.microsoft.com/office/2006/metadata/properties/metaAttributes" ct:_="" ma:_="" ma:contentTypeName="Document" ma:contentTypeID="0x010100321709754A40D34DBA1703E9DDDF438F" ma:contentTypeVersion="13" ma:contentTypeDescription="Crée un document." ma:contentTypeScope="" ma:versionID="9a8e9a940b2d44290d8f0e3897e27c2f">
   <xsd:schema xmlns:xsd="http://www.w3.org/2001/XMLSchema" xmlns:xs="http://www.w3.org/2001/XMLSchema" xmlns:p="http://schemas.microsoft.com/office/2006/metadata/properties" xmlns:ns2="e2f9eb68-5d77-4602-9d99-0eaaa8925c8e" xmlns:ns3="93ab2efc-1084-4875-9b06-0073a3e57f15" targetNamespace="http://schemas.microsoft.com/office/2006/metadata/properties" ma:root="true" ma:fieldsID="8c4c8fb2e7a7c298573adc71028af4c1" ns2:_="" ns3:_="">
     <xsd:import namespace="e2f9eb68-5d77-4602-9d99-0eaaa8925c8e"/>
@@ -18851,10 +18803,48 @@
 </ct:contentTypeSchema>
 </file>
 
+<file path=customXml/item2.xml><?xml version="1.0" encoding="utf-8"?>
+<p:properties xmlns:p="http://schemas.microsoft.com/office/2006/metadata/properties" xmlns:xsi="http://www.w3.org/2001/XMLSchema-instance" xmlns:pc="http://schemas.microsoft.com/office/infopath/2007/PartnerControls">
+  <documentManagement>
+    <lcf76f155ced4ddcb4097134ff3c332f xmlns="e2f9eb68-5d77-4602-9d99-0eaaa8925c8e">
+      <Terms xmlns="http://schemas.microsoft.com/office/infopath/2007/PartnerControls"/>
+    </lcf76f155ced4ddcb4097134ff3c332f>
+    <personne xmlns="e2f9eb68-5d77-4602-9d99-0eaaa8925c8e">
+      <UserInfo>
+        <DisplayName/>
+        <AccountId xsi:nil="true"/>
+        <AccountType/>
+      </UserInfo>
+    </personne>
+    <TaxCatchAll xmlns="93ab2efc-1084-4875-9b06-0073a3e57f15" xsi:nil="true"/>
+  </documentManagement>
+</p:properties>
+</file>
+
+<file path=customXml/item3.xml><?xml version="1.0" encoding="utf-8"?>
+<?mso-contentType ?>
+<FormTemplates xmlns="http://schemas.microsoft.com/sharepoint/v3/contenttype/forms">
+  <Display>DocumentLibraryForm</Display>
+  <Edit>DocumentLibraryForm</Edit>
+  <New>DocumentLibraryForm</New>
+</FormTemplates>
+</file>
+
 <file path=customXml/itemProps1.xml><?xml version="1.0" encoding="utf-8"?>
-<ds:datastoreItem xmlns:ds="http://schemas.openxmlformats.org/officeDocument/2006/customXml" ds:itemID="{C24B94D7-ED94-4192-97DD-11B73E358477}">
+<ds:datastoreItem xmlns:ds="http://schemas.openxmlformats.org/officeDocument/2006/customXml" ds:itemID="{AF3819AB-55B8-4180-87C1-2B982EA0DA58}">
   <ds:schemaRefs>
-    <ds:schemaRef ds:uri="http://schemas.microsoft.com/sharepoint/v3/contenttype/forms"/>
+    <ds:schemaRef ds:uri="http://schemas.microsoft.com/office/2006/metadata/contentType"/>
+    <ds:schemaRef ds:uri="http://schemas.microsoft.com/office/2006/metadata/properties/metaAttributes"/>
+    <ds:schemaRef ds:uri="http://www.w3.org/2001/XMLSchema"/>
+    <ds:schemaRef ds:uri="http://schemas.microsoft.com/office/2006/metadata/properties"/>
+    <ds:schemaRef ds:uri="e2f9eb68-5d77-4602-9d99-0eaaa8925c8e"/>
+    <ds:schemaRef ds:uri="93ab2efc-1084-4875-9b06-0073a3e57f15"/>
+    <ds:schemaRef ds:uri="http://schemas.microsoft.com/office/2006/documentManagement/types"/>
+    <ds:schemaRef ds:uri="http://schemas.microsoft.com/office/infopath/2007/PartnerControls"/>
+    <ds:schemaRef ds:uri="http://schemas.openxmlformats.org/package/2006/metadata/core-properties"/>
+    <ds:schemaRef ds:uri="http://purl.org/dc/elements/1.1/"/>
+    <ds:schemaRef ds:uri="http://purl.org/dc/terms/"/>
+    <ds:schemaRef ds:uri="http://schemas.microsoft.com/internal/obd"/>
   </ds:schemaRefs>
 </ds:datastoreItem>
 </file>
@@ -18871,20 +18861,9 @@
 </file>
 
 <file path=customXml/itemProps3.xml><?xml version="1.0" encoding="utf-8"?>
-<ds:datastoreItem xmlns:ds="http://schemas.openxmlformats.org/officeDocument/2006/customXml" ds:itemID="{AF3819AB-55B8-4180-87C1-2B982EA0DA58}">
+<ds:datastoreItem xmlns:ds="http://schemas.openxmlformats.org/officeDocument/2006/customXml" ds:itemID="{C24B94D7-ED94-4192-97DD-11B73E358477}">
   <ds:schemaRefs>
-    <ds:schemaRef ds:uri="http://schemas.microsoft.com/office/2006/metadata/contentType"/>
-    <ds:schemaRef ds:uri="http://schemas.microsoft.com/office/2006/metadata/properties/metaAttributes"/>
-    <ds:schemaRef ds:uri="http://www.w3.org/2001/XMLSchema"/>
-    <ds:schemaRef ds:uri="http://schemas.microsoft.com/office/2006/metadata/properties"/>
-    <ds:schemaRef ds:uri="e2f9eb68-5d77-4602-9d99-0eaaa8925c8e"/>
-    <ds:schemaRef ds:uri="93ab2efc-1084-4875-9b06-0073a3e57f15"/>
-    <ds:schemaRef ds:uri="http://schemas.microsoft.com/office/2006/documentManagement/types"/>
-    <ds:schemaRef ds:uri="http://schemas.microsoft.com/office/infopath/2007/PartnerControls"/>
-    <ds:schemaRef ds:uri="http://schemas.openxmlformats.org/package/2006/metadata/core-properties"/>
-    <ds:schemaRef ds:uri="http://purl.org/dc/elements/1.1/"/>
-    <ds:schemaRef ds:uri="http://purl.org/dc/terms/"/>
-    <ds:schemaRef ds:uri="http://schemas.microsoft.com/internal/obd"/>
+    <ds:schemaRef ds:uri="http://schemas.microsoft.com/sharepoint/v3/contenttype/forms"/>
   </ds:schemaRefs>
 </ds:datastoreItem>
 </file>
--- a/slides/2_flowml-on-gcp/gcp_mlops_vertexai_supaero.pptx
+++ b/slides/2_flowml-on-gcp/gcp_mlops_vertexai_supaero.pptx
@@ -12351,7 +12351,11 @@
           <a:p>
             <a:r>
               <a:rPr lang="fr-FR" dirty="0" smtClean="0"/>
-              <a:t>Vertex AI – Expérimentes</a:t>
+              <a:t>Vertex AI – </a:t>
+            </a:r>
+            <a:r>
+              <a:rPr lang="fr-FR" dirty="0" smtClean="0"/>
+              <a:t>Expériences</a:t>
             </a:r>
             <a:endParaRPr lang="fr-FR" dirty="0"/>
           </a:p>
@@ -12457,7 +12461,11 @@
           <a:p>
             <a:r>
               <a:rPr lang="fr-FR" b="1" i="1" dirty="0" smtClean="0"/>
-              <a:t>Expérimentes:</a:t>
+              <a:t>Expériences</a:t>
+            </a:r>
+            <a:r>
+              <a:rPr lang="fr-FR" b="1" i="1" dirty="0" smtClean="0"/>
+              <a:t>:</a:t>
             </a:r>
           </a:p>
           <a:p>
@@ -14972,7 +14980,6 @@
               <a:rPr lang="fr-FR" dirty="0"/>
               <a:t>Suivi des expériences ML</a:t>
             </a:r>
-            <a:endParaRPr lang="fr-FR" dirty="0"/>
           </a:p>
         </p:txBody>
       </p:sp>
@@ -17308,7 +17315,11 @@
             </a:r>
             <a:r>
               <a:rPr lang="fr-FR" sz="1100" dirty="0" smtClean="0"/>
-              <a:t> de différents entrainements des modèles</a:t>
+              <a:t> </a:t>
+            </a:r>
+            <a:r>
+              <a:rPr lang="fr-FR" sz="1100" dirty="0" smtClean="0"/>
+              <a:t>de différents entrainements des modèles</a:t>
             </a:r>
             <a:endParaRPr lang="fr-FR" sz="1100" dirty="0"/>
           </a:p>
@@ -18583,6 +18594,33 @@
 </file>
 
 <file path=customXml/item1.xml><?xml version="1.0" encoding="utf-8"?>
+<?mso-contentType ?>
+<FormTemplates xmlns="http://schemas.microsoft.com/sharepoint/v3/contenttype/forms">
+  <Display>DocumentLibraryForm</Display>
+  <Edit>DocumentLibraryForm</Edit>
+  <New>DocumentLibraryForm</New>
+</FormTemplates>
+</file>
+
+<file path=customXml/item2.xml><?xml version="1.0" encoding="utf-8"?>
+<p:properties xmlns:p="http://schemas.microsoft.com/office/2006/metadata/properties" xmlns:xsi="http://www.w3.org/2001/XMLSchema-instance" xmlns:pc="http://schemas.microsoft.com/office/infopath/2007/PartnerControls">
+  <documentManagement>
+    <lcf76f155ced4ddcb4097134ff3c332f xmlns="e2f9eb68-5d77-4602-9d99-0eaaa8925c8e">
+      <Terms xmlns="http://schemas.microsoft.com/office/infopath/2007/PartnerControls"/>
+    </lcf76f155ced4ddcb4097134ff3c332f>
+    <personne xmlns="e2f9eb68-5d77-4602-9d99-0eaaa8925c8e">
+      <UserInfo>
+        <DisplayName/>
+        <AccountId xsi:nil="true"/>
+        <AccountType/>
+      </UserInfo>
+    </personne>
+    <TaxCatchAll xmlns="93ab2efc-1084-4875-9b06-0073a3e57f15" xsi:nil="true"/>
+  </documentManagement>
+</p:properties>
+</file>
+
+<file path=customXml/item3.xml><?xml version="1.0" encoding="utf-8"?>
 <ct:contentTypeSchema xmlns:ct="http://schemas.microsoft.com/office/2006/metadata/contentType" xmlns:ma="http://schemas.microsoft.com/office/2006/metadata/properties/metaAttributes" ct:_="" ma:_="" ma:contentTypeName="Document" ma:contentTypeID="0x010100321709754A40D34DBA1703E9DDDF438F" ma:contentTypeVersion="13" ma:contentTypeDescription="Crée un document." ma:contentTypeScope="" ma:versionID="9a8e9a940b2d44290d8f0e3897e27c2f">
   <xsd:schema xmlns:xsd="http://www.w3.org/2001/XMLSchema" xmlns:xs="http://www.w3.org/2001/XMLSchema" xmlns:p="http://schemas.microsoft.com/office/2006/metadata/properties" xmlns:ns2="e2f9eb68-5d77-4602-9d99-0eaaa8925c8e" xmlns:ns3="93ab2efc-1084-4875-9b06-0073a3e57f15" targetNamespace="http://schemas.microsoft.com/office/2006/metadata/properties" ma:root="true" ma:fieldsID="8c4c8fb2e7a7c298573adc71028af4c1" ns2:_="" ns3:_="">
     <xsd:import namespace="e2f9eb68-5d77-4602-9d99-0eaaa8925c8e"/>
@@ -18803,34 +18841,26 @@
 </ct:contentTypeSchema>
 </file>
 
-<file path=customXml/item2.xml><?xml version="1.0" encoding="utf-8"?>
-<p:properties xmlns:p="http://schemas.microsoft.com/office/2006/metadata/properties" xmlns:xsi="http://www.w3.org/2001/XMLSchema-instance" xmlns:pc="http://schemas.microsoft.com/office/infopath/2007/PartnerControls">
-  <documentManagement>
-    <lcf76f155ced4ddcb4097134ff3c332f xmlns="e2f9eb68-5d77-4602-9d99-0eaaa8925c8e">
-      <Terms xmlns="http://schemas.microsoft.com/office/infopath/2007/PartnerControls"/>
-    </lcf76f155ced4ddcb4097134ff3c332f>
-    <personne xmlns="e2f9eb68-5d77-4602-9d99-0eaaa8925c8e">
-      <UserInfo>
-        <DisplayName/>
-        <AccountId xsi:nil="true"/>
-        <AccountType/>
-      </UserInfo>
-    </personne>
-    <TaxCatchAll xmlns="93ab2efc-1084-4875-9b06-0073a3e57f15" xsi:nil="true"/>
-  </documentManagement>
-</p:properties>
+<file path=customXml/itemProps1.xml><?xml version="1.0" encoding="utf-8"?>
+<ds:datastoreItem xmlns:ds="http://schemas.openxmlformats.org/officeDocument/2006/customXml" ds:itemID="{C24B94D7-ED94-4192-97DD-11B73E358477}">
+  <ds:schemaRefs>
+    <ds:schemaRef ds:uri="http://schemas.microsoft.com/sharepoint/v3/contenttype/forms"/>
+  </ds:schemaRefs>
+</ds:datastoreItem>
 </file>
 
-<file path=customXml/item3.xml><?xml version="1.0" encoding="utf-8"?>
-<?mso-contentType ?>
-<FormTemplates xmlns="http://schemas.microsoft.com/sharepoint/v3/contenttype/forms">
-  <Display>DocumentLibraryForm</Display>
-  <Edit>DocumentLibraryForm</Edit>
-  <New>DocumentLibraryForm</New>
-</FormTemplates>
+<file path=customXml/itemProps2.xml><?xml version="1.0" encoding="utf-8"?>
+<ds:datastoreItem xmlns:ds="http://schemas.openxmlformats.org/officeDocument/2006/customXml" ds:itemID="{8215448F-9EF6-4099-BCA6-FB343ED9492B}">
+  <ds:schemaRefs>
+    <ds:schemaRef ds:uri="http://schemas.microsoft.com/office/2006/metadata/properties"/>
+    <ds:schemaRef ds:uri="http://schemas.microsoft.com/office/infopath/2007/PartnerControls"/>
+    <ds:schemaRef ds:uri="e2f9eb68-5d77-4602-9d99-0eaaa8925c8e"/>
+    <ds:schemaRef ds:uri="93ab2efc-1084-4875-9b06-0073a3e57f15"/>
+  </ds:schemaRefs>
+</ds:datastoreItem>
 </file>
 
-<file path=customXml/itemProps1.xml><?xml version="1.0" encoding="utf-8"?>
+<file path=customXml/itemProps3.xml><?xml version="1.0" encoding="utf-8"?>
 <ds:datastoreItem xmlns:ds="http://schemas.openxmlformats.org/officeDocument/2006/customXml" ds:itemID="{AF3819AB-55B8-4180-87C1-2B982EA0DA58}">
   <ds:schemaRefs>
     <ds:schemaRef ds:uri="http://schemas.microsoft.com/office/2006/metadata/contentType"/>
@@ -18847,23 +18877,4 @@
     <ds:schemaRef ds:uri="http://schemas.microsoft.com/internal/obd"/>
   </ds:schemaRefs>
 </ds:datastoreItem>
-</file>
-
-<file path=customXml/itemProps2.xml><?xml version="1.0" encoding="utf-8"?>
-<ds:datastoreItem xmlns:ds="http://schemas.openxmlformats.org/officeDocument/2006/customXml" ds:itemID="{8215448F-9EF6-4099-BCA6-FB343ED9492B}">
-  <ds:schemaRefs>
-    <ds:schemaRef ds:uri="http://schemas.microsoft.com/office/2006/metadata/properties"/>
-    <ds:schemaRef ds:uri="http://schemas.microsoft.com/office/infopath/2007/PartnerControls"/>
-    <ds:schemaRef ds:uri="e2f9eb68-5d77-4602-9d99-0eaaa8925c8e"/>
-    <ds:schemaRef ds:uri="93ab2efc-1084-4875-9b06-0073a3e57f15"/>
-  </ds:schemaRefs>
-</ds:datastoreItem>
-</file>
-
-<file path=customXml/itemProps3.xml><?xml version="1.0" encoding="utf-8"?>
-<ds:datastoreItem xmlns:ds="http://schemas.openxmlformats.org/officeDocument/2006/customXml" ds:itemID="{C24B94D7-ED94-4192-97DD-11B73E358477}">
-  <ds:schemaRefs>
-    <ds:schemaRef ds:uri="http://schemas.microsoft.com/sharepoint/v3/contenttype/forms"/>
-  </ds:schemaRefs>
-</ds:datastoreItem>
 </file>